--- a/1 - Offensive Security Tactics for Linux Professionals -  Introduction.pptx
+++ b/1 - Offensive Security Tactics for Linux Professionals -  Introduction.pptx
@@ -5,7 +5,7 @@
     <p:sldMasterId id="2147483648" r:id="rId1"/>
   </p:sldMasterIdLst>
   <p:notesMasterIdLst>
-    <p:notesMasterId r:id="rId20"/>
+    <p:notesMasterId r:id="rId19"/>
   </p:notesMasterIdLst>
   <p:sldIdLst>
     <p:sldId id="256" r:id="rId2"/>
@@ -24,8 +24,7 @@
     <p:sldId id="282" r:id="rId15"/>
     <p:sldId id="279" r:id="rId16"/>
     <p:sldId id="264" r:id="rId17"/>
-    <p:sldId id="265" r:id="rId18"/>
-    <p:sldId id="271" r:id="rId19"/>
+    <p:sldId id="271" r:id="rId18"/>
   </p:sldIdLst>
   <p:sldSz cx="12192000" cy="6858000"/>
   <p:notesSz cx="6858000" cy="9144000"/>
@@ -1799,788 +1798,6 @@
 </file>
 
 <file path=ppt/diagrams/colors3.xml><?xml version="1.0" encoding="utf-8"?>
-<dgm:colorsDef xmlns:dgm="http://schemas.openxmlformats.org/drawingml/2006/diagram" xmlns:a="http://schemas.openxmlformats.org/drawingml/2006/main" uniqueId="urn:microsoft.com/office/officeart/2005/8/colors/colorful5">
-  <dgm:title val=""/>
-  <dgm:desc val=""/>
-  <dgm:catLst>
-    <dgm:cat type="colorful" pri="10500"/>
-  </dgm:catLst>
-  <dgm:styleLbl name="node0">
-    <dgm:fillClrLst meth="repeat">
-      <a:schemeClr val="accent4"/>
-    </dgm:fillClrLst>
-    <dgm:linClrLst meth="repeat">
-      <a:schemeClr val="lt1"/>
-    </dgm:linClrLst>
-    <dgm:effectClrLst/>
-    <dgm:txLinClrLst/>
-    <dgm:txFillClrLst/>
-    <dgm:txEffectClrLst/>
-  </dgm:styleLbl>
-  <dgm:styleLbl name="node1">
-    <dgm:fillClrLst>
-      <a:schemeClr val="accent5"/>
-      <a:schemeClr val="accent6"/>
-    </dgm:fillClrLst>
-    <dgm:linClrLst meth="repeat">
-      <a:schemeClr val="lt1"/>
-    </dgm:linClrLst>
-    <dgm:effectClrLst/>
-    <dgm:txLinClrLst/>
-    <dgm:txFillClrLst/>
-    <dgm:txEffectClrLst/>
-  </dgm:styleLbl>
-  <dgm:styleLbl name="alignNode1">
-    <dgm:fillClrLst>
-      <a:schemeClr val="accent5"/>
-      <a:schemeClr val="accent6"/>
-    </dgm:fillClrLst>
-    <dgm:linClrLst>
-      <a:schemeClr val="accent5"/>
-      <a:schemeClr val="accent6"/>
-    </dgm:linClrLst>
-    <dgm:effectClrLst/>
-    <dgm:txLinClrLst/>
-    <dgm:txFillClrLst/>
-    <dgm:txEffectClrLst/>
-  </dgm:styleLbl>
-  <dgm:styleLbl name="lnNode1">
-    <dgm:fillClrLst>
-      <a:schemeClr val="accent5"/>
-      <a:schemeClr val="accent6"/>
-    </dgm:fillClrLst>
-    <dgm:linClrLst meth="repeat">
-      <a:schemeClr val="lt1"/>
-    </dgm:linClrLst>
-    <dgm:effectClrLst/>
-    <dgm:txLinClrLst/>
-    <dgm:txFillClrLst/>
-    <dgm:txEffectClrLst/>
-  </dgm:styleLbl>
-  <dgm:styleLbl name="vennNode1">
-    <dgm:fillClrLst>
-      <a:schemeClr val="accent5">
-        <a:alpha val="50000"/>
-      </a:schemeClr>
-      <a:schemeClr val="accent6">
-        <a:alpha val="50000"/>
-      </a:schemeClr>
-    </dgm:fillClrLst>
-    <dgm:linClrLst meth="repeat">
-      <a:schemeClr val="lt1"/>
-    </dgm:linClrLst>
-    <dgm:effectClrLst/>
-    <dgm:txLinClrLst/>
-    <dgm:txFillClrLst/>
-    <dgm:txEffectClrLst/>
-  </dgm:styleLbl>
-  <dgm:styleLbl name="node2">
-    <dgm:fillClrLst>
-      <a:schemeClr val="accent6"/>
-    </dgm:fillClrLst>
-    <dgm:linClrLst meth="repeat">
-      <a:schemeClr val="lt1"/>
-    </dgm:linClrLst>
-    <dgm:effectClrLst/>
-    <dgm:txLinClrLst/>
-    <dgm:txFillClrLst/>
-    <dgm:txEffectClrLst/>
-  </dgm:styleLbl>
-  <dgm:styleLbl name="node3">
-    <dgm:fillClrLst>
-      <a:schemeClr val="accent1"/>
-    </dgm:fillClrLst>
-    <dgm:linClrLst meth="repeat">
-      <a:schemeClr val="lt1"/>
-    </dgm:linClrLst>
-    <dgm:effectClrLst/>
-    <dgm:txLinClrLst/>
-    <dgm:txFillClrLst/>
-    <dgm:txEffectClrLst/>
-  </dgm:styleLbl>
-  <dgm:styleLbl name="node4">
-    <dgm:fillClrLst>
-      <a:schemeClr val="accent2"/>
-    </dgm:fillClrLst>
-    <dgm:linClrLst meth="repeat">
-      <a:schemeClr val="lt1"/>
-    </dgm:linClrLst>
-    <dgm:effectClrLst/>
-    <dgm:txLinClrLst/>
-    <dgm:txFillClrLst/>
-    <dgm:txEffectClrLst/>
-  </dgm:styleLbl>
-  <dgm:styleLbl name="fgImgPlace1">
-    <dgm:fillClrLst>
-      <a:schemeClr val="accent5">
-        <a:tint val="50000"/>
-      </a:schemeClr>
-      <a:schemeClr val="accent6">
-        <a:tint val="50000"/>
-      </a:schemeClr>
-    </dgm:fillClrLst>
-    <dgm:linClrLst meth="repeat">
-      <a:schemeClr val="lt1"/>
-    </dgm:linClrLst>
-    <dgm:effectClrLst/>
-    <dgm:txLinClrLst/>
-    <dgm:txFillClrLst meth="repeat">
-      <a:schemeClr val="lt1"/>
-    </dgm:txFillClrLst>
-    <dgm:txEffectClrLst/>
-  </dgm:styleLbl>
-  <dgm:styleLbl name="alignImgPlace1">
-    <dgm:fillClrLst>
-      <a:schemeClr val="accent5">
-        <a:tint val="50000"/>
-      </a:schemeClr>
-      <a:schemeClr val="accent6">
-        <a:tint val="20000"/>
-      </a:schemeClr>
-    </dgm:fillClrLst>
-    <dgm:linClrLst meth="repeat">
-      <a:schemeClr val="lt1"/>
-    </dgm:linClrLst>
-    <dgm:effectClrLst/>
-    <dgm:txLinClrLst/>
-    <dgm:txFillClrLst meth="repeat">
-      <a:schemeClr val="lt1"/>
-    </dgm:txFillClrLst>
-    <dgm:txEffectClrLst/>
-  </dgm:styleLbl>
-  <dgm:styleLbl name="bgImgPlace1">
-    <dgm:fillClrLst>
-      <a:schemeClr val="accent5">
-        <a:tint val="50000"/>
-      </a:schemeClr>
-      <a:schemeClr val="accent6">
-        <a:tint val="20000"/>
-      </a:schemeClr>
-    </dgm:fillClrLst>
-    <dgm:linClrLst meth="repeat">
-      <a:schemeClr val="lt1"/>
-    </dgm:linClrLst>
-    <dgm:effectClrLst/>
-    <dgm:txLinClrLst/>
-    <dgm:txFillClrLst meth="repeat">
-      <a:schemeClr val="lt1"/>
-    </dgm:txFillClrLst>
-    <dgm:txEffectClrLst/>
-  </dgm:styleLbl>
-  <dgm:styleLbl name="sibTrans2D1">
-    <dgm:fillClrLst>
-      <a:schemeClr val="accent5"/>
-      <a:schemeClr val="accent6"/>
-    </dgm:fillClrLst>
-    <dgm:linClrLst meth="repeat">
-      <a:schemeClr val="lt1"/>
-    </dgm:linClrLst>
-    <dgm:effectClrLst/>
-    <dgm:txLinClrLst/>
-    <dgm:txFillClrLst/>
-    <dgm:txEffectClrLst/>
-  </dgm:styleLbl>
-  <dgm:styleLbl name="fgSibTrans2D1">
-    <dgm:fillClrLst>
-      <a:schemeClr val="accent5"/>
-      <a:schemeClr val="accent6"/>
-    </dgm:fillClrLst>
-    <dgm:linClrLst meth="repeat">
-      <a:schemeClr val="lt1"/>
-    </dgm:linClrLst>
-    <dgm:effectClrLst/>
-    <dgm:txLinClrLst/>
-    <dgm:txFillClrLst meth="repeat">
-      <a:schemeClr val="lt1"/>
-    </dgm:txFillClrLst>
-    <dgm:txEffectClrLst/>
-  </dgm:styleLbl>
-  <dgm:styleLbl name="bgSibTrans2D1">
-    <dgm:fillClrLst>
-      <a:schemeClr val="accent5"/>
-      <a:schemeClr val="accent6"/>
-    </dgm:fillClrLst>
-    <dgm:linClrLst meth="repeat">
-      <a:schemeClr val="lt1"/>
-    </dgm:linClrLst>
-    <dgm:effectClrLst/>
-    <dgm:txLinClrLst/>
-    <dgm:txFillClrLst meth="repeat">
-      <a:schemeClr val="lt1"/>
-    </dgm:txFillClrLst>
-    <dgm:txEffectClrLst/>
-  </dgm:styleLbl>
-  <dgm:styleLbl name="sibTrans1D1">
-    <dgm:fillClrLst/>
-    <dgm:linClrLst>
-      <a:schemeClr val="accent5"/>
-      <a:schemeClr val="accent6"/>
-    </dgm:linClrLst>
-    <dgm:effectClrLst/>
-    <dgm:txLinClrLst/>
-    <dgm:txFillClrLst meth="repeat">
-      <a:schemeClr val="tx1"/>
-    </dgm:txFillClrLst>
-    <dgm:txEffectClrLst/>
-  </dgm:styleLbl>
-  <dgm:styleLbl name="callout">
-    <dgm:fillClrLst meth="repeat">
-      <a:schemeClr val="accent5"/>
-    </dgm:fillClrLst>
-    <dgm:linClrLst meth="repeat">
-      <a:schemeClr val="accent5">
-        <a:tint val="50000"/>
-      </a:schemeClr>
-    </dgm:linClrLst>
-    <dgm:effectClrLst/>
-    <dgm:txLinClrLst/>
-    <dgm:txFillClrLst meth="repeat">
-      <a:schemeClr val="tx1"/>
-    </dgm:txFillClrLst>
-    <dgm:txEffectClrLst/>
-  </dgm:styleLbl>
-  <dgm:styleLbl name="asst0">
-    <dgm:fillClrLst meth="repeat">
-      <a:schemeClr val="accent5"/>
-    </dgm:fillClrLst>
-    <dgm:linClrLst meth="repeat">
-      <a:schemeClr val="lt1">
-        <a:shade val="80000"/>
-      </a:schemeClr>
-    </dgm:linClrLst>
-    <dgm:effectClrLst/>
-    <dgm:txLinClrLst/>
-    <dgm:txFillClrLst/>
-    <dgm:txEffectClrLst/>
-  </dgm:styleLbl>
-  <dgm:styleLbl name="asst1">
-    <dgm:fillClrLst meth="repeat">
-      <a:schemeClr val="accent6"/>
-    </dgm:fillClrLst>
-    <dgm:linClrLst meth="repeat">
-      <a:schemeClr val="lt1">
-        <a:shade val="80000"/>
-      </a:schemeClr>
-    </dgm:linClrLst>
-    <dgm:effectClrLst/>
-    <dgm:txLinClrLst/>
-    <dgm:txFillClrLst/>
-    <dgm:txEffectClrLst/>
-  </dgm:styleLbl>
-  <dgm:styleLbl name="asst2">
-    <dgm:fillClrLst>
-      <a:schemeClr val="accent1"/>
-    </dgm:fillClrLst>
-    <dgm:linClrLst meth="repeat">
-      <a:schemeClr val="lt1"/>
-    </dgm:linClrLst>
-    <dgm:effectClrLst/>
-    <dgm:txLinClrLst/>
-    <dgm:txFillClrLst/>
-    <dgm:txEffectClrLst/>
-  </dgm:styleLbl>
-  <dgm:styleLbl name="asst3">
-    <dgm:fillClrLst>
-      <a:schemeClr val="accent2"/>
-    </dgm:fillClrLst>
-    <dgm:linClrLst meth="repeat">
-      <a:schemeClr val="lt1"/>
-    </dgm:linClrLst>
-    <dgm:effectClrLst/>
-    <dgm:txLinClrLst/>
-    <dgm:txFillClrLst/>
-    <dgm:txEffectClrLst/>
-  </dgm:styleLbl>
-  <dgm:styleLbl name="asst4">
-    <dgm:fillClrLst>
-      <a:schemeClr val="accent3"/>
-    </dgm:fillClrLst>
-    <dgm:linClrLst meth="repeat">
-      <a:schemeClr val="lt1"/>
-    </dgm:linClrLst>
-    <dgm:effectClrLst/>
-    <dgm:txLinClrLst/>
-    <dgm:txFillClrLst/>
-    <dgm:txEffectClrLst/>
-  </dgm:styleLbl>
-  <dgm:styleLbl name="parChTrans2D1">
-    <dgm:fillClrLst meth="repeat">
-      <a:schemeClr val="accent5"/>
-    </dgm:fillClrLst>
-    <dgm:linClrLst meth="repeat">
-      <a:schemeClr val="lt1"/>
-    </dgm:linClrLst>
-    <dgm:effectClrLst/>
-    <dgm:txLinClrLst/>
-    <dgm:txFillClrLst meth="repeat">
-      <a:schemeClr val="lt1"/>
-    </dgm:txFillClrLst>
-    <dgm:txEffectClrLst/>
-  </dgm:styleLbl>
-  <dgm:styleLbl name="parChTrans2D2">
-    <dgm:fillClrLst meth="repeat">
-      <a:schemeClr val="accent6"/>
-    </dgm:fillClrLst>
-    <dgm:linClrLst meth="repeat">
-      <a:schemeClr val="lt1"/>
-    </dgm:linClrLst>
-    <dgm:effectClrLst/>
-    <dgm:txLinClrLst/>
-    <dgm:txFillClrLst/>
-    <dgm:txEffectClrLst/>
-  </dgm:styleLbl>
-  <dgm:styleLbl name="parChTrans2D3">
-    <dgm:fillClrLst meth="repeat">
-      <a:schemeClr val="accent6"/>
-    </dgm:fillClrLst>
-    <dgm:linClrLst meth="repeat">
-      <a:schemeClr val="lt1"/>
-    </dgm:linClrLst>
-    <dgm:effectClrLst/>
-    <dgm:txLinClrLst/>
-    <dgm:txFillClrLst/>
-    <dgm:txEffectClrLst/>
-  </dgm:styleLbl>
-  <dgm:styleLbl name="parChTrans2D4">
-    <dgm:fillClrLst meth="repeat">
-      <a:schemeClr val="accent1"/>
-    </dgm:fillClrLst>
-    <dgm:linClrLst meth="repeat">
-      <a:schemeClr val="lt1"/>
-    </dgm:linClrLst>
-    <dgm:effectClrLst/>
-    <dgm:txLinClrLst/>
-    <dgm:txFillClrLst meth="repeat">
-      <a:schemeClr val="lt1"/>
-    </dgm:txFillClrLst>
-    <dgm:txEffectClrLst/>
-  </dgm:styleLbl>
-  <dgm:styleLbl name="parChTrans1D1">
-    <dgm:fillClrLst meth="repeat">
-      <a:schemeClr val="accent5"/>
-    </dgm:fillClrLst>
-    <dgm:linClrLst meth="repeat">
-      <a:schemeClr val="accent5"/>
-    </dgm:linClrLst>
-    <dgm:effectClrLst/>
-    <dgm:txLinClrLst/>
-    <dgm:txFillClrLst meth="repeat">
-      <a:schemeClr val="tx1"/>
-    </dgm:txFillClrLst>
-    <dgm:txEffectClrLst/>
-  </dgm:styleLbl>
-  <dgm:styleLbl name="parChTrans1D2">
-    <dgm:fillClrLst meth="repeat">
-      <a:schemeClr val="accent6">
-        <a:tint val="90000"/>
-      </a:schemeClr>
-    </dgm:fillClrLst>
-    <dgm:linClrLst meth="repeat">
-      <a:schemeClr val="accent6"/>
-    </dgm:linClrLst>
-    <dgm:effectClrLst/>
-    <dgm:txLinClrLst/>
-    <dgm:txFillClrLst meth="repeat">
-      <a:schemeClr val="tx1"/>
-    </dgm:txFillClrLst>
-    <dgm:txEffectClrLst/>
-  </dgm:styleLbl>
-  <dgm:styleLbl name="parChTrans1D3">
-    <dgm:fillClrLst meth="repeat">
-      <a:schemeClr val="accent6">
-        <a:tint val="70000"/>
-      </a:schemeClr>
-    </dgm:fillClrLst>
-    <dgm:linClrLst meth="repeat">
-      <a:schemeClr val="accent1"/>
-    </dgm:linClrLst>
-    <dgm:effectClrLst/>
-    <dgm:txLinClrLst/>
-    <dgm:txFillClrLst meth="repeat">
-      <a:schemeClr val="tx1"/>
-    </dgm:txFillClrLst>
-    <dgm:txEffectClrLst/>
-  </dgm:styleLbl>
-  <dgm:styleLbl name="parChTrans1D4">
-    <dgm:fillClrLst meth="repeat">
-      <a:schemeClr val="accent6">
-        <a:tint val="50000"/>
-      </a:schemeClr>
-    </dgm:fillClrLst>
-    <dgm:linClrLst meth="repeat">
-      <a:schemeClr val="accent2"/>
-    </dgm:linClrLst>
-    <dgm:effectClrLst/>
-    <dgm:txLinClrLst/>
-    <dgm:txFillClrLst meth="repeat">
-      <a:schemeClr val="tx1"/>
-    </dgm:txFillClrLst>
-    <dgm:txEffectClrLst/>
-  </dgm:styleLbl>
-  <dgm:styleLbl name="fgAcc1">
-    <dgm:fillClrLst meth="repeat">
-      <a:schemeClr val="lt1">
-        <a:alpha val="90000"/>
-      </a:schemeClr>
-    </dgm:fillClrLst>
-    <dgm:linClrLst>
-      <a:schemeClr val="accent5"/>
-      <a:schemeClr val="accent6"/>
-    </dgm:linClrLst>
-    <dgm:effectClrLst/>
-    <dgm:txLinClrLst/>
-    <dgm:txFillClrLst meth="repeat">
-      <a:schemeClr val="dk1"/>
-    </dgm:txFillClrLst>
-    <dgm:txEffectClrLst/>
-  </dgm:styleLbl>
-  <dgm:styleLbl name="conFgAcc1">
-    <dgm:fillClrLst meth="repeat">
-      <a:schemeClr val="lt1">
-        <a:alpha val="90000"/>
-      </a:schemeClr>
-    </dgm:fillClrLst>
-    <dgm:linClrLst>
-      <a:schemeClr val="accent5"/>
-      <a:schemeClr val="accent6"/>
-    </dgm:linClrLst>
-    <dgm:effectClrLst/>
-    <dgm:txLinClrLst/>
-    <dgm:txFillClrLst meth="repeat">
-      <a:schemeClr val="dk1"/>
-    </dgm:txFillClrLst>
-    <dgm:txEffectClrLst/>
-  </dgm:styleLbl>
-  <dgm:styleLbl name="alignAcc1">
-    <dgm:fillClrLst meth="repeat">
-      <a:schemeClr val="lt1">
-        <a:alpha val="90000"/>
-      </a:schemeClr>
-    </dgm:fillClrLst>
-    <dgm:linClrLst>
-      <a:schemeClr val="accent5"/>
-      <a:schemeClr val="accent6"/>
-    </dgm:linClrLst>
-    <dgm:effectClrLst/>
-    <dgm:txLinClrLst/>
-    <dgm:txFillClrLst meth="repeat">
-      <a:schemeClr val="dk1"/>
-    </dgm:txFillClrLst>
-    <dgm:txEffectClrLst/>
-  </dgm:styleLbl>
-  <dgm:styleLbl name="trAlignAcc1">
-    <dgm:fillClrLst meth="repeat">
-      <a:schemeClr val="lt1">
-        <a:alpha val="40000"/>
-      </a:schemeClr>
-    </dgm:fillClrLst>
-    <dgm:linClrLst meth="repeat">
-      <a:schemeClr val="accent5"/>
-    </dgm:linClrLst>
-    <dgm:effectClrLst/>
-    <dgm:txLinClrLst/>
-    <dgm:txFillClrLst meth="repeat">
-      <a:schemeClr val="dk1"/>
-    </dgm:txFillClrLst>
-    <dgm:txEffectClrLst/>
-  </dgm:styleLbl>
-  <dgm:styleLbl name="bgAcc1">
-    <dgm:fillClrLst meth="repeat">
-      <a:schemeClr val="lt1">
-        <a:alpha val="90000"/>
-      </a:schemeClr>
-    </dgm:fillClrLst>
-    <dgm:linClrLst>
-      <a:schemeClr val="accent5"/>
-      <a:schemeClr val="accent6"/>
-    </dgm:linClrLst>
-    <dgm:effectClrLst/>
-    <dgm:txLinClrLst/>
-    <dgm:txFillClrLst meth="repeat">
-      <a:schemeClr val="dk1"/>
-    </dgm:txFillClrLst>
-    <dgm:txEffectClrLst/>
-  </dgm:styleLbl>
-  <dgm:styleLbl name="solidFgAcc1">
-    <dgm:fillClrLst meth="repeat">
-      <a:schemeClr val="lt1"/>
-    </dgm:fillClrLst>
-    <dgm:linClrLst>
-      <a:schemeClr val="accent5"/>
-      <a:schemeClr val="accent6"/>
-    </dgm:linClrLst>
-    <dgm:effectClrLst/>
-    <dgm:txLinClrLst/>
-    <dgm:txFillClrLst meth="repeat">
-      <a:schemeClr val="dk1"/>
-    </dgm:txFillClrLst>
-    <dgm:txEffectClrLst/>
-  </dgm:styleLbl>
-  <dgm:styleLbl name="solidAlignAcc1">
-    <dgm:fillClrLst meth="repeat">
-      <a:schemeClr val="lt1"/>
-    </dgm:fillClrLst>
-    <dgm:linClrLst>
-      <a:schemeClr val="accent5"/>
-      <a:schemeClr val="accent6"/>
-    </dgm:linClrLst>
-    <dgm:effectClrLst/>
-    <dgm:txLinClrLst/>
-    <dgm:txFillClrLst meth="repeat">
-      <a:schemeClr val="dk1"/>
-    </dgm:txFillClrLst>
-    <dgm:txEffectClrLst/>
-  </dgm:styleLbl>
-  <dgm:styleLbl name="solidBgAcc1">
-    <dgm:fillClrLst meth="repeat">
-      <a:schemeClr val="lt1"/>
-    </dgm:fillClrLst>
-    <dgm:linClrLst>
-      <a:schemeClr val="accent5"/>
-      <a:schemeClr val="accent6"/>
-    </dgm:linClrLst>
-    <dgm:effectClrLst/>
-    <dgm:txLinClrLst/>
-    <dgm:txFillClrLst meth="repeat">
-      <a:schemeClr val="dk1"/>
-    </dgm:txFillClrLst>
-    <dgm:txEffectClrLst/>
-  </dgm:styleLbl>
-  <dgm:styleLbl name="fgAccFollowNode1">
-    <dgm:fillClrLst>
-      <a:schemeClr val="accent5">
-        <a:tint val="40000"/>
-        <a:alpha val="90000"/>
-      </a:schemeClr>
-      <a:schemeClr val="accent6">
-        <a:tint val="40000"/>
-        <a:alpha val="90000"/>
-      </a:schemeClr>
-    </dgm:fillClrLst>
-    <dgm:linClrLst>
-      <a:schemeClr val="accent5">
-        <a:tint val="40000"/>
-        <a:alpha val="90000"/>
-      </a:schemeClr>
-      <a:schemeClr val="accent5">
-        <a:tint val="40000"/>
-        <a:alpha val="90000"/>
-      </a:schemeClr>
-    </dgm:linClrLst>
-    <dgm:effectClrLst/>
-    <dgm:txLinClrLst/>
-    <dgm:txFillClrLst meth="repeat">
-      <a:schemeClr val="dk1"/>
-    </dgm:txFillClrLst>
-    <dgm:txEffectClrLst/>
-  </dgm:styleLbl>
-  <dgm:styleLbl name="alignAccFollowNode1">
-    <dgm:fillClrLst>
-      <a:schemeClr val="accent5">
-        <a:tint val="40000"/>
-        <a:alpha val="90000"/>
-      </a:schemeClr>
-      <a:schemeClr val="accent6">
-        <a:tint val="40000"/>
-        <a:alpha val="90000"/>
-      </a:schemeClr>
-    </dgm:fillClrLst>
-    <dgm:linClrLst>
-      <a:schemeClr val="accent5">
-        <a:tint val="40000"/>
-        <a:alpha val="90000"/>
-      </a:schemeClr>
-      <a:schemeClr val="accent6">
-        <a:tint val="40000"/>
-        <a:alpha val="90000"/>
-      </a:schemeClr>
-    </dgm:linClrLst>
-    <dgm:effectClrLst/>
-    <dgm:txLinClrLst/>
-    <dgm:txFillClrLst meth="repeat">
-      <a:schemeClr val="dk1"/>
-    </dgm:txFillClrLst>
-    <dgm:txEffectClrLst/>
-  </dgm:styleLbl>
-  <dgm:styleLbl name="bgAccFollowNode1">
-    <dgm:fillClrLst>
-      <a:schemeClr val="accent5">
-        <a:tint val="40000"/>
-        <a:alpha val="90000"/>
-      </a:schemeClr>
-      <a:schemeClr val="accent6">
-        <a:tint val="40000"/>
-        <a:alpha val="90000"/>
-      </a:schemeClr>
-    </dgm:fillClrLst>
-    <dgm:linClrLst>
-      <a:schemeClr val="accent5">
-        <a:tint val="40000"/>
-        <a:alpha val="90000"/>
-      </a:schemeClr>
-      <a:schemeClr val="accent6">
-        <a:tint val="40000"/>
-        <a:alpha val="90000"/>
-      </a:schemeClr>
-    </dgm:linClrLst>
-    <dgm:effectClrLst/>
-    <dgm:txLinClrLst/>
-    <dgm:txFillClrLst meth="repeat">
-      <a:schemeClr val="dk1"/>
-    </dgm:txFillClrLst>
-    <dgm:txEffectClrLst/>
-  </dgm:styleLbl>
-  <dgm:styleLbl name="fgAcc0">
-    <dgm:fillClrLst meth="repeat">
-      <a:schemeClr val="lt1">
-        <a:alpha val="90000"/>
-      </a:schemeClr>
-    </dgm:fillClrLst>
-    <dgm:linClrLst>
-      <a:schemeClr val="accent4"/>
-    </dgm:linClrLst>
-    <dgm:effectClrLst/>
-    <dgm:txLinClrLst/>
-    <dgm:txFillClrLst meth="repeat">
-      <a:schemeClr val="dk1"/>
-    </dgm:txFillClrLst>
-    <dgm:txEffectClrLst/>
-  </dgm:styleLbl>
-  <dgm:styleLbl name="fgAcc2">
-    <dgm:fillClrLst meth="repeat">
-      <a:schemeClr val="lt1">
-        <a:alpha val="90000"/>
-      </a:schemeClr>
-    </dgm:fillClrLst>
-    <dgm:linClrLst>
-      <a:schemeClr val="accent6"/>
-    </dgm:linClrLst>
-    <dgm:effectClrLst/>
-    <dgm:txLinClrLst/>
-    <dgm:txFillClrLst meth="repeat">
-      <a:schemeClr val="dk1"/>
-    </dgm:txFillClrLst>
-    <dgm:txEffectClrLst/>
-  </dgm:styleLbl>
-  <dgm:styleLbl name="fgAcc3">
-    <dgm:fillClrLst meth="repeat">
-      <a:schemeClr val="lt1">
-        <a:alpha val="90000"/>
-      </a:schemeClr>
-    </dgm:fillClrLst>
-    <dgm:linClrLst>
-      <a:schemeClr val="accent1"/>
-    </dgm:linClrLst>
-    <dgm:effectClrLst/>
-    <dgm:txLinClrLst/>
-    <dgm:txFillClrLst meth="repeat">
-      <a:schemeClr val="dk1"/>
-    </dgm:txFillClrLst>
-    <dgm:txEffectClrLst/>
-  </dgm:styleLbl>
-  <dgm:styleLbl name="fgAcc4">
-    <dgm:fillClrLst meth="repeat">
-      <a:schemeClr val="lt1">
-        <a:alpha val="90000"/>
-      </a:schemeClr>
-    </dgm:fillClrLst>
-    <dgm:linClrLst>
-      <a:schemeClr val="accent2"/>
-    </dgm:linClrLst>
-    <dgm:effectClrLst/>
-    <dgm:txLinClrLst/>
-    <dgm:txFillClrLst meth="repeat">
-      <a:schemeClr val="dk1"/>
-    </dgm:txFillClrLst>
-    <dgm:txEffectClrLst/>
-  </dgm:styleLbl>
-  <dgm:styleLbl name="bgShp">
-    <dgm:fillClrLst meth="repeat">
-      <a:schemeClr val="accent5">
-        <a:tint val="40000"/>
-      </a:schemeClr>
-    </dgm:fillClrLst>
-    <dgm:linClrLst meth="repeat">
-      <a:schemeClr val="dk1"/>
-    </dgm:linClrLst>
-    <dgm:effectClrLst/>
-    <dgm:txLinClrLst/>
-    <dgm:txFillClrLst meth="repeat">
-      <a:schemeClr val="dk1"/>
-    </dgm:txFillClrLst>
-    <dgm:txEffectClrLst/>
-  </dgm:styleLbl>
-  <dgm:styleLbl name="dkBgShp">
-    <dgm:fillClrLst meth="repeat">
-      <a:schemeClr val="accent5">
-        <a:shade val="90000"/>
-      </a:schemeClr>
-    </dgm:fillClrLst>
-    <dgm:linClrLst meth="repeat">
-      <a:schemeClr val="dk1"/>
-    </dgm:linClrLst>
-    <dgm:effectClrLst/>
-    <dgm:txLinClrLst/>
-    <dgm:txFillClrLst meth="repeat">
-      <a:schemeClr val="lt1"/>
-    </dgm:txFillClrLst>
-    <dgm:txEffectClrLst/>
-  </dgm:styleLbl>
-  <dgm:styleLbl name="trBgShp">
-    <dgm:fillClrLst meth="repeat">
-      <a:schemeClr val="accent5">
-        <a:tint val="50000"/>
-        <a:alpha val="40000"/>
-      </a:schemeClr>
-    </dgm:fillClrLst>
-    <dgm:linClrLst meth="repeat">
-      <a:schemeClr val="accent5"/>
-    </dgm:linClrLst>
-    <dgm:effectClrLst/>
-    <dgm:txLinClrLst/>
-    <dgm:txFillClrLst meth="repeat">
-      <a:schemeClr val="lt1"/>
-    </dgm:txFillClrLst>
-    <dgm:txEffectClrLst/>
-  </dgm:styleLbl>
-  <dgm:styleLbl name="fgShp">
-    <dgm:fillClrLst meth="repeat">
-      <a:schemeClr val="accent5">
-        <a:tint val="40000"/>
-      </a:schemeClr>
-    </dgm:fillClrLst>
-    <dgm:linClrLst meth="repeat">
-      <a:schemeClr val="lt1"/>
-    </dgm:linClrLst>
-    <dgm:effectClrLst/>
-    <dgm:txLinClrLst/>
-    <dgm:txFillClrLst meth="repeat">
-      <a:schemeClr val="dk1"/>
-    </dgm:txFillClrLst>
-    <dgm:txEffectClrLst/>
-  </dgm:styleLbl>
-  <dgm:styleLbl name="revTx">
-    <dgm:fillClrLst meth="repeat">
-      <a:schemeClr val="lt1">
-        <a:alpha val="0"/>
-      </a:schemeClr>
-    </dgm:fillClrLst>
-    <dgm:linClrLst meth="repeat">
-      <a:schemeClr val="dk1">
-        <a:alpha val="0"/>
-      </a:schemeClr>
-    </dgm:linClrLst>
-    <dgm:effectClrLst/>
-    <dgm:txLinClrLst/>
-    <dgm:txFillClrLst meth="repeat">
-      <a:schemeClr val="tx1"/>
-    </dgm:txFillClrLst>
-    <dgm:txEffectClrLst/>
-  </dgm:styleLbl>
-</dgm:colorsDef>
-</file>
-
-<file path=ppt/diagrams/colors4.xml><?xml version="1.0" encoding="utf-8"?>
 <dgm:colorsDef xmlns:dgm="http://schemas.openxmlformats.org/drawingml/2006/diagram" xmlns:a="http://schemas.openxmlformats.org/drawingml/2006/main" uniqueId="urn:microsoft.com/office/officeart/2005/8/colors/colorful5">
   <dgm:title val=""/>
   <dgm:desc val=""/>
@@ -4437,308 +3654,6 @@
   <dgm:extLst>
     <a:ext uri="http://schemas.microsoft.com/office/drawing/2008/diagram">
       <dsp:dataModelExt xmlns:dsp="http://schemas.microsoft.com/office/drawing/2008/diagram" relId="rId8" minVer="http://schemas.openxmlformats.org/drawingml/2006/diagram"/>
-    </a:ext>
-  </dgm:extLst>
-</dgm:dataModel>
-</file>
-
-<file path=ppt/diagrams/data4.xml><?xml version="1.0" encoding="utf-8"?>
-<dgm:dataModel xmlns:dgm="http://schemas.openxmlformats.org/drawingml/2006/diagram" xmlns:a="http://schemas.openxmlformats.org/drawingml/2006/main">
-  <dgm:ptLst>
-    <dgm:pt modelId="{010AA089-3F66-4B96-982F-B2C57D881E53}" type="doc">
-      <dgm:prSet loTypeId="urn:microsoft.com/office/officeart/2008/layout/LinedList" loCatId="list" qsTypeId="urn:microsoft.com/office/officeart/2005/8/quickstyle/simple1" qsCatId="simple" csTypeId="urn:microsoft.com/office/officeart/2005/8/colors/colorful5" csCatId="colorful" phldr="1"/>
-      <dgm:spPr/>
-      <dgm:t>
-        <a:bodyPr/>
-        <a:lstStyle/>
-        <a:p>
-          <a:endParaRPr lang="en-US"/>
-        </a:p>
-      </dgm:t>
-    </dgm:pt>
-    <dgm:pt modelId="{0CBE5F26-E380-4B8C-B056-B2850A0612E0}">
-      <dgm:prSet custT="1"/>
-      <dgm:spPr/>
-      <dgm:t>
-        <a:bodyPr/>
-        <a:lstStyle/>
-        <a:p>
-          <a:pPr algn="ctr"/>
-          <a:r>
-            <a:rPr lang="en-GB" sz="3200" dirty="0">
-              <a:latin typeface="Arial" panose="020B0604020202020204" pitchFamily="34" charset="0"/>
-              <a:cs typeface="Arial" panose="020B0604020202020204" pitchFamily="34" charset="0"/>
-            </a:rPr>
-            <a:t>How to Play in a CTF (Capture The flag)</a:t>
-          </a:r>
-          <a:endParaRPr lang="en-US" sz="3200" dirty="0">
-            <a:latin typeface="Arial" panose="020B0604020202020204" pitchFamily="34" charset="0"/>
-            <a:cs typeface="Arial" panose="020B0604020202020204" pitchFamily="34" charset="0"/>
-          </a:endParaRPr>
-        </a:p>
-      </dgm:t>
-    </dgm:pt>
-    <dgm:pt modelId="{D26A1DA1-3D5F-4479-A3EB-EF0B6E55E781}" type="parTrans" cxnId="{9E46320B-D41B-42CB-BED3-08B2DBFEC096}">
-      <dgm:prSet/>
-      <dgm:spPr/>
-      <dgm:t>
-        <a:bodyPr/>
-        <a:lstStyle/>
-        <a:p>
-          <a:endParaRPr lang="en-US"/>
-        </a:p>
-      </dgm:t>
-    </dgm:pt>
-    <dgm:pt modelId="{798EE511-6BBF-4E49-8BB8-8A78ABE44D21}" type="sibTrans" cxnId="{9E46320B-D41B-42CB-BED3-08B2DBFEC096}">
-      <dgm:prSet/>
-      <dgm:spPr/>
-      <dgm:t>
-        <a:bodyPr/>
-        <a:lstStyle/>
-        <a:p>
-          <a:endParaRPr lang="en-US"/>
-        </a:p>
-      </dgm:t>
-    </dgm:pt>
-    <dgm:pt modelId="{A9D4D590-A23E-468F-A704-0D30D2175610}">
-      <dgm:prSet custT="1"/>
-      <dgm:spPr/>
-      <dgm:t>
-        <a:bodyPr/>
-        <a:lstStyle/>
-        <a:p>
-          <a:pPr algn="ctr"/>
-          <a:r>
-            <a:rPr lang="en-GB" sz="3200" dirty="0">
-              <a:latin typeface="Arial" panose="020B0604020202020204" pitchFamily="34" charset="0"/>
-              <a:cs typeface="Arial" panose="020B0604020202020204" pitchFamily="34" charset="0"/>
-            </a:rPr>
-            <a:t>How to Use Hacking Tools</a:t>
-          </a:r>
-          <a:endParaRPr lang="en-US" sz="3200" dirty="0">
-            <a:latin typeface="Arial" panose="020B0604020202020204" pitchFamily="34" charset="0"/>
-            <a:cs typeface="Arial" panose="020B0604020202020204" pitchFamily="34" charset="0"/>
-          </a:endParaRPr>
-        </a:p>
-      </dgm:t>
-    </dgm:pt>
-    <dgm:pt modelId="{213E3856-D591-41AB-B79E-BEC929C8C92D}" type="parTrans" cxnId="{40BA6ACF-77CC-4F86-AD73-85745283E4FA}">
-      <dgm:prSet/>
-      <dgm:spPr/>
-      <dgm:t>
-        <a:bodyPr/>
-        <a:lstStyle/>
-        <a:p>
-          <a:endParaRPr lang="en-US"/>
-        </a:p>
-      </dgm:t>
-    </dgm:pt>
-    <dgm:pt modelId="{CE582998-6A1E-4E74-B54D-544E6D0A557F}" type="sibTrans" cxnId="{40BA6ACF-77CC-4F86-AD73-85745283E4FA}">
-      <dgm:prSet/>
-      <dgm:spPr/>
-      <dgm:t>
-        <a:bodyPr/>
-        <a:lstStyle/>
-        <a:p>
-          <a:endParaRPr lang="en-US"/>
-        </a:p>
-      </dgm:t>
-    </dgm:pt>
-    <dgm:pt modelId="{ED9DA18D-1189-4B82-9168-C873E12E1D7E}">
-      <dgm:prSet custT="1"/>
-      <dgm:spPr/>
-      <dgm:t>
-        <a:bodyPr/>
-        <a:lstStyle/>
-        <a:p>
-          <a:pPr algn="ctr"/>
-          <a:r>
-            <a:rPr lang="en-GB" sz="3200" dirty="0">
-              <a:latin typeface="Arial" panose="020B0604020202020204" pitchFamily="34" charset="0"/>
-              <a:cs typeface="Arial" panose="020B0604020202020204" pitchFamily="34" charset="0"/>
-            </a:rPr>
-            <a:t>How to Use Kali Linux</a:t>
-          </a:r>
-          <a:endParaRPr lang="en-US" sz="3200" dirty="0">
-            <a:latin typeface="Arial" panose="020B0604020202020204" pitchFamily="34" charset="0"/>
-            <a:cs typeface="Arial" panose="020B0604020202020204" pitchFamily="34" charset="0"/>
-          </a:endParaRPr>
-        </a:p>
-      </dgm:t>
-    </dgm:pt>
-    <dgm:pt modelId="{B6E5657C-832F-4EC1-BCEB-322EC0466019}" type="parTrans" cxnId="{92C96094-35C5-4264-B0EA-D9C9AFB295E8}">
-      <dgm:prSet/>
-      <dgm:spPr/>
-      <dgm:t>
-        <a:bodyPr/>
-        <a:lstStyle/>
-        <a:p>
-          <a:endParaRPr lang="en-US"/>
-        </a:p>
-      </dgm:t>
-    </dgm:pt>
-    <dgm:pt modelId="{354865DF-1C68-405A-8F74-FDE9A2E9286E}" type="sibTrans" cxnId="{92C96094-35C5-4264-B0EA-D9C9AFB295E8}">
-      <dgm:prSet/>
-      <dgm:spPr/>
-      <dgm:t>
-        <a:bodyPr/>
-        <a:lstStyle/>
-        <a:p>
-          <a:endParaRPr lang="en-US"/>
-        </a:p>
-      </dgm:t>
-    </dgm:pt>
-    <dgm:pt modelId="{B15E981C-FC8E-44D0-9745-8B89E6AA59EA}">
-      <dgm:prSet custT="1"/>
-      <dgm:spPr/>
-      <dgm:t>
-        <a:bodyPr/>
-        <a:lstStyle/>
-        <a:p>
-          <a:pPr algn="ctr"/>
-          <a:r>
-            <a:rPr lang="en-GB" sz="3200" dirty="0">
-              <a:latin typeface="Arial" panose="020B0604020202020204" pitchFamily="34" charset="0"/>
-              <a:cs typeface="Arial" panose="020B0604020202020204" pitchFamily="34" charset="0"/>
-            </a:rPr>
-            <a:t>How to Attack Windows</a:t>
-          </a:r>
-          <a:endParaRPr lang="en-US" sz="3200" dirty="0">
-            <a:latin typeface="Arial" panose="020B0604020202020204" pitchFamily="34" charset="0"/>
-            <a:cs typeface="Arial" panose="020B0604020202020204" pitchFamily="34" charset="0"/>
-          </a:endParaRPr>
-        </a:p>
-      </dgm:t>
-    </dgm:pt>
-    <dgm:pt modelId="{95ED7D77-2EA4-4DEF-BB53-381191E28C65}" type="parTrans" cxnId="{4BEC25FE-9D0F-4518-8E45-F0FD60D38C5E}">
-      <dgm:prSet/>
-      <dgm:spPr/>
-      <dgm:t>
-        <a:bodyPr/>
-        <a:lstStyle/>
-        <a:p>
-          <a:endParaRPr lang="en-US"/>
-        </a:p>
-      </dgm:t>
-    </dgm:pt>
-    <dgm:pt modelId="{5050D047-31A5-4060-9F02-07BF3F49C37E}" type="sibTrans" cxnId="{4BEC25FE-9D0F-4518-8E45-F0FD60D38C5E}">
-      <dgm:prSet/>
-      <dgm:spPr/>
-      <dgm:t>
-        <a:bodyPr/>
-        <a:lstStyle/>
-        <a:p>
-          <a:endParaRPr lang="en-US"/>
-        </a:p>
-      </dgm:t>
-    </dgm:pt>
-    <dgm:pt modelId="{DF2DE1D4-8B9C-4519-9227-675F54A56375}" type="pres">
-      <dgm:prSet presAssocID="{010AA089-3F66-4B96-982F-B2C57D881E53}" presName="vert0" presStyleCnt="0">
-        <dgm:presLayoutVars>
-          <dgm:dir/>
-          <dgm:animOne val="branch"/>
-          <dgm:animLvl val="lvl"/>
-        </dgm:presLayoutVars>
-      </dgm:prSet>
-      <dgm:spPr/>
-    </dgm:pt>
-    <dgm:pt modelId="{501488C2-0CCD-4DD0-9FBC-87100E4E9303}" type="pres">
-      <dgm:prSet presAssocID="{0CBE5F26-E380-4B8C-B056-B2850A0612E0}" presName="thickLine" presStyleLbl="alignNode1" presStyleIdx="0" presStyleCnt="4"/>
-      <dgm:spPr/>
-    </dgm:pt>
-    <dgm:pt modelId="{A02C0B9C-D3D0-414E-9AEB-0A154CB6A38D}" type="pres">
-      <dgm:prSet presAssocID="{0CBE5F26-E380-4B8C-B056-B2850A0612E0}" presName="horz1" presStyleCnt="0"/>
-      <dgm:spPr/>
-    </dgm:pt>
-    <dgm:pt modelId="{77DBD32A-1B7E-4288-8AA5-90B0C060B9E4}" type="pres">
-      <dgm:prSet presAssocID="{0CBE5F26-E380-4B8C-B056-B2850A0612E0}" presName="tx1" presStyleLbl="revTx" presStyleIdx="0" presStyleCnt="4"/>
-      <dgm:spPr/>
-    </dgm:pt>
-    <dgm:pt modelId="{E1A614AC-3380-4A5D-868C-29AEFF0FBBD4}" type="pres">
-      <dgm:prSet presAssocID="{0CBE5F26-E380-4B8C-B056-B2850A0612E0}" presName="vert1" presStyleCnt="0"/>
-      <dgm:spPr/>
-    </dgm:pt>
-    <dgm:pt modelId="{D6AA9DCE-7279-4957-81B3-BDFF7B947B1B}" type="pres">
-      <dgm:prSet presAssocID="{A9D4D590-A23E-468F-A704-0D30D2175610}" presName="thickLine" presStyleLbl="alignNode1" presStyleIdx="1" presStyleCnt="4"/>
-      <dgm:spPr/>
-    </dgm:pt>
-    <dgm:pt modelId="{43100F31-B967-45D2-A321-46D203FC667C}" type="pres">
-      <dgm:prSet presAssocID="{A9D4D590-A23E-468F-A704-0D30D2175610}" presName="horz1" presStyleCnt="0"/>
-      <dgm:spPr/>
-    </dgm:pt>
-    <dgm:pt modelId="{6FE85BA5-3837-4AE8-BD2B-6580A041BC41}" type="pres">
-      <dgm:prSet presAssocID="{A9D4D590-A23E-468F-A704-0D30D2175610}" presName="tx1" presStyleLbl="revTx" presStyleIdx="1" presStyleCnt="4"/>
-      <dgm:spPr/>
-    </dgm:pt>
-    <dgm:pt modelId="{160A4440-C64B-4A9A-A61A-B66D29041FAE}" type="pres">
-      <dgm:prSet presAssocID="{A9D4D590-A23E-468F-A704-0D30D2175610}" presName="vert1" presStyleCnt="0"/>
-      <dgm:spPr/>
-    </dgm:pt>
-    <dgm:pt modelId="{887D34B8-C20A-486C-A392-7E20D229679E}" type="pres">
-      <dgm:prSet presAssocID="{ED9DA18D-1189-4B82-9168-C873E12E1D7E}" presName="thickLine" presStyleLbl="alignNode1" presStyleIdx="2" presStyleCnt="4"/>
-      <dgm:spPr/>
-    </dgm:pt>
-    <dgm:pt modelId="{1921BF2A-C781-4D0D-9AE5-83C5A583D030}" type="pres">
-      <dgm:prSet presAssocID="{ED9DA18D-1189-4B82-9168-C873E12E1D7E}" presName="horz1" presStyleCnt="0"/>
-      <dgm:spPr/>
-    </dgm:pt>
-    <dgm:pt modelId="{682C6678-A9DB-4DF7-9A97-D1CA683D2E70}" type="pres">
-      <dgm:prSet presAssocID="{ED9DA18D-1189-4B82-9168-C873E12E1D7E}" presName="tx1" presStyleLbl="revTx" presStyleIdx="2" presStyleCnt="4"/>
-      <dgm:spPr/>
-    </dgm:pt>
-    <dgm:pt modelId="{2B96589A-DFDC-42E5-BDD8-B0AA36AD953F}" type="pres">
-      <dgm:prSet presAssocID="{ED9DA18D-1189-4B82-9168-C873E12E1D7E}" presName="vert1" presStyleCnt="0"/>
-      <dgm:spPr/>
-    </dgm:pt>
-    <dgm:pt modelId="{C4861D33-EE0E-4F89-8898-3AA67C9AEB67}" type="pres">
-      <dgm:prSet presAssocID="{B15E981C-FC8E-44D0-9745-8B89E6AA59EA}" presName="thickLine" presStyleLbl="alignNode1" presStyleIdx="3" presStyleCnt="4"/>
-      <dgm:spPr/>
-    </dgm:pt>
-    <dgm:pt modelId="{F19C0A23-FC92-49AA-8BC8-EF583D2B50AC}" type="pres">
-      <dgm:prSet presAssocID="{B15E981C-FC8E-44D0-9745-8B89E6AA59EA}" presName="horz1" presStyleCnt="0"/>
-      <dgm:spPr/>
-    </dgm:pt>
-    <dgm:pt modelId="{4E12D154-9BDB-4EAA-AD2B-03DE5F546D38}" type="pres">
-      <dgm:prSet presAssocID="{B15E981C-FC8E-44D0-9745-8B89E6AA59EA}" presName="tx1" presStyleLbl="revTx" presStyleIdx="3" presStyleCnt="4"/>
-      <dgm:spPr/>
-    </dgm:pt>
-    <dgm:pt modelId="{A375A701-90B9-4D79-B7FD-BBE27BE38D2F}" type="pres">
-      <dgm:prSet presAssocID="{B15E981C-FC8E-44D0-9745-8B89E6AA59EA}" presName="vert1" presStyleCnt="0"/>
-      <dgm:spPr/>
-    </dgm:pt>
-  </dgm:ptLst>
-  <dgm:cxnLst>
-    <dgm:cxn modelId="{9E46320B-D41B-42CB-BED3-08B2DBFEC096}" srcId="{010AA089-3F66-4B96-982F-B2C57D881E53}" destId="{0CBE5F26-E380-4B8C-B056-B2850A0612E0}" srcOrd="0" destOrd="0" parTransId="{D26A1DA1-3D5F-4479-A3EB-EF0B6E55E781}" sibTransId="{798EE511-6BBF-4E49-8BB8-8A78ABE44D21}"/>
-    <dgm:cxn modelId="{45F5FB8D-3CC1-46D5-8623-D6384530E76C}" type="presOf" srcId="{010AA089-3F66-4B96-982F-B2C57D881E53}" destId="{DF2DE1D4-8B9C-4519-9227-675F54A56375}" srcOrd="0" destOrd="0" presId="urn:microsoft.com/office/officeart/2008/layout/LinedList"/>
-    <dgm:cxn modelId="{92C96094-35C5-4264-B0EA-D9C9AFB295E8}" srcId="{010AA089-3F66-4B96-982F-B2C57D881E53}" destId="{ED9DA18D-1189-4B82-9168-C873E12E1D7E}" srcOrd="2" destOrd="0" parTransId="{B6E5657C-832F-4EC1-BCEB-322EC0466019}" sibTransId="{354865DF-1C68-405A-8F74-FDE9A2E9286E}"/>
-    <dgm:cxn modelId="{CF455CAA-D85A-412F-A0CE-BD39E7251B71}" type="presOf" srcId="{A9D4D590-A23E-468F-A704-0D30D2175610}" destId="{6FE85BA5-3837-4AE8-BD2B-6580A041BC41}" srcOrd="0" destOrd="0" presId="urn:microsoft.com/office/officeart/2008/layout/LinedList"/>
-    <dgm:cxn modelId="{06E7F9BA-55C9-41EB-9068-EE38B875E473}" type="presOf" srcId="{0CBE5F26-E380-4B8C-B056-B2850A0612E0}" destId="{77DBD32A-1B7E-4288-8AA5-90B0C060B9E4}" srcOrd="0" destOrd="0" presId="urn:microsoft.com/office/officeart/2008/layout/LinedList"/>
-    <dgm:cxn modelId="{40BA6ACF-77CC-4F86-AD73-85745283E4FA}" srcId="{010AA089-3F66-4B96-982F-B2C57D881E53}" destId="{A9D4D590-A23E-468F-A704-0D30D2175610}" srcOrd="1" destOrd="0" parTransId="{213E3856-D591-41AB-B79E-BEC929C8C92D}" sibTransId="{CE582998-6A1E-4E74-B54D-544E6D0A557F}"/>
-    <dgm:cxn modelId="{9618EED8-5D46-4FF9-84FF-1A59F4B0EE08}" type="presOf" srcId="{ED9DA18D-1189-4B82-9168-C873E12E1D7E}" destId="{682C6678-A9DB-4DF7-9A97-D1CA683D2E70}" srcOrd="0" destOrd="0" presId="urn:microsoft.com/office/officeart/2008/layout/LinedList"/>
-    <dgm:cxn modelId="{7AF6FCF9-E1E0-4288-89B2-B4A0A1945564}" type="presOf" srcId="{B15E981C-FC8E-44D0-9745-8B89E6AA59EA}" destId="{4E12D154-9BDB-4EAA-AD2B-03DE5F546D38}" srcOrd="0" destOrd="0" presId="urn:microsoft.com/office/officeart/2008/layout/LinedList"/>
-    <dgm:cxn modelId="{4BEC25FE-9D0F-4518-8E45-F0FD60D38C5E}" srcId="{010AA089-3F66-4B96-982F-B2C57D881E53}" destId="{B15E981C-FC8E-44D0-9745-8B89E6AA59EA}" srcOrd="3" destOrd="0" parTransId="{95ED7D77-2EA4-4DEF-BB53-381191E28C65}" sibTransId="{5050D047-31A5-4060-9F02-07BF3F49C37E}"/>
-    <dgm:cxn modelId="{773DB395-07E3-48A4-9837-BF6979A75511}" type="presParOf" srcId="{DF2DE1D4-8B9C-4519-9227-675F54A56375}" destId="{501488C2-0CCD-4DD0-9FBC-87100E4E9303}" srcOrd="0" destOrd="0" presId="urn:microsoft.com/office/officeart/2008/layout/LinedList"/>
-    <dgm:cxn modelId="{870F9D21-5928-4A22-AB18-D96C4AE7BE0F}" type="presParOf" srcId="{DF2DE1D4-8B9C-4519-9227-675F54A56375}" destId="{A02C0B9C-D3D0-414E-9AEB-0A154CB6A38D}" srcOrd="1" destOrd="0" presId="urn:microsoft.com/office/officeart/2008/layout/LinedList"/>
-    <dgm:cxn modelId="{9656688F-A6AE-4463-9DA4-65B2F71AAD4B}" type="presParOf" srcId="{A02C0B9C-D3D0-414E-9AEB-0A154CB6A38D}" destId="{77DBD32A-1B7E-4288-8AA5-90B0C060B9E4}" srcOrd="0" destOrd="0" presId="urn:microsoft.com/office/officeart/2008/layout/LinedList"/>
-    <dgm:cxn modelId="{C9C7ECF9-D6B5-48A6-BC34-D394D4EBA7B4}" type="presParOf" srcId="{A02C0B9C-D3D0-414E-9AEB-0A154CB6A38D}" destId="{E1A614AC-3380-4A5D-868C-29AEFF0FBBD4}" srcOrd="1" destOrd="0" presId="urn:microsoft.com/office/officeart/2008/layout/LinedList"/>
-    <dgm:cxn modelId="{EC6B1899-9A84-4C81-A4A3-F78FB310B57C}" type="presParOf" srcId="{DF2DE1D4-8B9C-4519-9227-675F54A56375}" destId="{D6AA9DCE-7279-4957-81B3-BDFF7B947B1B}" srcOrd="2" destOrd="0" presId="urn:microsoft.com/office/officeart/2008/layout/LinedList"/>
-    <dgm:cxn modelId="{0389BEF3-B21C-4B62-B109-CDCA82E9EFAF}" type="presParOf" srcId="{DF2DE1D4-8B9C-4519-9227-675F54A56375}" destId="{43100F31-B967-45D2-A321-46D203FC667C}" srcOrd="3" destOrd="0" presId="urn:microsoft.com/office/officeart/2008/layout/LinedList"/>
-    <dgm:cxn modelId="{1621359C-FCEE-452A-A262-B4CD36E1361F}" type="presParOf" srcId="{43100F31-B967-45D2-A321-46D203FC667C}" destId="{6FE85BA5-3837-4AE8-BD2B-6580A041BC41}" srcOrd="0" destOrd="0" presId="urn:microsoft.com/office/officeart/2008/layout/LinedList"/>
-    <dgm:cxn modelId="{FE03A170-6A4F-4554-B574-035691B2843E}" type="presParOf" srcId="{43100F31-B967-45D2-A321-46D203FC667C}" destId="{160A4440-C64B-4A9A-A61A-B66D29041FAE}" srcOrd="1" destOrd="0" presId="urn:microsoft.com/office/officeart/2008/layout/LinedList"/>
-    <dgm:cxn modelId="{6A845C4D-58A1-4343-A4B0-BDBA1492EBA7}" type="presParOf" srcId="{DF2DE1D4-8B9C-4519-9227-675F54A56375}" destId="{887D34B8-C20A-486C-A392-7E20D229679E}" srcOrd="4" destOrd="0" presId="urn:microsoft.com/office/officeart/2008/layout/LinedList"/>
-    <dgm:cxn modelId="{5F4110AB-8CA0-41D9-BFB4-18E994ACEDA1}" type="presParOf" srcId="{DF2DE1D4-8B9C-4519-9227-675F54A56375}" destId="{1921BF2A-C781-4D0D-9AE5-83C5A583D030}" srcOrd="5" destOrd="0" presId="urn:microsoft.com/office/officeart/2008/layout/LinedList"/>
-    <dgm:cxn modelId="{29D3907E-06A5-400E-BBA2-D4AE4D1204EF}" type="presParOf" srcId="{1921BF2A-C781-4D0D-9AE5-83C5A583D030}" destId="{682C6678-A9DB-4DF7-9A97-D1CA683D2E70}" srcOrd="0" destOrd="0" presId="urn:microsoft.com/office/officeart/2008/layout/LinedList"/>
-    <dgm:cxn modelId="{A5C431F6-6DB5-42E6-9A20-99F3FF78D7FA}" type="presParOf" srcId="{1921BF2A-C781-4D0D-9AE5-83C5A583D030}" destId="{2B96589A-DFDC-42E5-BDD8-B0AA36AD953F}" srcOrd="1" destOrd="0" presId="urn:microsoft.com/office/officeart/2008/layout/LinedList"/>
-    <dgm:cxn modelId="{7AB22021-EBF5-46B0-8290-E6A260AE10CF}" type="presParOf" srcId="{DF2DE1D4-8B9C-4519-9227-675F54A56375}" destId="{C4861D33-EE0E-4F89-8898-3AA67C9AEB67}" srcOrd="6" destOrd="0" presId="urn:microsoft.com/office/officeart/2008/layout/LinedList"/>
-    <dgm:cxn modelId="{576652CE-A4B4-4532-8DA5-B2D22CC52CF7}" type="presParOf" srcId="{DF2DE1D4-8B9C-4519-9227-675F54A56375}" destId="{F19C0A23-FC92-49AA-8BC8-EF583D2B50AC}" srcOrd="7" destOrd="0" presId="urn:microsoft.com/office/officeart/2008/layout/LinedList"/>
-    <dgm:cxn modelId="{D4AD6FDC-EAA8-4580-98AB-FDEBC56C1A42}" type="presParOf" srcId="{F19C0A23-FC92-49AA-8BC8-EF583D2B50AC}" destId="{4E12D154-9BDB-4EAA-AD2B-03DE5F546D38}" srcOrd="0" destOrd="0" presId="urn:microsoft.com/office/officeart/2008/layout/LinedList"/>
-    <dgm:cxn modelId="{1DE19066-DC10-414C-A71B-B25D875C764D}" type="presParOf" srcId="{F19C0A23-FC92-49AA-8BC8-EF583D2B50AC}" destId="{A375A701-90B9-4D79-B7FD-BBE27BE38D2F}" srcOrd="1" destOrd="0" presId="urn:microsoft.com/office/officeart/2008/layout/LinedList"/>
-  </dgm:cxnLst>
-  <dgm:bg/>
-  <dgm:whole/>
-  <dgm:extLst>
-    <a:ext uri="http://schemas.microsoft.com/office/drawing/2008/diagram">
-      <dsp:dataModelExt xmlns:dsp="http://schemas.microsoft.com/office/drawing/2008/diagram" relId="rId7" minVer="http://schemas.openxmlformats.org/drawingml/2006/diagram"/>
     </a:ext>
   </dgm:extLst>
 </dgm:dataModel>
@@ -6579,486 +5494,6 @@
 </dsp:drawing>
 </file>
 
-<file path=ppt/diagrams/drawing4.xml><?xml version="1.0" encoding="utf-8"?>
-<dsp:drawing xmlns:dgm="http://schemas.openxmlformats.org/drawingml/2006/diagram" xmlns:dsp="http://schemas.microsoft.com/office/drawing/2008/diagram" xmlns:a="http://schemas.openxmlformats.org/drawingml/2006/main">
-  <dsp:spTree>
-    <dsp:nvGrpSpPr>
-      <dsp:cNvPr id="0" name=""/>
-      <dsp:cNvGrpSpPr/>
-    </dsp:nvGrpSpPr>
-    <dsp:grpSpPr/>
-    <dsp:sp modelId="{501488C2-0CCD-4DD0-9FBC-87100E4E9303}">
-      <dsp:nvSpPr>
-        <dsp:cNvPr id="0" name=""/>
-        <dsp:cNvSpPr/>
-      </dsp:nvSpPr>
-      <dsp:spPr>
-        <a:xfrm>
-          <a:off x="0" y="0"/>
-          <a:ext cx="10927829" cy="0"/>
-        </a:xfrm>
-        <a:prstGeom prst="line">
-          <a:avLst/>
-        </a:prstGeom>
-        <a:solidFill>
-          <a:schemeClr val="accent5">
-            <a:hueOff val="0"/>
-            <a:satOff val="0"/>
-            <a:lumOff val="0"/>
-            <a:alphaOff val="0"/>
-          </a:schemeClr>
-        </a:solidFill>
-        <a:ln w="12700" cap="flat" cmpd="sng" algn="ctr">
-          <a:solidFill>
-            <a:schemeClr val="accent5">
-              <a:hueOff val="0"/>
-              <a:satOff val="0"/>
-              <a:lumOff val="0"/>
-              <a:alphaOff val="0"/>
-            </a:schemeClr>
-          </a:solidFill>
-          <a:prstDash val="solid"/>
-          <a:miter lim="800000"/>
-        </a:ln>
-        <a:effectLst/>
-      </dsp:spPr>
-      <dsp:style>
-        <a:lnRef idx="2">
-          <a:scrgbClr r="0" g="0" b="0"/>
-        </a:lnRef>
-        <a:fillRef idx="1">
-          <a:scrgbClr r="0" g="0" b="0"/>
-        </a:fillRef>
-        <a:effectRef idx="0">
-          <a:scrgbClr r="0" g="0" b="0"/>
-        </a:effectRef>
-        <a:fontRef idx="minor">
-          <a:schemeClr val="lt1"/>
-        </a:fontRef>
-      </dsp:style>
-    </dsp:sp>
-    <dsp:sp modelId="{77DBD32A-1B7E-4288-8AA5-90B0C060B9E4}">
-      <dsp:nvSpPr>
-        <dsp:cNvPr id="0" name=""/>
-        <dsp:cNvSpPr/>
-      </dsp:nvSpPr>
-      <dsp:spPr>
-        <a:xfrm>
-          <a:off x="0" y="0"/>
-          <a:ext cx="10927829" cy="1048201"/>
-        </a:xfrm>
-        <a:prstGeom prst="rect">
-          <a:avLst/>
-        </a:prstGeom>
-        <a:noFill/>
-        <a:ln>
-          <a:noFill/>
-        </a:ln>
-        <a:effectLst/>
-      </dsp:spPr>
-      <dsp:style>
-        <a:lnRef idx="0">
-          <a:scrgbClr r="0" g="0" b="0"/>
-        </a:lnRef>
-        <a:fillRef idx="0">
-          <a:scrgbClr r="0" g="0" b="0"/>
-        </a:fillRef>
-        <a:effectRef idx="0">
-          <a:scrgbClr r="0" g="0" b="0"/>
-        </a:effectRef>
-        <a:fontRef idx="minor"/>
-      </dsp:style>
-      <dsp:txBody>
-        <a:bodyPr spcFirstLastPara="0" vert="horz" wrap="square" lIns="121920" tIns="121920" rIns="121920" bIns="121920" numCol="1" spcCol="1270" anchor="t" anchorCtr="0">
-          <a:noAutofit/>
-        </a:bodyPr>
-        <a:lstStyle/>
-        <a:p>
-          <a:pPr marL="0" lvl="0" indent="0" algn="ctr" defTabSz="1422400">
-            <a:lnSpc>
-              <a:spcPct val="90000"/>
-            </a:lnSpc>
-            <a:spcBef>
-              <a:spcPct val="0"/>
-            </a:spcBef>
-            <a:spcAft>
-              <a:spcPct val="35000"/>
-            </a:spcAft>
-            <a:buNone/>
-          </a:pPr>
-          <a:r>
-            <a:rPr lang="en-GB" sz="3200" kern="1200" dirty="0">
-              <a:latin typeface="Arial" panose="020B0604020202020204" pitchFamily="34" charset="0"/>
-              <a:cs typeface="Arial" panose="020B0604020202020204" pitchFamily="34" charset="0"/>
-            </a:rPr>
-            <a:t>How to Play in a CTF (Capture The flag)</a:t>
-          </a:r>
-          <a:endParaRPr lang="en-US" sz="3200" kern="1200" dirty="0">
-            <a:latin typeface="Arial" panose="020B0604020202020204" pitchFamily="34" charset="0"/>
-            <a:cs typeface="Arial" panose="020B0604020202020204" pitchFamily="34" charset="0"/>
-          </a:endParaRPr>
-        </a:p>
-      </dsp:txBody>
-      <dsp:txXfrm>
-        <a:off x="0" y="0"/>
-        <a:ext cx="10927829" cy="1048201"/>
-      </dsp:txXfrm>
-    </dsp:sp>
-    <dsp:sp modelId="{D6AA9DCE-7279-4957-81B3-BDFF7B947B1B}">
-      <dsp:nvSpPr>
-        <dsp:cNvPr id="0" name=""/>
-        <dsp:cNvSpPr/>
-      </dsp:nvSpPr>
-      <dsp:spPr>
-        <a:xfrm>
-          <a:off x="0" y="1048201"/>
-          <a:ext cx="10927829" cy="0"/>
-        </a:xfrm>
-        <a:prstGeom prst="line">
-          <a:avLst/>
-        </a:prstGeom>
-        <a:solidFill>
-          <a:schemeClr val="accent5">
-            <a:hueOff val="-2252848"/>
-            <a:satOff val="-5806"/>
-            <a:lumOff val="-3922"/>
-            <a:alphaOff val="0"/>
-          </a:schemeClr>
-        </a:solidFill>
-        <a:ln w="12700" cap="flat" cmpd="sng" algn="ctr">
-          <a:solidFill>
-            <a:schemeClr val="accent5">
-              <a:hueOff val="-2252848"/>
-              <a:satOff val="-5806"/>
-              <a:lumOff val="-3922"/>
-              <a:alphaOff val="0"/>
-            </a:schemeClr>
-          </a:solidFill>
-          <a:prstDash val="solid"/>
-          <a:miter lim="800000"/>
-        </a:ln>
-        <a:effectLst/>
-      </dsp:spPr>
-      <dsp:style>
-        <a:lnRef idx="2">
-          <a:scrgbClr r="0" g="0" b="0"/>
-        </a:lnRef>
-        <a:fillRef idx="1">
-          <a:scrgbClr r="0" g="0" b="0"/>
-        </a:fillRef>
-        <a:effectRef idx="0">
-          <a:scrgbClr r="0" g="0" b="0"/>
-        </a:effectRef>
-        <a:fontRef idx="minor">
-          <a:schemeClr val="lt1"/>
-        </a:fontRef>
-      </dsp:style>
-    </dsp:sp>
-    <dsp:sp modelId="{6FE85BA5-3837-4AE8-BD2B-6580A041BC41}">
-      <dsp:nvSpPr>
-        <dsp:cNvPr id="0" name=""/>
-        <dsp:cNvSpPr/>
-      </dsp:nvSpPr>
-      <dsp:spPr>
-        <a:xfrm>
-          <a:off x="0" y="1048201"/>
-          <a:ext cx="10927829" cy="1048201"/>
-        </a:xfrm>
-        <a:prstGeom prst="rect">
-          <a:avLst/>
-        </a:prstGeom>
-        <a:noFill/>
-        <a:ln>
-          <a:noFill/>
-        </a:ln>
-        <a:effectLst/>
-      </dsp:spPr>
-      <dsp:style>
-        <a:lnRef idx="0">
-          <a:scrgbClr r="0" g="0" b="0"/>
-        </a:lnRef>
-        <a:fillRef idx="0">
-          <a:scrgbClr r="0" g="0" b="0"/>
-        </a:fillRef>
-        <a:effectRef idx="0">
-          <a:scrgbClr r="0" g="0" b="0"/>
-        </a:effectRef>
-        <a:fontRef idx="minor"/>
-      </dsp:style>
-      <dsp:txBody>
-        <a:bodyPr spcFirstLastPara="0" vert="horz" wrap="square" lIns="121920" tIns="121920" rIns="121920" bIns="121920" numCol="1" spcCol="1270" anchor="t" anchorCtr="0">
-          <a:noAutofit/>
-        </a:bodyPr>
-        <a:lstStyle/>
-        <a:p>
-          <a:pPr marL="0" lvl="0" indent="0" algn="ctr" defTabSz="1422400">
-            <a:lnSpc>
-              <a:spcPct val="90000"/>
-            </a:lnSpc>
-            <a:spcBef>
-              <a:spcPct val="0"/>
-            </a:spcBef>
-            <a:spcAft>
-              <a:spcPct val="35000"/>
-            </a:spcAft>
-            <a:buNone/>
-          </a:pPr>
-          <a:r>
-            <a:rPr lang="en-GB" sz="3200" kern="1200" dirty="0">
-              <a:latin typeface="Arial" panose="020B0604020202020204" pitchFamily="34" charset="0"/>
-              <a:cs typeface="Arial" panose="020B0604020202020204" pitchFamily="34" charset="0"/>
-            </a:rPr>
-            <a:t>How to Use Hacking Tools</a:t>
-          </a:r>
-          <a:endParaRPr lang="en-US" sz="3200" kern="1200" dirty="0">
-            <a:latin typeface="Arial" panose="020B0604020202020204" pitchFamily="34" charset="0"/>
-            <a:cs typeface="Arial" panose="020B0604020202020204" pitchFamily="34" charset="0"/>
-          </a:endParaRPr>
-        </a:p>
-      </dsp:txBody>
-      <dsp:txXfrm>
-        <a:off x="0" y="1048201"/>
-        <a:ext cx="10927829" cy="1048201"/>
-      </dsp:txXfrm>
-    </dsp:sp>
-    <dsp:sp modelId="{887D34B8-C20A-486C-A392-7E20D229679E}">
-      <dsp:nvSpPr>
-        <dsp:cNvPr id="0" name=""/>
-        <dsp:cNvSpPr/>
-      </dsp:nvSpPr>
-      <dsp:spPr>
-        <a:xfrm>
-          <a:off x="0" y="2096402"/>
-          <a:ext cx="10927829" cy="0"/>
-        </a:xfrm>
-        <a:prstGeom prst="line">
-          <a:avLst/>
-        </a:prstGeom>
-        <a:solidFill>
-          <a:schemeClr val="accent5">
-            <a:hueOff val="-4505695"/>
-            <a:satOff val="-11613"/>
-            <a:lumOff val="-7843"/>
-            <a:alphaOff val="0"/>
-          </a:schemeClr>
-        </a:solidFill>
-        <a:ln w="12700" cap="flat" cmpd="sng" algn="ctr">
-          <a:solidFill>
-            <a:schemeClr val="accent5">
-              <a:hueOff val="-4505695"/>
-              <a:satOff val="-11613"/>
-              <a:lumOff val="-7843"/>
-              <a:alphaOff val="0"/>
-            </a:schemeClr>
-          </a:solidFill>
-          <a:prstDash val="solid"/>
-          <a:miter lim="800000"/>
-        </a:ln>
-        <a:effectLst/>
-      </dsp:spPr>
-      <dsp:style>
-        <a:lnRef idx="2">
-          <a:scrgbClr r="0" g="0" b="0"/>
-        </a:lnRef>
-        <a:fillRef idx="1">
-          <a:scrgbClr r="0" g="0" b="0"/>
-        </a:fillRef>
-        <a:effectRef idx="0">
-          <a:scrgbClr r="0" g="0" b="0"/>
-        </a:effectRef>
-        <a:fontRef idx="minor">
-          <a:schemeClr val="lt1"/>
-        </a:fontRef>
-      </dsp:style>
-    </dsp:sp>
-    <dsp:sp modelId="{682C6678-A9DB-4DF7-9A97-D1CA683D2E70}">
-      <dsp:nvSpPr>
-        <dsp:cNvPr id="0" name=""/>
-        <dsp:cNvSpPr/>
-      </dsp:nvSpPr>
-      <dsp:spPr>
-        <a:xfrm>
-          <a:off x="0" y="2096402"/>
-          <a:ext cx="10927829" cy="1048201"/>
-        </a:xfrm>
-        <a:prstGeom prst="rect">
-          <a:avLst/>
-        </a:prstGeom>
-        <a:noFill/>
-        <a:ln>
-          <a:noFill/>
-        </a:ln>
-        <a:effectLst/>
-      </dsp:spPr>
-      <dsp:style>
-        <a:lnRef idx="0">
-          <a:scrgbClr r="0" g="0" b="0"/>
-        </a:lnRef>
-        <a:fillRef idx="0">
-          <a:scrgbClr r="0" g="0" b="0"/>
-        </a:fillRef>
-        <a:effectRef idx="0">
-          <a:scrgbClr r="0" g="0" b="0"/>
-        </a:effectRef>
-        <a:fontRef idx="minor"/>
-      </dsp:style>
-      <dsp:txBody>
-        <a:bodyPr spcFirstLastPara="0" vert="horz" wrap="square" lIns="121920" tIns="121920" rIns="121920" bIns="121920" numCol="1" spcCol="1270" anchor="t" anchorCtr="0">
-          <a:noAutofit/>
-        </a:bodyPr>
-        <a:lstStyle/>
-        <a:p>
-          <a:pPr marL="0" lvl="0" indent="0" algn="ctr" defTabSz="1422400">
-            <a:lnSpc>
-              <a:spcPct val="90000"/>
-            </a:lnSpc>
-            <a:spcBef>
-              <a:spcPct val="0"/>
-            </a:spcBef>
-            <a:spcAft>
-              <a:spcPct val="35000"/>
-            </a:spcAft>
-            <a:buNone/>
-          </a:pPr>
-          <a:r>
-            <a:rPr lang="en-GB" sz="3200" kern="1200" dirty="0">
-              <a:latin typeface="Arial" panose="020B0604020202020204" pitchFamily="34" charset="0"/>
-              <a:cs typeface="Arial" panose="020B0604020202020204" pitchFamily="34" charset="0"/>
-            </a:rPr>
-            <a:t>How to Use Kali Linux</a:t>
-          </a:r>
-          <a:endParaRPr lang="en-US" sz="3200" kern="1200" dirty="0">
-            <a:latin typeface="Arial" panose="020B0604020202020204" pitchFamily="34" charset="0"/>
-            <a:cs typeface="Arial" panose="020B0604020202020204" pitchFamily="34" charset="0"/>
-          </a:endParaRPr>
-        </a:p>
-      </dsp:txBody>
-      <dsp:txXfrm>
-        <a:off x="0" y="2096402"/>
-        <a:ext cx="10927829" cy="1048201"/>
-      </dsp:txXfrm>
-    </dsp:sp>
-    <dsp:sp modelId="{C4861D33-EE0E-4F89-8898-3AA67C9AEB67}">
-      <dsp:nvSpPr>
-        <dsp:cNvPr id="0" name=""/>
-        <dsp:cNvSpPr/>
-      </dsp:nvSpPr>
-      <dsp:spPr>
-        <a:xfrm>
-          <a:off x="0" y="3144603"/>
-          <a:ext cx="10927829" cy="0"/>
-        </a:xfrm>
-        <a:prstGeom prst="line">
-          <a:avLst/>
-        </a:prstGeom>
-        <a:solidFill>
-          <a:schemeClr val="accent5">
-            <a:hueOff val="-6758543"/>
-            <a:satOff val="-17419"/>
-            <a:lumOff val="-11765"/>
-            <a:alphaOff val="0"/>
-          </a:schemeClr>
-        </a:solidFill>
-        <a:ln w="12700" cap="flat" cmpd="sng" algn="ctr">
-          <a:solidFill>
-            <a:schemeClr val="accent5">
-              <a:hueOff val="-6758543"/>
-              <a:satOff val="-17419"/>
-              <a:lumOff val="-11765"/>
-              <a:alphaOff val="0"/>
-            </a:schemeClr>
-          </a:solidFill>
-          <a:prstDash val="solid"/>
-          <a:miter lim="800000"/>
-        </a:ln>
-        <a:effectLst/>
-      </dsp:spPr>
-      <dsp:style>
-        <a:lnRef idx="2">
-          <a:scrgbClr r="0" g="0" b="0"/>
-        </a:lnRef>
-        <a:fillRef idx="1">
-          <a:scrgbClr r="0" g="0" b="0"/>
-        </a:fillRef>
-        <a:effectRef idx="0">
-          <a:scrgbClr r="0" g="0" b="0"/>
-        </a:effectRef>
-        <a:fontRef idx="minor">
-          <a:schemeClr val="lt1"/>
-        </a:fontRef>
-      </dsp:style>
-    </dsp:sp>
-    <dsp:sp modelId="{4E12D154-9BDB-4EAA-AD2B-03DE5F546D38}">
-      <dsp:nvSpPr>
-        <dsp:cNvPr id="0" name=""/>
-        <dsp:cNvSpPr/>
-      </dsp:nvSpPr>
-      <dsp:spPr>
-        <a:xfrm>
-          <a:off x="0" y="3144603"/>
-          <a:ext cx="10927829" cy="1048201"/>
-        </a:xfrm>
-        <a:prstGeom prst="rect">
-          <a:avLst/>
-        </a:prstGeom>
-        <a:noFill/>
-        <a:ln>
-          <a:noFill/>
-        </a:ln>
-        <a:effectLst/>
-      </dsp:spPr>
-      <dsp:style>
-        <a:lnRef idx="0">
-          <a:scrgbClr r="0" g="0" b="0"/>
-        </a:lnRef>
-        <a:fillRef idx="0">
-          <a:scrgbClr r="0" g="0" b="0"/>
-        </a:fillRef>
-        <a:effectRef idx="0">
-          <a:scrgbClr r="0" g="0" b="0"/>
-        </a:effectRef>
-        <a:fontRef idx="minor"/>
-      </dsp:style>
-      <dsp:txBody>
-        <a:bodyPr spcFirstLastPara="0" vert="horz" wrap="square" lIns="121920" tIns="121920" rIns="121920" bIns="121920" numCol="1" spcCol="1270" anchor="t" anchorCtr="0">
-          <a:noAutofit/>
-        </a:bodyPr>
-        <a:lstStyle/>
-        <a:p>
-          <a:pPr marL="0" lvl="0" indent="0" algn="ctr" defTabSz="1422400">
-            <a:lnSpc>
-              <a:spcPct val="90000"/>
-            </a:lnSpc>
-            <a:spcBef>
-              <a:spcPct val="0"/>
-            </a:spcBef>
-            <a:spcAft>
-              <a:spcPct val="35000"/>
-            </a:spcAft>
-            <a:buNone/>
-          </a:pPr>
-          <a:r>
-            <a:rPr lang="en-GB" sz="3200" kern="1200" dirty="0">
-              <a:latin typeface="Arial" panose="020B0604020202020204" pitchFamily="34" charset="0"/>
-              <a:cs typeface="Arial" panose="020B0604020202020204" pitchFamily="34" charset="0"/>
-            </a:rPr>
-            <a:t>How to Attack Windows</a:t>
-          </a:r>
-          <a:endParaRPr lang="en-US" sz="3200" kern="1200" dirty="0">
-            <a:latin typeface="Arial" panose="020B0604020202020204" pitchFamily="34" charset="0"/>
-            <a:cs typeface="Arial" panose="020B0604020202020204" pitchFamily="34" charset="0"/>
-          </a:endParaRPr>
-        </a:p>
-      </dsp:txBody>
-      <dsp:txXfrm>
-        <a:off x="0" y="3144603"/>
-        <a:ext cx="10927829" cy="1048201"/>
-      </dsp:txXfrm>
-    </dsp:sp>
-  </dsp:spTree>
-</dsp:drawing>
-</file>
-
 <file path=ppt/diagrams/layout1.xml><?xml version="1.0" encoding="utf-8"?>
 <dgm:layoutDef xmlns:dgm="http://schemas.openxmlformats.org/drawingml/2006/diagram" xmlns:a="http://schemas.openxmlformats.org/drawingml/2006/main" uniqueId="urn:microsoft.com/office/officeart/2008/layout/LinedList">
   <dgm:title val=""/>
@@ -8036,472 +6471,6 @@
 </dgm:layoutDef>
 </file>
 
-<file path=ppt/diagrams/layout4.xml><?xml version="1.0" encoding="utf-8"?>
-<dgm:layoutDef xmlns:dgm="http://schemas.openxmlformats.org/drawingml/2006/diagram" xmlns:a="http://schemas.openxmlformats.org/drawingml/2006/main" uniqueId="urn:microsoft.com/office/officeart/2008/layout/LinedList">
-  <dgm:title val=""/>
-  <dgm:desc val=""/>
-  <dgm:catLst>
-    <dgm:cat type="hierarchy" pri="8000"/>
-    <dgm:cat type="list" pri="2500"/>
-  </dgm:catLst>
-  <dgm:sampData>
-    <dgm:dataModel>
-      <dgm:ptLst>
-        <dgm:pt modelId="0" type="doc"/>
-        <dgm:pt modelId="1">
-          <dgm:prSet phldr="1"/>
-        </dgm:pt>
-        <dgm:pt modelId="11">
-          <dgm:prSet phldr="1"/>
-        </dgm:pt>
-        <dgm:pt modelId="12">
-          <dgm:prSet phldr="1"/>
-        </dgm:pt>
-        <dgm:pt modelId="13">
-          <dgm:prSet phldr="1"/>
-        </dgm:pt>
-      </dgm:ptLst>
-      <dgm:cxnLst>
-        <dgm:cxn modelId="2" srcId="0" destId="1" srcOrd="0" destOrd="0"/>
-        <dgm:cxn modelId="3" srcId="1" destId="11" srcOrd="0" destOrd="0"/>
-        <dgm:cxn modelId="4" srcId="1" destId="12" srcOrd="1" destOrd="0"/>
-        <dgm:cxn modelId="5" srcId="1" destId="13" srcOrd="2" destOrd="0"/>
-      </dgm:cxnLst>
-      <dgm:bg/>
-      <dgm:whole/>
-    </dgm:dataModel>
-  </dgm:sampData>
-  <dgm:styleData>
-    <dgm:dataModel>
-      <dgm:ptLst>
-        <dgm:pt modelId="0" type="doc"/>
-        <dgm:pt modelId="1">
-          <dgm:prSet phldr="1"/>
-        </dgm:pt>
-        <dgm:pt modelId="11">
-          <dgm:prSet phldr="1"/>
-        </dgm:pt>
-        <dgm:pt modelId="12">
-          <dgm:prSet phldr="1"/>
-        </dgm:pt>
-      </dgm:ptLst>
-      <dgm:cxnLst>
-        <dgm:cxn modelId="2" srcId="0" destId="1" srcOrd="0" destOrd="0"/>
-        <dgm:cxn modelId="3" srcId="1" destId="11" srcOrd="0" destOrd="0"/>
-        <dgm:cxn modelId="4" srcId="1" destId="12" srcOrd="1" destOrd="0"/>
-      </dgm:cxnLst>
-      <dgm:bg/>
-      <dgm:whole/>
-    </dgm:dataModel>
-  </dgm:styleData>
-  <dgm:clrData>
-    <dgm:dataModel>
-      <dgm:ptLst>
-        <dgm:pt modelId="0" type="doc"/>
-        <dgm:pt modelId="1">
-          <dgm:prSet phldr="1"/>
-        </dgm:pt>
-        <dgm:pt modelId="11">
-          <dgm:prSet phldr="1"/>
-        </dgm:pt>
-        <dgm:pt modelId="12">
-          <dgm:prSet phldr="1"/>
-        </dgm:pt>
-      </dgm:ptLst>
-      <dgm:cxnLst>
-        <dgm:cxn modelId="2" srcId="0" destId="1" srcOrd="0" destOrd="0"/>
-        <dgm:cxn modelId="3" srcId="1" destId="11" srcOrd="0" destOrd="0"/>
-        <dgm:cxn modelId="4" srcId="1" destId="12" srcOrd="1" destOrd="0"/>
-      </dgm:cxnLst>
-      <dgm:bg/>
-      <dgm:whole/>
-    </dgm:dataModel>
-  </dgm:clrData>
-  <dgm:layoutNode name="vert0">
-    <dgm:varLst>
-      <dgm:dir/>
-      <dgm:animOne val="branch"/>
-      <dgm:animLvl val="lvl"/>
-    </dgm:varLst>
-    <dgm:choose name="Name0">
-      <dgm:if name="Name1" func="var" arg="dir" op="equ" val="norm">
-        <dgm:alg type="lin">
-          <dgm:param type="linDir" val="fromT"/>
-          <dgm:param type="nodeHorzAlign" val="l"/>
-        </dgm:alg>
-      </dgm:if>
-      <dgm:else name="Name2">
-        <dgm:alg type="lin">
-          <dgm:param type="linDir" val="fromT"/>
-          <dgm:param type="nodeHorzAlign" val="r"/>
-        </dgm:alg>
-      </dgm:else>
-    </dgm:choose>
-    <dgm:shape xmlns:r="http://schemas.openxmlformats.org/officeDocument/2006/relationships" r:blip="">
-      <dgm:adjLst/>
-    </dgm:shape>
-    <dgm:presOf/>
-    <dgm:constrLst>
-      <dgm:constr type="w" for="ch" forName="horz1" refType="w"/>
-      <dgm:constr type="h" for="ch" forName="horz1" refType="h"/>
-      <dgm:constr type="h" for="des" forName="vert1" refType="h"/>
-      <dgm:constr type="h" for="des" forName="tx1" refType="h"/>
-      <dgm:constr type="h" for="des" forName="horz2" refType="h"/>
-      <dgm:constr type="h" for="des" forName="vert2" refType="h"/>
-      <dgm:constr type="h" for="des" forName="horz3" refType="h"/>
-      <dgm:constr type="h" for="des" forName="vert3" refType="h"/>
-      <dgm:constr type="h" for="des" forName="horz4" refType="h"/>
-      <dgm:constr type="h" for="des" ptType="node" refType="h"/>
-      <dgm:constr type="primFontSz" for="des" forName="tx1" op="equ" val="65"/>
-      <dgm:constr type="primFontSz" for="des" forName="tx2" op="equ" val="65"/>
-      <dgm:constr type="primFontSz" for="des" forName="tx3" op="equ" val="65"/>
-      <dgm:constr type="primFontSz" for="des" forName="tx4" op="equ" val="65"/>
-      <dgm:constr type="w" for="des" forName="thickLine" refType="w"/>
-      <dgm:constr type="h" for="des" forName="thickLine"/>
-      <dgm:constr type="h" for="des" forName="thinLine1"/>
-      <dgm:constr type="h" for="des" forName="thinLine2b"/>
-      <dgm:constr type="h" for="des" forName="thinLine3"/>
-      <dgm:constr type="h" for="des" forName="vertSpace2a" refType="h" fact="0.05"/>
-      <dgm:constr type="h" for="des" forName="vertSpace2b" refType="h" refFor="des" refForName="vertSpace2a"/>
-    </dgm:constrLst>
-    <dgm:forEach name="Name3" axis="ch" ptType="node">
-      <dgm:layoutNode name="thickLine" styleLbl="alignNode1">
-        <dgm:alg type="sp"/>
-        <dgm:shape xmlns:r="http://schemas.openxmlformats.org/officeDocument/2006/relationships" type="line" r:blip="">
-          <dgm:adjLst/>
-        </dgm:shape>
-        <dgm:presOf/>
-      </dgm:layoutNode>
-      <dgm:layoutNode name="horz1">
-        <dgm:choose name="Name4">
-          <dgm:if name="Name5" func="var" arg="dir" op="equ" val="norm">
-            <dgm:alg type="lin">
-              <dgm:param type="linDir" val="fromL"/>
-              <dgm:param type="nodeVertAlign" val="t"/>
-            </dgm:alg>
-          </dgm:if>
-          <dgm:else name="Name6">
-            <dgm:alg type="lin">
-              <dgm:param type="linDir" val="fromR"/>
-              <dgm:param type="nodeVertAlign" val="t"/>
-            </dgm:alg>
-          </dgm:else>
-        </dgm:choose>
-        <dgm:shape xmlns:r="http://schemas.openxmlformats.org/officeDocument/2006/relationships" r:blip="">
-          <dgm:adjLst/>
-        </dgm:shape>
-        <dgm:presOf/>
-        <dgm:choose name="Name7">
-          <dgm:if name="Name8" axis="root des" func="maxDepth" op="equ" val="1">
-            <dgm:constrLst>
-              <dgm:constr type="w" for="ch" forName="tx1" refType="w"/>
-            </dgm:constrLst>
-          </dgm:if>
-          <dgm:if name="Name9" axis="root des" func="maxDepth" op="equ" val="2">
-            <dgm:constrLst>
-              <dgm:constr type="w" for="ch" forName="tx1" refType="w" fact="0.2"/>
-              <dgm:constr type="w" for="des" forName="tx2" refType="w" fact="0.785"/>
-              <dgm:constr type="w" for="des" forName="horzSpace2" refType="w" fact="0.015"/>
-              <dgm:constr type="w" for="des" forName="thinLine2b" refType="w" fact="0.8"/>
-            </dgm:constrLst>
-          </dgm:if>
-          <dgm:if name="Name10" axis="root des" func="maxDepth" op="equ" val="3">
-            <dgm:constrLst>
-              <dgm:constr type="w" for="ch" forName="tx1" refType="w" fact="0.2"/>
-              <dgm:constr type="w" for="des" forName="tx2" refType="w" fact="0.385"/>
-              <dgm:constr type="w" for="des" forName="tx3" refType="w" fact="0.385"/>
-              <dgm:constr type="w" for="des" forName="horzSpace2" refType="w" fact="0.015"/>
-              <dgm:constr type="w" for="des" forName="horzSpace3" refType="w" fact="0.015"/>
-              <dgm:constr type="w" for="des" forName="thinLine2b" refType="w" fact="0.8"/>
-              <dgm:constr type="w" for="des" forName="thinLine3" refType="w" fact="0.385"/>
-            </dgm:constrLst>
-          </dgm:if>
-          <dgm:if name="Name11" axis="root des" func="maxDepth" op="gte" val="4">
-            <dgm:constrLst>
-              <dgm:constr type="w" for="ch" forName="tx1" refType="w" fact="0.2"/>
-              <dgm:constr type="w" for="des" forName="tx2" refType="w" fact="0.2516"/>
-              <dgm:constr type="w" for="des" forName="tx3" refType="w" fact="0.2516"/>
-              <dgm:constr type="w" for="des" forName="tx4" refType="w" fact="0.2516"/>
-              <dgm:constr type="w" for="des" forName="horzSpace2" refType="w" fact="0.015"/>
-              <dgm:constr type="w" for="des" forName="horzSpace3" refType="w" fact="0.015"/>
-              <dgm:constr type="w" for="des" forName="horzSpace4" refType="w" fact="0.015"/>
-              <dgm:constr type="w" for="des" forName="thinLine2b" refType="w" fact="0.8"/>
-              <dgm:constr type="w" for="des" forName="thinLine3" refType="w" fact="0.5332"/>
-            </dgm:constrLst>
-          </dgm:if>
-          <dgm:else name="Name12"/>
-        </dgm:choose>
-        <dgm:layoutNode name="tx1" styleLbl="revTx">
-          <dgm:alg type="tx">
-            <dgm:param type="parTxLTRAlign" val="l"/>
-            <dgm:param type="parTxRTLAlign" val="r"/>
-            <dgm:param type="txAnchorVert" val="t"/>
-          </dgm:alg>
-          <dgm:shape xmlns:r="http://schemas.openxmlformats.org/officeDocument/2006/relationships" type="rect" r:blip="">
-            <dgm:adjLst/>
-          </dgm:shape>
-          <dgm:presOf axis="self"/>
-          <dgm:constrLst>
-            <dgm:constr type="tMarg" refType="primFontSz" fact="0.3"/>
-            <dgm:constr type="bMarg" refType="primFontSz" fact="0.3"/>
-            <dgm:constr type="lMarg" refType="primFontSz" fact="0.3"/>
-            <dgm:constr type="rMarg" refType="primFontSz" fact="0.3"/>
-          </dgm:constrLst>
-          <dgm:ruleLst>
-            <dgm:rule type="primFontSz" val="5" fact="NaN" max="NaN"/>
-          </dgm:ruleLst>
-        </dgm:layoutNode>
-        <dgm:layoutNode name="vert1">
-          <dgm:choose name="Name13">
-            <dgm:if name="Name14" func="var" arg="dir" op="equ" val="norm">
-              <dgm:alg type="lin">
-                <dgm:param type="linDir" val="fromT"/>
-                <dgm:param type="nodeHorzAlign" val="l"/>
-              </dgm:alg>
-            </dgm:if>
-            <dgm:else name="Name15">
-              <dgm:alg type="lin">
-                <dgm:param type="linDir" val="fromT"/>
-                <dgm:param type="nodeHorzAlign" val="r"/>
-              </dgm:alg>
-            </dgm:else>
-          </dgm:choose>
-          <dgm:shape xmlns:r="http://schemas.openxmlformats.org/officeDocument/2006/relationships" r:blip="">
-            <dgm:adjLst/>
-          </dgm:shape>
-          <dgm:presOf/>
-          <dgm:forEach name="Name16" axis="ch" ptType="node">
-            <dgm:choose name="Name17">
-              <dgm:if name="Name18" axis="self" ptType="node" func="pos" op="equ" val="1">
-                <dgm:layoutNode name="vertSpace2a">
-                  <dgm:alg type="sp"/>
-                  <dgm:shape xmlns:r="http://schemas.openxmlformats.org/officeDocument/2006/relationships" r:blip="">
-                    <dgm:adjLst/>
-                  </dgm:shape>
-                  <dgm:presOf/>
-                </dgm:layoutNode>
-              </dgm:if>
-              <dgm:else name="Name19"/>
-            </dgm:choose>
-            <dgm:layoutNode name="horz2">
-              <dgm:choose name="Name20">
-                <dgm:if name="Name21" func="var" arg="dir" op="equ" val="norm">
-                  <dgm:alg type="lin">
-                    <dgm:param type="linDir" val="fromL"/>
-                    <dgm:param type="nodeVertAlign" val="t"/>
-                  </dgm:alg>
-                </dgm:if>
-                <dgm:else name="Name22">
-                  <dgm:alg type="lin">
-                    <dgm:param type="linDir" val="fromR"/>
-                    <dgm:param type="nodeVertAlign" val="t"/>
-                  </dgm:alg>
-                </dgm:else>
-              </dgm:choose>
-              <dgm:shape xmlns:r="http://schemas.openxmlformats.org/officeDocument/2006/relationships" r:blip="">
-                <dgm:adjLst/>
-              </dgm:shape>
-              <dgm:presOf/>
-              <dgm:layoutNode name="horzSpace2">
-                <dgm:alg type="sp"/>
-                <dgm:shape xmlns:r="http://schemas.openxmlformats.org/officeDocument/2006/relationships" r:blip="">
-                  <dgm:adjLst/>
-                </dgm:shape>
-                <dgm:presOf/>
-              </dgm:layoutNode>
-              <dgm:layoutNode name="tx2" styleLbl="revTx">
-                <dgm:alg type="tx">
-                  <dgm:param type="parTxLTRAlign" val="l"/>
-                  <dgm:param type="parTxRTLAlign" val="r"/>
-                  <dgm:param type="txAnchorVert" val="t"/>
-                </dgm:alg>
-                <dgm:shape xmlns:r="http://schemas.openxmlformats.org/officeDocument/2006/relationships" type="rect" r:blip="">
-                  <dgm:adjLst/>
-                </dgm:shape>
-                <dgm:presOf axis="self"/>
-                <dgm:constrLst>
-                  <dgm:constr type="tMarg" refType="primFontSz" fact="0.3"/>
-                  <dgm:constr type="bMarg" refType="primFontSz" fact="0.3"/>
-                  <dgm:constr type="lMarg" refType="primFontSz" fact="0.3"/>
-                  <dgm:constr type="rMarg" refType="primFontSz" fact="0.3"/>
-                </dgm:constrLst>
-                <dgm:ruleLst>
-                  <dgm:rule type="primFontSz" val="5" fact="NaN" max="NaN"/>
-                </dgm:ruleLst>
-              </dgm:layoutNode>
-              <dgm:layoutNode name="vert2">
-                <dgm:choose name="Name23">
-                  <dgm:if name="Name24" func="var" arg="dir" op="equ" val="norm">
-                    <dgm:alg type="lin">
-                      <dgm:param type="linDir" val="fromT"/>
-                      <dgm:param type="nodeHorzAlign" val="l"/>
-                    </dgm:alg>
-                  </dgm:if>
-                  <dgm:else name="Name25">
-                    <dgm:alg type="lin">
-                      <dgm:param type="linDir" val="fromT"/>
-                      <dgm:param type="nodeHorzAlign" val="r"/>
-                    </dgm:alg>
-                  </dgm:else>
-                </dgm:choose>
-                <dgm:shape xmlns:r="http://schemas.openxmlformats.org/officeDocument/2006/relationships" r:blip="">
-                  <dgm:adjLst/>
-                </dgm:shape>
-                <dgm:presOf/>
-                <dgm:forEach name="Name26" axis="ch" ptType="node">
-                  <dgm:layoutNode name="horz3">
-                    <dgm:choose name="Name27">
-                      <dgm:if name="Name28" func="var" arg="dir" op="equ" val="norm">
-                        <dgm:alg type="lin">
-                          <dgm:param type="linDir" val="fromL"/>
-                          <dgm:param type="nodeVertAlign" val="t"/>
-                        </dgm:alg>
-                      </dgm:if>
-                      <dgm:else name="Name29">
-                        <dgm:alg type="lin">
-                          <dgm:param type="linDir" val="fromR"/>
-                          <dgm:param type="nodeVertAlign" val="t"/>
-                        </dgm:alg>
-                      </dgm:else>
-                    </dgm:choose>
-                    <dgm:shape xmlns:r="http://schemas.openxmlformats.org/officeDocument/2006/relationships" r:blip="">
-                      <dgm:adjLst/>
-                    </dgm:shape>
-                    <dgm:presOf/>
-                    <dgm:layoutNode name="horzSpace3">
-                      <dgm:alg type="sp"/>
-                      <dgm:shape xmlns:r="http://schemas.openxmlformats.org/officeDocument/2006/relationships" r:blip="">
-                        <dgm:adjLst/>
-                      </dgm:shape>
-                      <dgm:presOf/>
-                    </dgm:layoutNode>
-                    <dgm:layoutNode name="tx3" styleLbl="revTx">
-                      <dgm:alg type="tx">
-                        <dgm:param type="parTxLTRAlign" val="l"/>
-                        <dgm:param type="parTxRTLAlign" val="r"/>
-                        <dgm:param type="txAnchorVert" val="t"/>
-                      </dgm:alg>
-                      <dgm:shape xmlns:r="http://schemas.openxmlformats.org/officeDocument/2006/relationships" type="rect" r:blip="">
-                        <dgm:adjLst/>
-                      </dgm:shape>
-                      <dgm:presOf axis="self"/>
-                      <dgm:constrLst>
-                        <dgm:constr type="tMarg" refType="primFontSz" fact="0.3"/>
-                        <dgm:constr type="bMarg" refType="primFontSz" fact="0.3"/>
-                        <dgm:constr type="lMarg" refType="primFontSz" fact="0.3"/>
-                        <dgm:constr type="rMarg" refType="primFontSz" fact="0.3"/>
-                      </dgm:constrLst>
-                      <dgm:ruleLst>
-                        <dgm:rule type="primFontSz" val="5" fact="NaN" max="NaN"/>
-                      </dgm:ruleLst>
-                    </dgm:layoutNode>
-                    <dgm:layoutNode name="vert3">
-                      <dgm:choose name="Name30">
-                        <dgm:if name="Name31" func="var" arg="dir" op="equ" val="norm">
-                          <dgm:alg type="lin">
-                            <dgm:param type="linDir" val="fromT"/>
-                            <dgm:param type="nodeHorzAlign" val="l"/>
-                          </dgm:alg>
-                        </dgm:if>
-                        <dgm:else name="Name32">
-                          <dgm:alg type="lin">
-                            <dgm:param type="linDir" val="fromT"/>
-                            <dgm:param type="nodeHorzAlign" val="r"/>
-                          </dgm:alg>
-                        </dgm:else>
-                      </dgm:choose>
-                      <dgm:shape xmlns:r="http://schemas.openxmlformats.org/officeDocument/2006/relationships" r:blip="">
-                        <dgm:adjLst/>
-                      </dgm:shape>
-                      <dgm:presOf/>
-                      <dgm:forEach name="Name33" axis="ch" ptType="node">
-                        <dgm:layoutNode name="horz4">
-                          <dgm:choose name="Name34">
-                            <dgm:if name="Name35" func="var" arg="dir" op="equ" val="norm">
-                              <dgm:alg type="lin">
-                                <dgm:param type="linDir" val="fromL"/>
-                                <dgm:param type="nodeVertAlign" val="t"/>
-                              </dgm:alg>
-                            </dgm:if>
-                            <dgm:else name="Name36">
-                              <dgm:alg type="lin">
-                                <dgm:param type="linDir" val="fromR"/>
-                                <dgm:param type="nodeVertAlign" val="t"/>
-                              </dgm:alg>
-                            </dgm:else>
-                          </dgm:choose>
-                          <dgm:shape xmlns:r="http://schemas.openxmlformats.org/officeDocument/2006/relationships" r:blip="">
-                            <dgm:adjLst/>
-                          </dgm:shape>
-                          <dgm:presOf/>
-                          <dgm:layoutNode name="horzSpace4">
-                            <dgm:alg type="sp"/>
-                            <dgm:shape xmlns:r="http://schemas.openxmlformats.org/officeDocument/2006/relationships" r:blip="">
-                              <dgm:adjLst/>
-                            </dgm:shape>
-                            <dgm:presOf/>
-                          </dgm:layoutNode>
-                          <dgm:layoutNode name="tx4" styleLbl="revTx">
-                            <dgm:varLst>
-                              <dgm:bulletEnabled val="1"/>
-                            </dgm:varLst>
-                            <dgm:alg type="tx">
-                              <dgm:param type="parTxLTRAlign" val="l"/>
-                              <dgm:param type="parTxRTLAlign" val="r"/>
-                              <dgm:param type="txAnchorVert" val="t"/>
-                            </dgm:alg>
-                            <dgm:shape xmlns:r="http://schemas.openxmlformats.org/officeDocument/2006/relationships" type="rect" r:blip="">
-                              <dgm:adjLst/>
-                            </dgm:shape>
-                            <dgm:presOf axis="desOrSelf" ptType="node"/>
-                            <dgm:constrLst>
-                              <dgm:constr type="tMarg" refType="primFontSz" fact="0.3"/>
-                              <dgm:constr type="bMarg" refType="primFontSz" fact="0.3"/>
-                              <dgm:constr type="lMarg" refType="primFontSz" fact="0.3"/>
-                              <dgm:constr type="rMarg" refType="primFontSz" fact="0.3"/>
-                            </dgm:constrLst>
-                            <dgm:ruleLst>
-                              <dgm:rule type="primFontSz" val="5" fact="NaN" max="NaN"/>
-                            </dgm:ruleLst>
-                          </dgm:layoutNode>
-                        </dgm:layoutNode>
-                      </dgm:forEach>
-                    </dgm:layoutNode>
-                  </dgm:layoutNode>
-                  <dgm:forEach name="Name37" axis="followSib" ptType="sibTrans" cnt="1">
-                    <dgm:layoutNode name="thinLine3" styleLbl="callout">
-                      <dgm:alg type="sp"/>
-                      <dgm:shape xmlns:r="http://schemas.openxmlformats.org/officeDocument/2006/relationships" type="line" r:blip="">
-                        <dgm:adjLst/>
-                      </dgm:shape>
-                      <dgm:presOf/>
-                    </dgm:layoutNode>
-                  </dgm:forEach>
-                </dgm:forEach>
-              </dgm:layoutNode>
-            </dgm:layoutNode>
-            <dgm:layoutNode name="thinLine2b" styleLbl="callout">
-              <dgm:alg type="sp"/>
-              <dgm:shape xmlns:r="http://schemas.openxmlformats.org/officeDocument/2006/relationships" type="line" r:blip="">
-                <dgm:adjLst/>
-              </dgm:shape>
-              <dgm:presOf/>
-            </dgm:layoutNode>
-            <dgm:layoutNode name="vertSpace2b">
-              <dgm:alg type="sp"/>
-              <dgm:shape xmlns:r="http://schemas.openxmlformats.org/officeDocument/2006/relationships" r:blip="">
-                <dgm:adjLst/>
-              </dgm:shape>
-              <dgm:presOf/>
-            </dgm:layoutNode>
-          </dgm:forEach>
-        </dgm:layoutNode>
-      </dgm:layoutNode>
-    </dgm:forEach>
-  </dgm:layoutNode>
-</dgm:layoutDef>
-</file>
-
 <file path=ppt/diagrams/quickStyle1.xml><?xml version="1.0" encoding="utf-8"?>
 <dgm:styleDef xmlns:dgm="http://schemas.openxmlformats.org/drawingml/2006/diagram" xmlns:a="http://schemas.openxmlformats.org/drawingml/2006/main" uniqueId="urn:microsoft.com/office/officeart/2005/8/quickstyle/simple1">
   <dgm:title val=""/>
@@ -10571,1040 +8540,6 @@
 </file>
 
 <file path=ppt/diagrams/quickStyle3.xml><?xml version="1.0" encoding="utf-8"?>
-<dgm:styleDef xmlns:dgm="http://schemas.openxmlformats.org/drawingml/2006/diagram" xmlns:a="http://schemas.openxmlformats.org/drawingml/2006/main" uniqueId="urn:microsoft.com/office/officeart/2005/8/quickstyle/simple1">
-  <dgm:title val=""/>
-  <dgm:desc val=""/>
-  <dgm:catLst>
-    <dgm:cat type="simple" pri="10100"/>
-  </dgm:catLst>
-  <dgm:scene3d>
-    <a:camera prst="orthographicFront"/>
-    <a:lightRig rig="threePt" dir="t"/>
-  </dgm:scene3d>
-  <dgm:styleLbl name="node0">
-    <dgm:scene3d>
-      <a:camera prst="orthographicFront"/>
-      <a:lightRig rig="threePt" dir="t"/>
-    </dgm:scene3d>
-    <dgm:sp3d/>
-    <dgm:txPr/>
-    <dgm:style>
-      <a:lnRef idx="2">
-        <a:scrgbClr r="0" g="0" b="0"/>
-      </a:lnRef>
-      <a:fillRef idx="1">
-        <a:scrgbClr r="0" g="0" b="0"/>
-      </a:fillRef>
-      <a:effectRef idx="0">
-        <a:scrgbClr r="0" g="0" b="0"/>
-      </a:effectRef>
-      <a:fontRef idx="minor">
-        <a:schemeClr val="lt1"/>
-      </a:fontRef>
-    </dgm:style>
-  </dgm:styleLbl>
-  <dgm:styleLbl name="lnNode1">
-    <dgm:scene3d>
-      <a:camera prst="orthographicFront"/>
-      <a:lightRig rig="threePt" dir="t"/>
-    </dgm:scene3d>
-    <dgm:sp3d/>
-    <dgm:txPr/>
-    <dgm:style>
-      <a:lnRef idx="2">
-        <a:scrgbClr r="0" g="0" b="0"/>
-      </a:lnRef>
-      <a:fillRef idx="1">
-        <a:scrgbClr r="0" g="0" b="0"/>
-      </a:fillRef>
-      <a:effectRef idx="0">
-        <a:scrgbClr r="0" g="0" b="0"/>
-      </a:effectRef>
-      <a:fontRef idx="minor">
-        <a:schemeClr val="lt1"/>
-      </a:fontRef>
-    </dgm:style>
-  </dgm:styleLbl>
-  <dgm:styleLbl name="vennNode1">
-    <dgm:scene3d>
-      <a:camera prst="orthographicFront"/>
-      <a:lightRig rig="threePt" dir="t"/>
-    </dgm:scene3d>
-    <dgm:sp3d/>
-    <dgm:txPr/>
-    <dgm:style>
-      <a:lnRef idx="2">
-        <a:scrgbClr r="0" g="0" b="0"/>
-      </a:lnRef>
-      <a:fillRef idx="1">
-        <a:scrgbClr r="0" g="0" b="0"/>
-      </a:fillRef>
-      <a:effectRef idx="0">
-        <a:scrgbClr r="0" g="0" b="0"/>
-      </a:effectRef>
-      <a:fontRef idx="minor">
-        <a:schemeClr val="tx1"/>
-      </a:fontRef>
-    </dgm:style>
-  </dgm:styleLbl>
-  <dgm:styleLbl name="alignNode1">
-    <dgm:scene3d>
-      <a:camera prst="orthographicFront"/>
-      <a:lightRig rig="threePt" dir="t"/>
-    </dgm:scene3d>
-    <dgm:sp3d/>
-    <dgm:txPr/>
-    <dgm:style>
-      <a:lnRef idx="2">
-        <a:scrgbClr r="0" g="0" b="0"/>
-      </a:lnRef>
-      <a:fillRef idx="1">
-        <a:scrgbClr r="0" g="0" b="0"/>
-      </a:fillRef>
-      <a:effectRef idx="0">
-        <a:scrgbClr r="0" g="0" b="0"/>
-      </a:effectRef>
-      <a:fontRef idx="minor">
-        <a:schemeClr val="lt1"/>
-      </a:fontRef>
-    </dgm:style>
-  </dgm:styleLbl>
-  <dgm:styleLbl name="node1">
-    <dgm:scene3d>
-      <a:camera prst="orthographicFront"/>
-      <a:lightRig rig="threePt" dir="t"/>
-    </dgm:scene3d>
-    <dgm:sp3d/>
-    <dgm:txPr/>
-    <dgm:style>
-      <a:lnRef idx="2">
-        <a:scrgbClr r="0" g="0" b="0"/>
-      </a:lnRef>
-      <a:fillRef idx="1">
-        <a:scrgbClr r="0" g="0" b="0"/>
-      </a:fillRef>
-      <a:effectRef idx="0">
-        <a:scrgbClr r="0" g="0" b="0"/>
-      </a:effectRef>
-      <a:fontRef idx="minor">
-        <a:schemeClr val="lt1"/>
-      </a:fontRef>
-    </dgm:style>
-  </dgm:styleLbl>
-  <dgm:styleLbl name="node2">
-    <dgm:scene3d>
-      <a:camera prst="orthographicFront"/>
-      <a:lightRig rig="threePt" dir="t"/>
-    </dgm:scene3d>
-    <dgm:sp3d/>
-    <dgm:txPr/>
-    <dgm:style>
-      <a:lnRef idx="2">
-        <a:scrgbClr r="0" g="0" b="0"/>
-      </a:lnRef>
-      <a:fillRef idx="1">
-        <a:scrgbClr r="0" g="0" b="0"/>
-      </a:fillRef>
-      <a:effectRef idx="0">
-        <a:scrgbClr r="0" g="0" b="0"/>
-      </a:effectRef>
-      <a:fontRef idx="minor">
-        <a:schemeClr val="lt1"/>
-      </a:fontRef>
-    </dgm:style>
-  </dgm:styleLbl>
-  <dgm:styleLbl name="node3">
-    <dgm:scene3d>
-      <a:camera prst="orthographicFront"/>
-      <a:lightRig rig="threePt" dir="t"/>
-    </dgm:scene3d>
-    <dgm:sp3d/>
-    <dgm:txPr/>
-    <dgm:style>
-      <a:lnRef idx="2">
-        <a:scrgbClr r="0" g="0" b="0"/>
-      </a:lnRef>
-      <a:fillRef idx="1">
-        <a:scrgbClr r="0" g="0" b="0"/>
-      </a:fillRef>
-      <a:effectRef idx="0">
-        <a:scrgbClr r="0" g="0" b="0"/>
-      </a:effectRef>
-      <a:fontRef idx="minor">
-        <a:schemeClr val="lt1"/>
-      </a:fontRef>
-    </dgm:style>
-  </dgm:styleLbl>
-  <dgm:styleLbl name="node4">
-    <dgm:scene3d>
-      <a:camera prst="orthographicFront"/>
-      <a:lightRig rig="threePt" dir="t"/>
-    </dgm:scene3d>
-    <dgm:sp3d/>
-    <dgm:txPr/>
-    <dgm:style>
-      <a:lnRef idx="2">
-        <a:scrgbClr r="0" g="0" b="0"/>
-      </a:lnRef>
-      <a:fillRef idx="1">
-        <a:scrgbClr r="0" g="0" b="0"/>
-      </a:fillRef>
-      <a:effectRef idx="0">
-        <a:scrgbClr r="0" g="0" b="0"/>
-      </a:effectRef>
-      <a:fontRef idx="minor">
-        <a:schemeClr val="lt1"/>
-      </a:fontRef>
-    </dgm:style>
-  </dgm:styleLbl>
-  <dgm:styleLbl name="fgImgPlace1">
-    <dgm:scene3d>
-      <a:camera prst="orthographicFront"/>
-      <a:lightRig rig="threePt" dir="t"/>
-    </dgm:scene3d>
-    <dgm:sp3d/>
-    <dgm:txPr/>
-    <dgm:style>
-      <a:lnRef idx="2">
-        <a:scrgbClr r="0" g="0" b="0"/>
-      </a:lnRef>
-      <a:fillRef idx="1">
-        <a:scrgbClr r="0" g="0" b="0"/>
-      </a:fillRef>
-      <a:effectRef idx="0">
-        <a:scrgbClr r="0" g="0" b="0"/>
-      </a:effectRef>
-      <a:fontRef idx="minor"/>
-    </dgm:style>
-  </dgm:styleLbl>
-  <dgm:styleLbl name="alignImgPlace1">
-    <dgm:scene3d>
-      <a:camera prst="orthographicFront"/>
-      <a:lightRig rig="threePt" dir="t"/>
-    </dgm:scene3d>
-    <dgm:sp3d/>
-    <dgm:txPr/>
-    <dgm:style>
-      <a:lnRef idx="2">
-        <a:scrgbClr r="0" g="0" b="0"/>
-      </a:lnRef>
-      <a:fillRef idx="1">
-        <a:scrgbClr r="0" g="0" b="0"/>
-      </a:fillRef>
-      <a:effectRef idx="0">
-        <a:scrgbClr r="0" g="0" b="0"/>
-      </a:effectRef>
-      <a:fontRef idx="minor"/>
-    </dgm:style>
-  </dgm:styleLbl>
-  <dgm:styleLbl name="bgImgPlace1">
-    <dgm:scene3d>
-      <a:camera prst="orthographicFront"/>
-      <a:lightRig rig="threePt" dir="t"/>
-    </dgm:scene3d>
-    <dgm:sp3d/>
-    <dgm:txPr/>
-    <dgm:style>
-      <a:lnRef idx="2">
-        <a:scrgbClr r="0" g="0" b="0"/>
-      </a:lnRef>
-      <a:fillRef idx="1">
-        <a:scrgbClr r="0" g="0" b="0"/>
-      </a:fillRef>
-      <a:effectRef idx="0">
-        <a:scrgbClr r="0" g="0" b="0"/>
-      </a:effectRef>
-      <a:fontRef idx="minor"/>
-    </dgm:style>
-  </dgm:styleLbl>
-  <dgm:styleLbl name="sibTrans2D1">
-    <dgm:scene3d>
-      <a:camera prst="orthographicFront"/>
-      <a:lightRig rig="threePt" dir="t"/>
-    </dgm:scene3d>
-    <dgm:sp3d/>
-    <dgm:txPr/>
-    <dgm:style>
-      <a:lnRef idx="0">
-        <a:scrgbClr r="0" g="0" b="0"/>
-      </a:lnRef>
-      <a:fillRef idx="1">
-        <a:scrgbClr r="0" g="0" b="0"/>
-      </a:fillRef>
-      <a:effectRef idx="0">
-        <a:scrgbClr r="0" g="0" b="0"/>
-      </a:effectRef>
-      <a:fontRef idx="minor">
-        <a:schemeClr val="lt1"/>
-      </a:fontRef>
-    </dgm:style>
-  </dgm:styleLbl>
-  <dgm:styleLbl name="fgSibTrans2D1">
-    <dgm:scene3d>
-      <a:camera prst="orthographicFront"/>
-      <a:lightRig rig="threePt" dir="t"/>
-    </dgm:scene3d>
-    <dgm:sp3d/>
-    <dgm:txPr/>
-    <dgm:style>
-      <a:lnRef idx="0">
-        <a:scrgbClr r="0" g="0" b="0"/>
-      </a:lnRef>
-      <a:fillRef idx="1">
-        <a:scrgbClr r="0" g="0" b="0"/>
-      </a:fillRef>
-      <a:effectRef idx="0">
-        <a:scrgbClr r="0" g="0" b="0"/>
-      </a:effectRef>
-      <a:fontRef idx="minor">
-        <a:schemeClr val="lt1"/>
-      </a:fontRef>
-    </dgm:style>
-  </dgm:styleLbl>
-  <dgm:styleLbl name="bgSibTrans2D1">
-    <dgm:scene3d>
-      <a:camera prst="orthographicFront"/>
-      <a:lightRig rig="threePt" dir="t"/>
-    </dgm:scene3d>
-    <dgm:sp3d/>
-    <dgm:txPr/>
-    <dgm:style>
-      <a:lnRef idx="0">
-        <a:scrgbClr r="0" g="0" b="0"/>
-      </a:lnRef>
-      <a:fillRef idx="1">
-        <a:scrgbClr r="0" g="0" b="0"/>
-      </a:fillRef>
-      <a:effectRef idx="0">
-        <a:scrgbClr r="0" g="0" b="0"/>
-      </a:effectRef>
-      <a:fontRef idx="minor">
-        <a:schemeClr val="lt1"/>
-      </a:fontRef>
-    </dgm:style>
-  </dgm:styleLbl>
-  <dgm:styleLbl name="sibTrans1D1">
-    <dgm:scene3d>
-      <a:camera prst="orthographicFront"/>
-      <a:lightRig rig="threePt" dir="t"/>
-    </dgm:scene3d>
-    <dgm:sp3d/>
-    <dgm:txPr/>
-    <dgm:style>
-      <a:lnRef idx="1">
-        <a:scrgbClr r="0" g="0" b="0"/>
-      </a:lnRef>
-      <a:fillRef idx="0">
-        <a:scrgbClr r="0" g="0" b="0"/>
-      </a:fillRef>
-      <a:effectRef idx="0">
-        <a:scrgbClr r="0" g="0" b="0"/>
-      </a:effectRef>
-      <a:fontRef idx="minor"/>
-    </dgm:style>
-  </dgm:styleLbl>
-  <dgm:styleLbl name="callout">
-    <dgm:scene3d>
-      <a:camera prst="orthographicFront"/>
-      <a:lightRig rig="threePt" dir="t"/>
-    </dgm:scene3d>
-    <dgm:sp3d/>
-    <dgm:txPr/>
-    <dgm:style>
-      <a:lnRef idx="2">
-        <a:scrgbClr r="0" g="0" b="0"/>
-      </a:lnRef>
-      <a:fillRef idx="1">
-        <a:scrgbClr r="0" g="0" b="0"/>
-      </a:fillRef>
-      <a:effectRef idx="0">
-        <a:scrgbClr r="0" g="0" b="0"/>
-      </a:effectRef>
-      <a:fontRef idx="minor"/>
-    </dgm:style>
-  </dgm:styleLbl>
-  <dgm:styleLbl name="asst0">
-    <dgm:scene3d>
-      <a:camera prst="orthographicFront"/>
-      <a:lightRig rig="threePt" dir="t"/>
-    </dgm:scene3d>
-    <dgm:sp3d/>
-    <dgm:txPr/>
-    <dgm:style>
-      <a:lnRef idx="2">
-        <a:scrgbClr r="0" g="0" b="0"/>
-      </a:lnRef>
-      <a:fillRef idx="1">
-        <a:scrgbClr r="0" g="0" b="0"/>
-      </a:fillRef>
-      <a:effectRef idx="0">
-        <a:scrgbClr r="0" g="0" b="0"/>
-      </a:effectRef>
-      <a:fontRef idx="minor">
-        <a:schemeClr val="lt1"/>
-      </a:fontRef>
-    </dgm:style>
-  </dgm:styleLbl>
-  <dgm:styleLbl name="asst1">
-    <dgm:scene3d>
-      <a:camera prst="orthographicFront"/>
-      <a:lightRig rig="threePt" dir="t"/>
-    </dgm:scene3d>
-    <dgm:sp3d/>
-    <dgm:txPr/>
-    <dgm:style>
-      <a:lnRef idx="2">
-        <a:scrgbClr r="0" g="0" b="0"/>
-      </a:lnRef>
-      <a:fillRef idx="1">
-        <a:scrgbClr r="0" g="0" b="0"/>
-      </a:fillRef>
-      <a:effectRef idx="0">
-        <a:scrgbClr r="0" g="0" b="0"/>
-      </a:effectRef>
-      <a:fontRef idx="minor">
-        <a:schemeClr val="lt1"/>
-      </a:fontRef>
-    </dgm:style>
-  </dgm:styleLbl>
-  <dgm:styleLbl name="asst2">
-    <dgm:scene3d>
-      <a:camera prst="orthographicFront"/>
-      <a:lightRig rig="threePt" dir="t"/>
-    </dgm:scene3d>
-    <dgm:sp3d/>
-    <dgm:txPr/>
-    <dgm:style>
-      <a:lnRef idx="2">
-        <a:scrgbClr r="0" g="0" b="0"/>
-      </a:lnRef>
-      <a:fillRef idx="1">
-        <a:scrgbClr r="0" g="0" b="0"/>
-      </a:fillRef>
-      <a:effectRef idx="0">
-        <a:scrgbClr r="0" g="0" b="0"/>
-      </a:effectRef>
-      <a:fontRef idx="minor">
-        <a:schemeClr val="lt1"/>
-      </a:fontRef>
-    </dgm:style>
-  </dgm:styleLbl>
-  <dgm:styleLbl name="asst3">
-    <dgm:scene3d>
-      <a:camera prst="orthographicFront"/>
-      <a:lightRig rig="threePt" dir="t"/>
-    </dgm:scene3d>
-    <dgm:sp3d/>
-    <dgm:txPr/>
-    <dgm:style>
-      <a:lnRef idx="2">
-        <a:scrgbClr r="0" g="0" b="0"/>
-      </a:lnRef>
-      <a:fillRef idx="1">
-        <a:scrgbClr r="0" g="0" b="0"/>
-      </a:fillRef>
-      <a:effectRef idx="0">
-        <a:scrgbClr r="0" g="0" b="0"/>
-      </a:effectRef>
-      <a:fontRef idx="minor">
-        <a:schemeClr val="lt1"/>
-      </a:fontRef>
-    </dgm:style>
-  </dgm:styleLbl>
-  <dgm:styleLbl name="asst4">
-    <dgm:scene3d>
-      <a:camera prst="orthographicFront"/>
-      <a:lightRig rig="threePt" dir="t"/>
-    </dgm:scene3d>
-    <dgm:sp3d/>
-    <dgm:txPr/>
-    <dgm:style>
-      <a:lnRef idx="2">
-        <a:scrgbClr r="0" g="0" b="0"/>
-      </a:lnRef>
-      <a:fillRef idx="1">
-        <a:scrgbClr r="0" g="0" b="0"/>
-      </a:fillRef>
-      <a:effectRef idx="0">
-        <a:scrgbClr r="0" g="0" b="0"/>
-      </a:effectRef>
-      <a:fontRef idx="minor">
-        <a:schemeClr val="lt1"/>
-      </a:fontRef>
-    </dgm:style>
-  </dgm:styleLbl>
-  <dgm:styleLbl name="parChTrans2D1">
-    <dgm:scene3d>
-      <a:camera prst="orthographicFront"/>
-      <a:lightRig rig="threePt" dir="t"/>
-    </dgm:scene3d>
-    <dgm:sp3d/>
-    <dgm:txPr/>
-    <dgm:style>
-      <a:lnRef idx="2">
-        <a:scrgbClr r="0" g="0" b="0"/>
-      </a:lnRef>
-      <a:fillRef idx="1">
-        <a:scrgbClr r="0" g="0" b="0"/>
-      </a:fillRef>
-      <a:effectRef idx="0">
-        <a:scrgbClr r="0" g="0" b="0"/>
-      </a:effectRef>
-      <a:fontRef idx="minor">
-        <a:schemeClr val="lt1"/>
-      </a:fontRef>
-    </dgm:style>
-  </dgm:styleLbl>
-  <dgm:styleLbl name="parChTrans2D2">
-    <dgm:scene3d>
-      <a:camera prst="orthographicFront"/>
-      <a:lightRig rig="threePt" dir="t"/>
-    </dgm:scene3d>
-    <dgm:sp3d/>
-    <dgm:txPr/>
-    <dgm:style>
-      <a:lnRef idx="2">
-        <a:scrgbClr r="0" g="0" b="0"/>
-      </a:lnRef>
-      <a:fillRef idx="1">
-        <a:scrgbClr r="0" g="0" b="0"/>
-      </a:fillRef>
-      <a:effectRef idx="0">
-        <a:scrgbClr r="0" g="0" b="0"/>
-      </a:effectRef>
-      <a:fontRef idx="minor">
-        <a:schemeClr val="lt1"/>
-      </a:fontRef>
-    </dgm:style>
-  </dgm:styleLbl>
-  <dgm:styleLbl name="parChTrans2D3">
-    <dgm:scene3d>
-      <a:camera prst="orthographicFront"/>
-      <a:lightRig rig="threePt" dir="t"/>
-    </dgm:scene3d>
-    <dgm:sp3d/>
-    <dgm:txPr/>
-    <dgm:style>
-      <a:lnRef idx="2">
-        <a:scrgbClr r="0" g="0" b="0"/>
-      </a:lnRef>
-      <a:fillRef idx="1">
-        <a:scrgbClr r="0" g="0" b="0"/>
-      </a:fillRef>
-      <a:effectRef idx="0">
-        <a:scrgbClr r="0" g="0" b="0"/>
-      </a:effectRef>
-      <a:fontRef idx="minor">
-        <a:schemeClr val="lt1"/>
-      </a:fontRef>
-    </dgm:style>
-  </dgm:styleLbl>
-  <dgm:styleLbl name="parChTrans2D4">
-    <dgm:scene3d>
-      <a:camera prst="orthographicFront"/>
-      <a:lightRig rig="threePt" dir="t"/>
-    </dgm:scene3d>
-    <dgm:sp3d/>
-    <dgm:txPr/>
-    <dgm:style>
-      <a:lnRef idx="2">
-        <a:scrgbClr r="0" g="0" b="0"/>
-      </a:lnRef>
-      <a:fillRef idx="1">
-        <a:scrgbClr r="0" g="0" b="0"/>
-      </a:fillRef>
-      <a:effectRef idx="0">
-        <a:scrgbClr r="0" g="0" b="0"/>
-      </a:effectRef>
-      <a:fontRef idx="minor">
-        <a:schemeClr val="lt1"/>
-      </a:fontRef>
-    </dgm:style>
-  </dgm:styleLbl>
-  <dgm:styleLbl name="parChTrans1D1">
-    <dgm:scene3d>
-      <a:camera prst="orthographicFront"/>
-      <a:lightRig rig="threePt" dir="t"/>
-    </dgm:scene3d>
-    <dgm:sp3d/>
-    <dgm:txPr/>
-    <dgm:style>
-      <a:lnRef idx="2">
-        <a:scrgbClr r="0" g="0" b="0"/>
-      </a:lnRef>
-      <a:fillRef idx="0">
-        <a:scrgbClr r="0" g="0" b="0"/>
-      </a:fillRef>
-      <a:effectRef idx="0">
-        <a:scrgbClr r="0" g="0" b="0"/>
-      </a:effectRef>
-      <a:fontRef idx="minor"/>
-    </dgm:style>
-  </dgm:styleLbl>
-  <dgm:styleLbl name="parChTrans1D2">
-    <dgm:scene3d>
-      <a:camera prst="orthographicFront"/>
-      <a:lightRig rig="threePt" dir="t"/>
-    </dgm:scene3d>
-    <dgm:sp3d/>
-    <dgm:txPr/>
-    <dgm:style>
-      <a:lnRef idx="2">
-        <a:scrgbClr r="0" g="0" b="0"/>
-      </a:lnRef>
-      <a:fillRef idx="0">
-        <a:scrgbClr r="0" g="0" b="0"/>
-      </a:fillRef>
-      <a:effectRef idx="0">
-        <a:scrgbClr r="0" g="0" b="0"/>
-      </a:effectRef>
-      <a:fontRef idx="minor"/>
-    </dgm:style>
-  </dgm:styleLbl>
-  <dgm:styleLbl name="parChTrans1D3">
-    <dgm:scene3d>
-      <a:camera prst="orthographicFront"/>
-      <a:lightRig rig="threePt" dir="t"/>
-    </dgm:scene3d>
-    <dgm:sp3d/>
-    <dgm:txPr/>
-    <dgm:style>
-      <a:lnRef idx="2">
-        <a:scrgbClr r="0" g="0" b="0"/>
-      </a:lnRef>
-      <a:fillRef idx="0">
-        <a:scrgbClr r="0" g="0" b="0"/>
-      </a:fillRef>
-      <a:effectRef idx="0">
-        <a:scrgbClr r="0" g="0" b="0"/>
-      </a:effectRef>
-      <a:fontRef idx="minor"/>
-    </dgm:style>
-  </dgm:styleLbl>
-  <dgm:styleLbl name="parChTrans1D4">
-    <dgm:scene3d>
-      <a:camera prst="orthographicFront"/>
-      <a:lightRig rig="threePt" dir="t"/>
-    </dgm:scene3d>
-    <dgm:sp3d/>
-    <dgm:txPr/>
-    <dgm:style>
-      <a:lnRef idx="2">
-        <a:scrgbClr r="0" g="0" b="0"/>
-      </a:lnRef>
-      <a:fillRef idx="0">
-        <a:scrgbClr r="0" g="0" b="0"/>
-      </a:fillRef>
-      <a:effectRef idx="0">
-        <a:scrgbClr r="0" g="0" b="0"/>
-      </a:effectRef>
-      <a:fontRef idx="minor"/>
-    </dgm:style>
-  </dgm:styleLbl>
-  <dgm:styleLbl name="fgAcc1">
-    <dgm:scene3d>
-      <a:camera prst="orthographicFront"/>
-      <a:lightRig rig="threePt" dir="t"/>
-    </dgm:scene3d>
-    <dgm:sp3d/>
-    <dgm:txPr/>
-    <dgm:style>
-      <a:lnRef idx="2">
-        <a:scrgbClr r="0" g="0" b="0"/>
-      </a:lnRef>
-      <a:fillRef idx="1">
-        <a:scrgbClr r="0" g="0" b="0"/>
-      </a:fillRef>
-      <a:effectRef idx="0">
-        <a:scrgbClr r="0" g="0" b="0"/>
-      </a:effectRef>
-      <a:fontRef idx="minor"/>
-    </dgm:style>
-  </dgm:styleLbl>
-  <dgm:styleLbl name="conFgAcc1">
-    <dgm:scene3d>
-      <a:camera prst="orthographicFront"/>
-      <a:lightRig rig="threePt" dir="t"/>
-    </dgm:scene3d>
-    <dgm:sp3d/>
-    <dgm:txPr/>
-    <dgm:style>
-      <a:lnRef idx="2">
-        <a:scrgbClr r="0" g="0" b="0"/>
-      </a:lnRef>
-      <a:fillRef idx="1">
-        <a:scrgbClr r="0" g="0" b="0"/>
-      </a:fillRef>
-      <a:effectRef idx="0">
-        <a:scrgbClr r="0" g="0" b="0"/>
-      </a:effectRef>
-      <a:fontRef idx="minor"/>
-    </dgm:style>
-  </dgm:styleLbl>
-  <dgm:styleLbl name="alignAcc1">
-    <dgm:scene3d>
-      <a:camera prst="orthographicFront"/>
-      <a:lightRig rig="threePt" dir="t"/>
-    </dgm:scene3d>
-    <dgm:sp3d/>
-    <dgm:txPr/>
-    <dgm:style>
-      <a:lnRef idx="2">
-        <a:scrgbClr r="0" g="0" b="0"/>
-      </a:lnRef>
-      <a:fillRef idx="1">
-        <a:scrgbClr r="0" g="0" b="0"/>
-      </a:fillRef>
-      <a:effectRef idx="0">
-        <a:scrgbClr r="0" g="0" b="0"/>
-      </a:effectRef>
-      <a:fontRef idx="minor"/>
-    </dgm:style>
-  </dgm:styleLbl>
-  <dgm:styleLbl name="trAlignAcc1">
-    <dgm:scene3d>
-      <a:camera prst="orthographicFront"/>
-      <a:lightRig rig="threePt" dir="t"/>
-    </dgm:scene3d>
-    <dgm:sp3d/>
-    <dgm:txPr/>
-    <dgm:style>
-      <a:lnRef idx="1">
-        <a:scrgbClr r="0" g="0" b="0"/>
-      </a:lnRef>
-      <a:fillRef idx="1">
-        <a:scrgbClr r="0" g="0" b="0"/>
-      </a:fillRef>
-      <a:effectRef idx="0">
-        <a:scrgbClr r="0" g="0" b="0"/>
-      </a:effectRef>
-      <a:fontRef idx="minor"/>
-    </dgm:style>
-  </dgm:styleLbl>
-  <dgm:styleLbl name="bgAcc1">
-    <dgm:scene3d>
-      <a:camera prst="orthographicFront"/>
-      <a:lightRig rig="threePt" dir="t"/>
-    </dgm:scene3d>
-    <dgm:sp3d/>
-    <dgm:txPr/>
-    <dgm:style>
-      <a:lnRef idx="2">
-        <a:scrgbClr r="0" g="0" b="0"/>
-      </a:lnRef>
-      <a:fillRef idx="1">
-        <a:scrgbClr r="0" g="0" b="0"/>
-      </a:fillRef>
-      <a:effectRef idx="0">
-        <a:scrgbClr r="0" g="0" b="0"/>
-      </a:effectRef>
-      <a:fontRef idx="minor"/>
-    </dgm:style>
-  </dgm:styleLbl>
-  <dgm:styleLbl name="solidFgAcc1">
-    <dgm:scene3d>
-      <a:camera prst="orthographicFront"/>
-      <a:lightRig rig="threePt" dir="t"/>
-    </dgm:scene3d>
-    <dgm:sp3d/>
-    <dgm:txPr/>
-    <dgm:style>
-      <a:lnRef idx="2">
-        <a:scrgbClr r="0" g="0" b="0"/>
-      </a:lnRef>
-      <a:fillRef idx="1">
-        <a:scrgbClr r="0" g="0" b="0"/>
-      </a:fillRef>
-      <a:effectRef idx="0">
-        <a:scrgbClr r="0" g="0" b="0"/>
-      </a:effectRef>
-      <a:fontRef idx="minor"/>
-    </dgm:style>
-  </dgm:styleLbl>
-  <dgm:styleLbl name="solidAlignAcc1">
-    <dgm:scene3d>
-      <a:camera prst="orthographicFront"/>
-      <a:lightRig rig="threePt" dir="t"/>
-    </dgm:scene3d>
-    <dgm:sp3d/>
-    <dgm:txPr/>
-    <dgm:style>
-      <a:lnRef idx="2">
-        <a:scrgbClr r="0" g="0" b="0"/>
-      </a:lnRef>
-      <a:fillRef idx="1">
-        <a:scrgbClr r="0" g="0" b="0"/>
-      </a:fillRef>
-      <a:effectRef idx="0">
-        <a:scrgbClr r="0" g="0" b="0"/>
-      </a:effectRef>
-      <a:fontRef idx="minor"/>
-    </dgm:style>
-  </dgm:styleLbl>
-  <dgm:styleLbl name="solidBgAcc1">
-    <dgm:scene3d>
-      <a:camera prst="orthographicFront"/>
-      <a:lightRig rig="threePt" dir="t"/>
-    </dgm:scene3d>
-    <dgm:sp3d/>
-    <dgm:txPr/>
-    <dgm:style>
-      <a:lnRef idx="2">
-        <a:scrgbClr r="0" g="0" b="0"/>
-      </a:lnRef>
-      <a:fillRef idx="1">
-        <a:scrgbClr r="0" g="0" b="0"/>
-      </a:fillRef>
-      <a:effectRef idx="0">
-        <a:scrgbClr r="0" g="0" b="0"/>
-      </a:effectRef>
-      <a:fontRef idx="minor"/>
-    </dgm:style>
-  </dgm:styleLbl>
-  <dgm:styleLbl name="fgAccFollowNode1">
-    <dgm:scene3d>
-      <a:camera prst="orthographicFront"/>
-      <a:lightRig rig="threePt" dir="t"/>
-    </dgm:scene3d>
-    <dgm:sp3d/>
-    <dgm:txPr/>
-    <dgm:style>
-      <a:lnRef idx="2">
-        <a:scrgbClr r="0" g="0" b="0"/>
-      </a:lnRef>
-      <a:fillRef idx="1">
-        <a:scrgbClr r="0" g="0" b="0"/>
-      </a:fillRef>
-      <a:effectRef idx="0">
-        <a:scrgbClr r="0" g="0" b="0"/>
-      </a:effectRef>
-      <a:fontRef idx="minor"/>
-    </dgm:style>
-  </dgm:styleLbl>
-  <dgm:styleLbl name="alignAccFollowNode1">
-    <dgm:scene3d>
-      <a:camera prst="orthographicFront"/>
-      <a:lightRig rig="threePt" dir="t"/>
-    </dgm:scene3d>
-    <dgm:sp3d/>
-    <dgm:txPr/>
-    <dgm:style>
-      <a:lnRef idx="2">
-        <a:scrgbClr r="0" g="0" b="0"/>
-      </a:lnRef>
-      <a:fillRef idx="1">
-        <a:scrgbClr r="0" g="0" b="0"/>
-      </a:fillRef>
-      <a:effectRef idx="0">
-        <a:scrgbClr r="0" g="0" b="0"/>
-      </a:effectRef>
-      <a:fontRef idx="minor"/>
-    </dgm:style>
-  </dgm:styleLbl>
-  <dgm:styleLbl name="bgAccFollowNode1">
-    <dgm:scene3d>
-      <a:camera prst="orthographicFront"/>
-      <a:lightRig rig="threePt" dir="t"/>
-    </dgm:scene3d>
-    <dgm:sp3d/>
-    <dgm:txPr/>
-    <dgm:style>
-      <a:lnRef idx="2">
-        <a:scrgbClr r="0" g="0" b="0"/>
-      </a:lnRef>
-      <a:fillRef idx="1">
-        <a:scrgbClr r="0" g="0" b="0"/>
-      </a:fillRef>
-      <a:effectRef idx="0">
-        <a:scrgbClr r="0" g="0" b="0"/>
-      </a:effectRef>
-      <a:fontRef idx="minor"/>
-    </dgm:style>
-  </dgm:styleLbl>
-  <dgm:styleLbl name="fgAcc0">
-    <dgm:scene3d>
-      <a:camera prst="orthographicFront"/>
-      <a:lightRig rig="threePt" dir="t"/>
-    </dgm:scene3d>
-    <dgm:sp3d/>
-    <dgm:txPr/>
-    <dgm:style>
-      <a:lnRef idx="2">
-        <a:scrgbClr r="0" g="0" b="0"/>
-      </a:lnRef>
-      <a:fillRef idx="1">
-        <a:scrgbClr r="0" g="0" b="0"/>
-      </a:fillRef>
-      <a:effectRef idx="0">
-        <a:scrgbClr r="0" g="0" b="0"/>
-      </a:effectRef>
-      <a:fontRef idx="minor"/>
-    </dgm:style>
-  </dgm:styleLbl>
-  <dgm:styleLbl name="fgAcc2">
-    <dgm:scene3d>
-      <a:camera prst="orthographicFront"/>
-      <a:lightRig rig="threePt" dir="t"/>
-    </dgm:scene3d>
-    <dgm:sp3d/>
-    <dgm:txPr/>
-    <dgm:style>
-      <a:lnRef idx="2">
-        <a:scrgbClr r="0" g="0" b="0"/>
-      </a:lnRef>
-      <a:fillRef idx="1">
-        <a:scrgbClr r="0" g="0" b="0"/>
-      </a:fillRef>
-      <a:effectRef idx="0">
-        <a:scrgbClr r="0" g="0" b="0"/>
-      </a:effectRef>
-      <a:fontRef idx="minor"/>
-    </dgm:style>
-  </dgm:styleLbl>
-  <dgm:styleLbl name="fgAcc3">
-    <dgm:scene3d>
-      <a:camera prst="orthographicFront"/>
-      <a:lightRig rig="threePt" dir="t"/>
-    </dgm:scene3d>
-    <dgm:sp3d/>
-    <dgm:txPr/>
-    <dgm:style>
-      <a:lnRef idx="2">
-        <a:scrgbClr r="0" g="0" b="0"/>
-      </a:lnRef>
-      <a:fillRef idx="1">
-        <a:scrgbClr r="0" g="0" b="0"/>
-      </a:fillRef>
-      <a:effectRef idx="0">
-        <a:scrgbClr r="0" g="0" b="0"/>
-      </a:effectRef>
-      <a:fontRef idx="minor"/>
-    </dgm:style>
-  </dgm:styleLbl>
-  <dgm:styleLbl name="fgAcc4">
-    <dgm:scene3d>
-      <a:camera prst="orthographicFront"/>
-      <a:lightRig rig="threePt" dir="t"/>
-    </dgm:scene3d>
-    <dgm:sp3d/>
-    <dgm:txPr/>
-    <dgm:style>
-      <a:lnRef idx="2">
-        <a:scrgbClr r="0" g="0" b="0"/>
-      </a:lnRef>
-      <a:fillRef idx="1">
-        <a:scrgbClr r="0" g="0" b="0"/>
-      </a:fillRef>
-      <a:effectRef idx="0">
-        <a:scrgbClr r="0" g="0" b="0"/>
-      </a:effectRef>
-      <a:fontRef idx="minor"/>
-    </dgm:style>
-  </dgm:styleLbl>
-  <dgm:styleLbl name="bgShp">
-    <dgm:scene3d>
-      <a:camera prst="orthographicFront"/>
-      <a:lightRig rig="threePt" dir="t"/>
-    </dgm:scene3d>
-    <dgm:sp3d/>
-    <dgm:txPr/>
-    <dgm:style>
-      <a:lnRef idx="0">
-        <a:scrgbClr r="0" g="0" b="0"/>
-      </a:lnRef>
-      <a:fillRef idx="1">
-        <a:scrgbClr r="0" g="0" b="0"/>
-      </a:fillRef>
-      <a:effectRef idx="0">
-        <a:scrgbClr r="0" g="0" b="0"/>
-      </a:effectRef>
-      <a:fontRef idx="minor"/>
-    </dgm:style>
-  </dgm:styleLbl>
-  <dgm:styleLbl name="dkBgShp">
-    <dgm:scene3d>
-      <a:camera prst="orthographicFront"/>
-      <a:lightRig rig="threePt" dir="t"/>
-    </dgm:scene3d>
-    <dgm:sp3d/>
-    <dgm:txPr/>
-    <dgm:style>
-      <a:lnRef idx="0">
-        <a:scrgbClr r="0" g="0" b="0"/>
-      </a:lnRef>
-      <a:fillRef idx="1">
-        <a:scrgbClr r="0" g="0" b="0"/>
-      </a:fillRef>
-      <a:effectRef idx="0">
-        <a:scrgbClr r="0" g="0" b="0"/>
-      </a:effectRef>
-      <a:fontRef idx="minor"/>
-    </dgm:style>
-  </dgm:styleLbl>
-  <dgm:styleLbl name="trBgShp">
-    <dgm:scene3d>
-      <a:camera prst="orthographicFront"/>
-      <a:lightRig rig="threePt" dir="t"/>
-    </dgm:scene3d>
-    <dgm:sp3d/>
-    <dgm:txPr/>
-    <dgm:style>
-      <a:lnRef idx="0">
-        <a:scrgbClr r="0" g="0" b="0"/>
-      </a:lnRef>
-      <a:fillRef idx="1">
-        <a:scrgbClr r="0" g="0" b="0"/>
-      </a:fillRef>
-      <a:effectRef idx="0">
-        <a:scrgbClr r="0" g="0" b="0"/>
-      </a:effectRef>
-      <a:fontRef idx="minor"/>
-    </dgm:style>
-  </dgm:styleLbl>
-  <dgm:styleLbl name="fgShp">
-    <dgm:scene3d>
-      <a:camera prst="orthographicFront"/>
-      <a:lightRig rig="threePt" dir="t"/>
-    </dgm:scene3d>
-    <dgm:sp3d/>
-    <dgm:txPr/>
-    <dgm:style>
-      <a:lnRef idx="2">
-        <a:scrgbClr r="0" g="0" b="0"/>
-      </a:lnRef>
-      <a:fillRef idx="1">
-        <a:scrgbClr r="0" g="0" b="0"/>
-      </a:fillRef>
-      <a:effectRef idx="0">
-        <a:scrgbClr r="0" g="0" b="0"/>
-      </a:effectRef>
-      <a:fontRef idx="minor"/>
-    </dgm:style>
-  </dgm:styleLbl>
-  <dgm:styleLbl name="revTx">
-    <dgm:scene3d>
-      <a:camera prst="orthographicFront"/>
-      <a:lightRig rig="threePt" dir="t"/>
-    </dgm:scene3d>
-    <dgm:sp3d/>
-    <dgm:txPr/>
-    <dgm:style>
-      <a:lnRef idx="0">
-        <a:scrgbClr r="0" g="0" b="0"/>
-      </a:lnRef>
-      <a:fillRef idx="0">
-        <a:scrgbClr r="0" g="0" b="0"/>
-      </a:fillRef>
-      <a:effectRef idx="0">
-        <a:scrgbClr r="0" g="0" b="0"/>
-      </a:effectRef>
-      <a:fontRef idx="minor"/>
-    </dgm:style>
-  </dgm:styleLbl>
-</dgm:styleDef>
-</file>
-
-<file path=ppt/diagrams/quickStyle4.xml><?xml version="1.0" encoding="utf-8"?>
 <dgm:styleDef xmlns:dgm="http://schemas.openxmlformats.org/drawingml/2006/diagram" xmlns:a="http://schemas.openxmlformats.org/drawingml/2006/main" uniqueId="urn:microsoft.com/office/officeart/2005/8/quickstyle/simple1">
   <dgm:title val=""/>
   <dgm:desc val=""/>
@@ -12720,7 +9655,7 @@
           <a:p>
             <a:fld id="{8581789B-417A-45A8-BF59-3A91DCC030A1}" type="datetimeFigureOut">
               <a:rPr lang="en-GB" smtClean="0"/>
-              <a:t>07/04/2022</a:t>
+              <a:t>10/04/2022</a:t>
             </a:fld>
             <a:endParaRPr lang="en-GB"/>
           </a:p>
@@ -13206,10 +10141,7 @@
           <a:bodyPr/>
           <a:lstStyle/>
           <a:p>
-            <a:r>
-              <a:rPr lang="en-GB" dirty="0"/>
-              <a:t>Upon discovering the ports. </a:t>
-            </a:r>
+            <a:endParaRPr lang="en-GB" dirty="0"/>
           </a:p>
         </p:txBody>
       </p:sp>
@@ -13481,10 +10413,7 @@
           <a:bodyPr/>
           <a:lstStyle/>
           <a:p>
-            <a:r>
-              <a:rPr lang="en-GB" dirty="0"/>
-              <a:t>These topics are just some highlights of what you’ll be learning in each section, upon purchase of the course you will have access to all content including lab exercises which will support your understanding of certain topics so you can gain some transferable skills into your day to day work.</a:t>
-            </a:r>
+            <a:endParaRPr lang="en-GB" dirty="0"/>
           </a:p>
         </p:txBody>
       </p:sp>
@@ -13657,41 +10586,8 @@
           <a:p>
             <a:r>
               <a:rPr lang="en-GB" dirty="0"/>
-              <a:t>And to finish off, I would like to detail what this course does NOT contain to give you a better idea of what is coming ahead. I’d like to say that most hacking courses have a very CTF focus to them. A CTF for those who have not heard of it, is a competitive method of hacking in which challenges need to be solved in order to retrieve flags. These challenges tend to be unrealistic compared to real network vulnerabilities. This course is not about getting the flag and taking the win. Courses such as OSCP where you have to break into a number of machines simply to get the flag. These courses don’t highlight tactics you should be establishing when targeting a network but rather just want to assess your ability to use the tools provided to identify and leverage vulnerabilities. So this course is not, about how to play a CTF. </a:t>
+              <a:t>And that’s the end of the introduction, if you feel this training course is the right fit for you, I hope you enjoy this course and learn many new things!</a:t>
             </a:r>
-          </a:p>
-          <a:p>
-            <a:endParaRPr lang="en-GB" dirty="0"/>
-          </a:p>
-          <a:p>
-            <a:r>
-              <a:rPr lang="en-GB" dirty="0"/>
-              <a:t>Secondly. The focus of this course is not about how to use lots of hacking tools. Yes, there will be mention/use of different tools to achieve tasks, but it is not an in-depth course of how to use these tools. Your tools should only be treated as exactly a tool. You should not be trained to always use a tool to achieve your task as your tools become your crutch. </a:t>
-            </a:r>
-          </a:p>
-          <a:p>
-            <a:endParaRPr lang="en-GB" dirty="0"/>
-          </a:p>
-          <a:p>
-            <a:r>
-              <a:rPr lang="en-GB" dirty="0"/>
-              <a:t>Thirdly, this course is not about how to use Kali Linux. Kali Linux is a security focused Linux distribution but it is heavily packed with tools you may never use. It is better to have a minimal set of tools you will use in addition to having a customised version of Linux with a secure kernel and any further defences you want to apply. As Linux professionals you are all very capable of building your own efficient Linux systems and will have your own preferences of which system to use for this course.</a:t>
-            </a:r>
-          </a:p>
-          <a:p>
-            <a:endParaRPr lang="en-GB" dirty="0"/>
-          </a:p>
-          <a:p>
-            <a:r>
-              <a:rPr lang="en-GB" dirty="0"/>
-              <a:t>Finally. This course is not about Windows. All vulnerabilities/approaches and tactics are designed for a Linux target environment in which you can attempt to infiltrate, exploit, exfiltrate and perform persistence.</a:t>
-            </a:r>
-          </a:p>
-          <a:p>
-            <a:endParaRPr lang="en-GB" dirty="0"/>
-          </a:p>
-          <a:p>
-            <a:endParaRPr lang="en-GB" dirty="0"/>
           </a:p>
         </p:txBody>
       </p:sp>
@@ -13713,93 +10609,6 @@
             <a:fld id="{F338B0AB-549E-4F24-AF95-BCB1475A5C9F}" type="slidenum">
               <a:rPr lang="en-GB" smtClean="0"/>
               <a:t>17</a:t>
-            </a:fld>
-            <a:endParaRPr lang="en-GB"/>
-          </a:p>
-        </p:txBody>
-      </p:sp>
-    </p:spTree>
-    <p:extLst>
-      <p:ext uri="{BB962C8B-B14F-4D97-AF65-F5344CB8AC3E}">
-        <p14:creationId xmlns:p14="http://schemas.microsoft.com/office/powerpoint/2010/main" val="715126689"/>
-      </p:ext>
-    </p:extLst>
-  </p:cSld>
-  <p:clrMapOvr>
-    <a:masterClrMapping/>
-  </p:clrMapOvr>
-</p:notes>
-</file>
-
-<file path=ppt/notesSlides/notesSlide17.xml><?xml version="1.0" encoding="utf-8"?>
-<p:notes xmlns:a="http://schemas.openxmlformats.org/drawingml/2006/main" xmlns:r="http://schemas.openxmlformats.org/officeDocument/2006/relationships" xmlns:p="http://schemas.openxmlformats.org/presentationml/2006/main">
-  <p:cSld>
-    <p:spTree>
-      <p:nvGrpSpPr>
-        <p:cNvPr id="1" name=""/>
-        <p:cNvGrpSpPr/>
-        <p:nvPr/>
-      </p:nvGrpSpPr>
-      <p:grpSpPr>
-        <a:xfrm>
-          <a:off x="0" y="0"/>
-          <a:ext cx="0" cy="0"/>
-          <a:chOff x="0" y="0"/>
-          <a:chExt cx="0" cy="0"/>
-        </a:xfrm>
-      </p:grpSpPr>
-      <p:sp>
-        <p:nvSpPr>
-          <p:cNvPr id="2" name="Slide Image Placeholder 1"/>
-          <p:cNvSpPr>
-            <a:spLocks noGrp="1" noRot="1" noChangeAspect="1"/>
-          </p:cNvSpPr>
-          <p:nvPr>
-            <p:ph type="sldImg"/>
-          </p:nvPr>
-        </p:nvSpPr>
-        <p:spPr/>
-      </p:sp>
-      <p:sp>
-        <p:nvSpPr>
-          <p:cNvPr id="3" name="Notes Placeholder 2"/>
-          <p:cNvSpPr>
-            <a:spLocks noGrp="1"/>
-          </p:cNvSpPr>
-          <p:nvPr>
-            <p:ph type="body" idx="1"/>
-          </p:nvPr>
-        </p:nvSpPr>
-        <p:spPr/>
-        <p:txBody>
-          <a:bodyPr/>
-          <a:lstStyle/>
-          <a:p>
-            <a:r>
-              <a:rPr lang="en-GB" dirty="0"/>
-              <a:t>And that’s the end of the introduction, I’d like to thank you for watching this introductory video for this training course. If you feel this training course is the right fit for you, I hope you enjoy this course and learn many new things!</a:t>
-            </a:r>
-          </a:p>
-        </p:txBody>
-      </p:sp>
-      <p:sp>
-        <p:nvSpPr>
-          <p:cNvPr id="4" name="Slide Number Placeholder 3"/>
-          <p:cNvSpPr>
-            <a:spLocks noGrp="1"/>
-          </p:cNvSpPr>
-          <p:nvPr>
-            <p:ph type="sldNum" sz="quarter" idx="5"/>
-          </p:nvPr>
-        </p:nvSpPr>
-        <p:spPr/>
-        <p:txBody>
-          <a:bodyPr/>
-          <a:lstStyle/>
-          <a:p>
-            <a:fld id="{F338B0AB-549E-4F24-AF95-BCB1475A5C9F}" type="slidenum">
-              <a:rPr lang="en-GB" smtClean="0"/>
-              <a:t>18</a:t>
             </a:fld>
             <a:endParaRPr lang="en-GB"/>
           </a:p>
@@ -13881,7 +10690,7 @@
           <a:p>
             <a:r>
               <a:rPr lang="en-GB" dirty="0"/>
-              <a:t>I’ve also worked as a security consultant for the North East Business Resilience Centre based in the UK which gave me the opportunity to perform OSINT engagements, I am professionally certified to conduct internal network penetration tests as an OSCP and my current endeavours at the time of developing this material involve offensive security engagements at the University of Durham where I am currently working as an Assistant Manager.</a:t>
+              <a:t>I’ve also worked as a security consultant for the North East Business Resilience Centre based in the UK which gave me the opportunity to perform OSINT engagements, I am professionally certified to conduct internal network penetration tests as an OSCP and my current endeavours at the time of developing this material involve offensive security engagements at the University of Durham for a tier 1 national supercomputing facility named COSMA where I was also working as an Assistant Manager.</a:t>
             </a:r>
           </a:p>
         </p:txBody>
@@ -14297,7 +11106,7 @@
           <a:p>
             <a:r>
               <a:rPr lang="en-GB" dirty="0"/>
-              <a:t>Upon gaining this information you will be learning ways of breaching the external perimeter in addition to having an opportunity to try these exercises out which will require a purchase of an AWS EC2 machine.</a:t>
+              <a:t>Upon gaining this information you will be learning ways of breaching the external perimeter</a:t>
             </a:r>
           </a:p>
           <a:p>
@@ -14307,21 +11116,6 @@
             <a:r>
               <a:rPr lang="en-GB" dirty="0"/>
               <a:t>Finding subtle Linux vulnerabilities are the kind of vulnerabilities which you may not find using your standard scanners/tools. These vulnerabilities can involve misconfigured firewalls, open communication channels which you can use as a means of infiltration. You will learn to find such vulnerabilities to attempt penetrating defences of what is otherwise a secure network and be able to establish a kill chain process in which you can achieve exploitation with found vulnerabilities and bypass defences. </a:t>
-            </a:r>
-          </a:p>
-          <a:p>
-            <a:endParaRPr lang="en-GB" dirty="0"/>
-          </a:p>
-          <a:p>
-            <a:r>
-              <a:rPr lang="en-GB" dirty="0"/>
-              <a:t>Internal network testing/LOTL. LOTL is a set of tactics an adversary follows in which the attacker will leverage existing tools/features in the target environment. </a:t>
-            </a:r>
-          </a:p>
-          <a:p>
-            <a:r>
-              <a:rPr lang="en-GB" dirty="0"/>
-              <a:t>https://logrhythm.com/blog/what-are-living-off-the-land-attacks/</a:t>
             </a:r>
           </a:p>
           <a:p>
@@ -14529,14 +11323,7 @@
           <a:bodyPr/>
           <a:lstStyle/>
           <a:p>
-            <a:r>
-              <a:rPr lang="en-GB" dirty="0"/>
-              <a:t>Work out the percentage of how much the course will be for internal testing and the rest and then make a pie chart </a:t>
-            </a:r>
-            <a:r>
-              <a:rPr lang="en-GB"/>
-              <a:t>to show the rate. </a:t>
-            </a:r>
+            <a:endParaRPr lang="en-GB" dirty="0"/>
           </a:p>
         </p:txBody>
       </p:sp>
@@ -14812,7 +11599,7 @@
           <a:p>
             <a:fld id="{A4439BD6-68A8-4E1A-9A49-942B2585C2CF}" type="datetimeFigureOut">
               <a:rPr lang="en-GB" smtClean="0"/>
-              <a:t>07/04/2022</a:t>
+              <a:t>10/04/2022</a:t>
             </a:fld>
             <a:endParaRPr lang="en-GB"/>
           </a:p>
@@ -15012,7 +11799,7 @@
           <a:p>
             <a:fld id="{A4439BD6-68A8-4E1A-9A49-942B2585C2CF}" type="datetimeFigureOut">
               <a:rPr lang="en-GB" smtClean="0"/>
-              <a:t>07/04/2022</a:t>
+              <a:t>10/04/2022</a:t>
             </a:fld>
             <a:endParaRPr lang="en-GB"/>
           </a:p>
@@ -15222,7 +12009,7 @@
           <a:p>
             <a:fld id="{A4439BD6-68A8-4E1A-9A49-942B2585C2CF}" type="datetimeFigureOut">
               <a:rPr lang="en-GB" smtClean="0"/>
-              <a:t>07/04/2022</a:t>
+              <a:t>10/04/2022</a:t>
             </a:fld>
             <a:endParaRPr lang="en-GB"/>
           </a:p>
@@ -15422,7 +12209,7 @@
           <a:p>
             <a:fld id="{A4439BD6-68A8-4E1A-9A49-942B2585C2CF}" type="datetimeFigureOut">
               <a:rPr lang="en-GB" smtClean="0"/>
-              <a:t>07/04/2022</a:t>
+              <a:t>10/04/2022</a:t>
             </a:fld>
             <a:endParaRPr lang="en-GB"/>
           </a:p>
@@ -15698,7 +12485,7 @@
           <a:p>
             <a:fld id="{A4439BD6-68A8-4E1A-9A49-942B2585C2CF}" type="datetimeFigureOut">
               <a:rPr lang="en-GB" smtClean="0"/>
-              <a:t>07/04/2022</a:t>
+              <a:t>10/04/2022</a:t>
             </a:fld>
             <a:endParaRPr lang="en-GB"/>
           </a:p>
@@ -15966,7 +12753,7 @@
           <a:p>
             <a:fld id="{A4439BD6-68A8-4E1A-9A49-942B2585C2CF}" type="datetimeFigureOut">
               <a:rPr lang="en-GB" smtClean="0"/>
-              <a:t>07/04/2022</a:t>
+              <a:t>10/04/2022</a:t>
             </a:fld>
             <a:endParaRPr lang="en-GB"/>
           </a:p>
@@ -16381,7 +13168,7 @@
           <a:p>
             <a:fld id="{A4439BD6-68A8-4E1A-9A49-942B2585C2CF}" type="datetimeFigureOut">
               <a:rPr lang="en-GB" smtClean="0"/>
-              <a:t>07/04/2022</a:t>
+              <a:t>10/04/2022</a:t>
             </a:fld>
             <a:endParaRPr lang="en-GB"/>
           </a:p>
@@ -16523,7 +13310,7 @@
           <a:p>
             <a:fld id="{A4439BD6-68A8-4E1A-9A49-942B2585C2CF}" type="datetimeFigureOut">
               <a:rPr lang="en-GB" smtClean="0"/>
-              <a:t>07/04/2022</a:t>
+              <a:t>10/04/2022</a:t>
             </a:fld>
             <a:endParaRPr lang="en-GB"/>
           </a:p>
@@ -16636,7 +13423,7 @@
           <a:p>
             <a:fld id="{A4439BD6-68A8-4E1A-9A49-942B2585C2CF}" type="datetimeFigureOut">
               <a:rPr lang="en-GB" smtClean="0"/>
-              <a:t>07/04/2022</a:t>
+              <a:t>10/04/2022</a:t>
             </a:fld>
             <a:endParaRPr lang="en-GB"/>
           </a:p>
@@ -16949,7 +13736,7 @@
           <a:p>
             <a:fld id="{A4439BD6-68A8-4E1A-9A49-942B2585C2CF}" type="datetimeFigureOut">
               <a:rPr lang="en-GB" smtClean="0"/>
-              <a:t>07/04/2022</a:t>
+              <a:t>10/04/2022</a:t>
             </a:fld>
             <a:endParaRPr lang="en-GB"/>
           </a:p>
@@ -17238,7 +14025,7 @@
           <a:p>
             <a:fld id="{A4439BD6-68A8-4E1A-9A49-942B2585C2CF}" type="datetimeFigureOut">
               <a:rPr lang="en-GB" smtClean="0"/>
-              <a:t>07/04/2022</a:t>
+              <a:t>10/04/2022</a:t>
             </a:fld>
             <a:endParaRPr lang="en-GB"/>
           </a:p>
@@ -17481,7 +14268,7 @@
           <a:p>
             <a:fld id="{A4439BD6-68A8-4E1A-9A49-942B2585C2CF}" type="datetimeFigureOut">
               <a:rPr lang="en-GB" smtClean="0"/>
-              <a:t>07/04/2022</a:t>
+              <a:t>10/04/2022</a:t>
             </a:fld>
             <a:endParaRPr lang="en-GB"/>
           </a:p>
@@ -19640,7 +16427,7 @@
                 <a:latin typeface="Arial" panose="020B0604020202020204" pitchFamily="34" charset="0"/>
                 <a:cs typeface="Arial" panose="020B0604020202020204" pitchFamily="34" charset="0"/>
               </a:rPr>
-              <a:t>Technical Phishing methods to breach hardened environments.</a:t>
+              <a:t>Client side attack methods to breach hardened environments.</a:t>
             </a:r>
           </a:p>
         </p:txBody>
@@ -21602,12 +18389,318 @@
           <a:chExt cx="0" cy="0"/>
         </a:xfrm>
       </p:grpSpPr>
+      <p:sp>
+        <p:nvSpPr>
+          <p:cNvPr id="10" name="Rectangle 9">
+            <a:extLst>
+              <a:ext uri="{FF2B5EF4-FFF2-40B4-BE49-F238E27FC236}">
+                <a16:creationId xmlns:a16="http://schemas.microsoft.com/office/drawing/2014/main" id="{7905BA41-EE6E-4F80-8636-447F22DD729A}"/>
+              </a:ext>
+              <a:ext uri="{C183D7F6-B498-43B3-948B-1728B52AA6E4}">
+                <adec:decorative xmlns:adec="http://schemas.microsoft.com/office/drawing/2017/decorative" val="1"/>
+              </a:ext>
+            </a:extLst>
+          </p:cNvPr>
+          <p:cNvSpPr>
+            <a:spLocks noGrp="1" noRot="1" noChangeAspect="1" noMove="1" noResize="1" noEditPoints="1" noAdjustHandles="1" noChangeArrowheads="1" noChangeShapeType="1" noTextEdit="1"/>
+          </p:cNvSpPr>
+          <p:nvPr>
+            <p:extLst>
+              <p:ext uri="{386F3935-93C4-4BCD-93E2-E3B085C9AB24}">
+                <p16:designElem xmlns:p16="http://schemas.microsoft.com/office/powerpoint/2015/main" val="1"/>
+              </p:ext>
+            </p:extLst>
+          </p:nvPr>
+        </p:nvSpPr>
+        <p:spPr>
+          <a:xfrm>
+            <a:off x="0" y="0"/>
+            <a:ext cx="12192000" cy="6858000"/>
+          </a:xfrm>
+          <a:prstGeom prst="rect">
+            <a:avLst/>
+          </a:prstGeom>
+          <a:solidFill>
+            <a:schemeClr val="accent1"/>
+          </a:solidFill>
+          <a:ln>
+            <a:noFill/>
+          </a:ln>
+        </p:spPr>
+        <p:style>
+          <a:lnRef idx="2">
+            <a:schemeClr val="accent1">
+              <a:shade val="50000"/>
+            </a:schemeClr>
+          </a:lnRef>
+          <a:fillRef idx="1">
+            <a:schemeClr val="accent1"/>
+          </a:fillRef>
+          <a:effectRef idx="0">
+            <a:schemeClr val="accent1"/>
+          </a:effectRef>
+          <a:fontRef idx="minor">
+            <a:schemeClr val="lt1"/>
+          </a:fontRef>
+        </p:style>
+        <p:txBody>
+          <a:bodyPr rtlCol="0" anchor="ctr"/>
+          <a:lstStyle/>
+          <a:p>
+            <a:pPr marL="0" marR="0" lvl="0" indent="0" algn="ctr" defTabSz="914400" rtl="0" eaLnBrk="1" fontAlgn="auto" latinLnBrk="0" hangingPunct="1">
+              <a:lnSpc>
+                <a:spcPct val="100000"/>
+              </a:lnSpc>
+              <a:spcBef>
+                <a:spcPts val="0"/>
+              </a:spcBef>
+              <a:spcAft>
+                <a:spcPts val="0"/>
+              </a:spcAft>
+              <a:buClrTx/>
+              <a:buSzTx/>
+              <a:buFontTx/>
+              <a:buNone/>
+              <a:tabLst/>
+              <a:defRPr/>
+            </a:pPr>
+            <a:endParaRPr kumimoji="0" lang="en-US" sz="1800" b="0" i="0" u="none" strike="noStrike" kern="1200" cap="none" spc="0" normalizeH="0" baseline="0" noProof="0">
+              <a:ln>
+                <a:noFill/>
+              </a:ln>
+              <a:solidFill>
+                <a:prstClr val="white"/>
+              </a:solidFill>
+              <a:effectLst/>
+              <a:uLnTx/>
+              <a:uFillTx/>
+              <a:latin typeface="Calibri" panose="020F0502020204030204"/>
+              <a:ea typeface="+mn-ea"/>
+              <a:cs typeface="+mn-cs"/>
+            </a:endParaRPr>
+          </a:p>
+        </p:txBody>
+      </p:sp>
+      <p:sp>
+        <p:nvSpPr>
+          <p:cNvPr id="2" name="Title 1">
+            <a:extLst>
+              <a:ext uri="{FF2B5EF4-FFF2-40B4-BE49-F238E27FC236}">
+                <a16:creationId xmlns:a16="http://schemas.microsoft.com/office/drawing/2014/main" id="{5553616B-457D-4398-AB11-6167DB40EA62}"/>
+              </a:ext>
+            </a:extLst>
+          </p:cNvPr>
+          <p:cNvSpPr>
+            <a:spLocks noGrp="1"/>
+          </p:cNvSpPr>
+          <p:nvPr>
+            <p:ph type="title"/>
+          </p:nvPr>
+        </p:nvSpPr>
+        <p:spPr>
+          <a:xfrm>
+            <a:off x="1848465" y="3298722"/>
+            <a:ext cx="8495070" cy="1784402"/>
+          </a:xfrm>
+        </p:spPr>
+        <p:txBody>
+          <a:bodyPr vert="horz" lIns="91440" tIns="45720" rIns="91440" bIns="45720" rtlCol="0" anchor="b">
+            <a:normAutofit/>
+          </a:bodyPr>
+          <a:lstStyle/>
+          <a:p>
+            <a:pPr algn="ctr"/>
+            <a:r>
+              <a:rPr lang="en-US" sz="6000" kern="1200" dirty="0">
+                <a:solidFill>
+                  <a:srgbClr val="FFFFFF"/>
+                </a:solidFill>
+                <a:latin typeface="+mj-lt"/>
+                <a:ea typeface="+mj-ea"/>
+                <a:cs typeface="+mj-cs"/>
+              </a:rPr>
+              <a:t>Thank you and enjoy the course!</a:t>
+            </a:r>
+          </a:p>
+        </p:txBody>
+      </p:sp>
+      <p:sp>
+        <p:nvSpPr>
+          <p:cNvPr id="12" name="Oval 11">
+            <a:extLst>
+              <a:ext uri="{FF2B5EF4-FFF2-40B4-BE49-F238E27FC236}">
+                <a16:creationId xmlns:a16="http://schemas.microsoft.com/office/drawing/2014/main" id="{CD7549B2-EE05-4558-8C64-AC46755F2B25}"/>
+              </a:ext>
+              <a:ext uri="{C183D7F6-B498-43B3-948B-1728B52AA6E4}">
+                <adec:decorative xmlns:adec="http://schemas.microsoft.com/office/drawing/2017/decorative" val="1"/>
+              </a:ext>
+            </a:extLst>
+          </p:cNvPr>
+          <p:cNvSpPr>
+            <a:spLocks noGrp="1" noRot="1" noChangeAspect="1" noMove="1" noResize="1" noEditPoints="1" noAdjustHandles="1" noChangeArrowheads="1" noChangeShapeType="1" noTextEdit="1"/>
+          </p:cNvSpPr>
+          <p:nvPr>
+            <p:extLst>
+              <p:ext uri="{386F3935-93C4-4BCD-93E2-E3B085C9AB24}">
+                <p16:designElem xmlns:p16="http://schemas.microsoft.com/office/powerpoint/2015/main" val="1"/>
+              </p:ext>
+            </p:extLst>
+          </p:nvPr>
+        </p:nvSpPr>
+        <p:spPr>
+          <a:xfrm>
+            <a:off x="5025914" y="889251"/>
+            <a:ext cx="2140172" cy="2140172"/>
+          </a:xfrm>
+          <a:prstGeom prst="ellipse">
+            <a:avLst/>
+          </a:prstGeom>
+          <a:solidFill>
+            <a:srgbClr val="FFFFFF"/>
+          </a:solidFill>
+          <a:ln w="19050">
+            <a:solidFill>
+              <a:schemeClr val="accent1"/>
+            </a:solidFill>
+          </a:ln>
+        </p:spPr>
+        <p:style>
+          <a:lnRef idx="2">
+            <a:schemeClr val="accent1">
+              <a:shade val="50000"/>
+            </a:schemeClr>
+          </a:lnRef>
+          <a:fillRef idx="1">
+            <a:schemeClr val="accent1"/>
+          </a:fillRef>
+          <a:effectRef idx="0">
+            <a:schemeClr val="accent1"/>
+          </a:effectRef>
+          <a:fontRef idx="minor">
+            <a:schemeClr val="lt1"/>
+          </a:fontRef>
+        </p:style>
+        <p:txBody>
+          <a:bodyPr rtlCol="0" anchor="ctr"/>
+          <a:lstStyle/>
+          <a:p>
+            <a:pPr marL="0" marR="0" lvl="0" indent="0" algn="ctr" defTabSz="914400" rtl="0" eaLnBrk="1" fontAlgn="auto" latinLnBrk="0" hangingPunct="1">
+              <a:lnSpc>
+                <a:spcPct val="100000"/>
+              </a:lnSpc>
+              <a:spcBef>
+                <a:spcPts val="0"/>
+              </a:spcBef>
+              <a:spcAft>
+                <a:spcPts val="0"/>
+              </a:spcAft>
+              <a:buClrTx/>
+              <a:buSzTx/>
+              <a:buFontTx/>
+              <a:buNone/>
+              <a:tabLst/>
+              <a:defRPr/>
+            </a:pPr>
+            <a:endParaRPr kumimoji="0" lang="en-US" sz="1800" b="0" i="0" u="none" strike="noStrike" kern="1200" cap="none" spc="0" normalizeH="0" baseline="0" noProof="0">
+              <a:ln>
+                <a:noFill/>
+              </a:ln>
+              <a:solidFill>
+                <a:prstClr val="white"/>
+              </a:solidFill>
+              <a:effectLst/>
+              <a:uLnTx/>
+              <a:uFillTx/>
+              <a:latin typeface="Calibri" panose="020F0502020204030204"/>
+              <a:ea typeface="+mn-ea"/>
+              <a:cs typeface="+mn-cs"/>
+            </a:endParaRPr>
+          </a:p>
+        </p:txBody>
+      </p:sp>
+      <p:pic>
+        <p:nvPicPr>
+          <p:cNvPr id="21" name="Graphic 6" descr="Smiling Face with No Fill">
+            <a:extLst>
+              <a:ext uri="{FF2B5EF4-FFF2-40B4-BE49-F238E27FC236}">
+                <a16:creationId xmlns:a16="http://schemas.microsoft.com/office/drawing/2014/main" id="{3F4BACD9-6B50-44B9-98A9-09137A485B4F}"/>
+              </a:ext>
+            </a:extLst>
+          </p:cNvPr>
+          <p:cNvPicPr>
+            <a:picLocks noChangeAspect="1"/>
+          </p:cNvPicPr>
+          <p:nvPr/>
+        </p:nvPicPr>
+        <p:blipFill>
+          <a:blip r:embed="rId3">
+            <a:extLst>
+              <a:ext uri="{28A0092B-C50C-407E-A947-70E740481C1C}">
+                <a14:useLocalDpi xmlns:a14="http://schemas.microsoft.com/office/drawing/2010/main" val="0"/>
+              </a:ext>
+              <a:ext uri="{96DAC541-7B7A-43D3-8B79-37D633B846F1}">
+                <asvg:svgBlip xmlns:asvg="http://schemas.microsoft.com/office/drawing/2016/SVG/main" r:embed="rId4"/>
+              </a:ext>
+            </a:extLst>
+          </a:blip>
+          <a:stretch>
+            <a:fillRect/>
+          </a:stretch>
+        </p:blipFill>
+        <p:spPr>
+          <a:xfrm>
+            <a:off x="5508264" y="1371601"/>
+            <a:ext cx="1175474" cy="1175474"/>
+          </a:xfrm>
+          <a:prstGeom prst="rect">
+            <a:avLst/>
+          </a:prstGeom>
+        </p:spPr>
+      </p:pic>
+    </p:spTree>
+    <p:extLst>
+      <p:ext uri="{BB962C8B-B14F-4D97-AF65-F5344CB8AC3E}">
+        <p14:creationId xmlns:p14="http://schemas.microsoft.com/office/powerpoint/2010/main" val="2282911968"/>
+      </p:ext>
+    </p:extLst>
+  </p:cSld>
+  <p:clrMapOvr>
+    <a:masterClrMapping/>
+  </p:clrMapOvr>
+</p:sld>
+</file>
+
+<file path=ppt/slides/slide2.xml><?xml version="1.0" encoding="utf-8"?>
+<p:sld xmlns:a="http://schemas.openxmlformats.org/drawingml/2006/main" xmlns:r="http://schemas.openxmlformats.org/officeDocument/2006/relationships" xmlns:p="http://schemas.openxmlformats.org/presentationml/2006/main">
+  <p:cSld>
+    <p:bg>
+      <p:bgPr>
+        <a:solidFill>
+          <a:schemeClr val="bg1"/>
+        </a:solidFill>
+        <a:effectLst/>
+      </p:bgPr>
+    </p:bg>
+    <p:spTree>
+      <p:nvGrpSpPr>
+        <p:cNvPr id="1" name=""/>
+        <p:cNvGrpSpPr/>
+        <p:nvPr/>
+      </p:nvGrpSpPr>
+      <p:grpSpPr>
+        <a:xfrm>
+          <a:off x="0" y="0"/>
+          <a:ext cx="0" cy="0"/>
+          <a:chOff x="0" y="0"/>
+          <a:chExt cx="0" cy="0"/>
+        </a:xfrm>
+      </p:grpSpPr>
       <p:sp useBgFill="1">
         <p:nvSpPr>
-          <p:cNvPr id="9" name="Rectangle 8">
+          <p:cNvPr id="38" name="Rectangle 37">
             <a:extLst>
               <a:ext uri="{FF2B5EF4-FFF2-40B4-BE49-F238E27FC236}">
-                <a16:creationId xmlns:a16="http://schemas.microsoft.com/office/drawing/2014/main" id="{BACC6370-2D7E-4714-9D71-7542949D7D5D}"/>
+                <a16:creationId xmlns:a16="http://schemas.microsoft.com/office/drawing/2014/main" id="{1B15ED52-F352-441B-82BF-E0EA34836D08}"/>
               </a:ext>
               <a:ext uri="{C183D7F6-B498-43B3-948B-1728B52AA6E4}">
                 <adec:decorative xmlns:adec="http://schemas.microsoft.com/office/drawing/2017/decorative" val="1"/>
@@ -21680,10 +18773,10 @@
       </p:sp>
       <p:sp>
         <p:nvSpPr>
-          <p:cNvPr id="11" name="Rectangle 10">
+          <p:cNvPr id="40" name="Rectangle 39">
             <a:extLst>
               <a:ext uri="{FF2B5EF4-FFF2-40B4-BE49-F238E27FC236}">
-                <a16:creationId xmlns:a16="http://schemas.microsoft.com/office/drawing/2014/main" id="{F68B3F68-107C-434F-AA38-110D5EA91B85}"/>
+                <a16:creationId xmlns:a16="http://schemas.microsoft.com/office/drawing/2014/main" id="{3B2E3793-BFE6-45A2-9B7B-E18844431C99}"/>
               </a:ext>
               <a:ext uri="{C183D7F6-B498-43B3-948B-1728B52AA6E4}">
                 <adec:decorative xmlns:adec="http://schemas.microsoft.com/office/drawing/2017/decorative" val="1"/>
@@ -21703,8 +18796,8 @@
         </p:nvSpPr>
         <p:spPr>
           <a:xfrm flipH="1">
-            <a:off x="2" y="0"/>
-            <a:ext cx="12191998" cy="1575955"/>
+            <a:off x="-1" y="-1"/>
+            <a:ext cx="12191998" cy="1590742"/>
           </a:xfrm>
           <a:prstGeom prst="rect">
             <a:avLst/>
@@ -21712,9 +18805,7 @@
           <a:gradFill>
             <a:gsLst>
               <a:gs pos="0">
-                <a:srgbClr val="000000">
-                  <a:alpha val="96000"/>
-                </a:srgbClr>
+                <a:srgbClr val="000000"/>
               </a:gs>
               <a:gs pos="100000">
                 <a:schemeClr val="accent1">
@@ -21755,10 +18846,10 @@
       </p:sp>
       <p:sp>
         <p:nvSpPr>
-          <p:cNvPr id="13" name="Rectangle 12">
+          <p:cNvPr id="42" name="Rectangle 41">
             <a:extLst>
               <a:ext uri="{FF2B5EF4-FFF2-40B4-BE49-F238E27FC236}">
-                <a16:creationId xmlns:a16="http://schemas.microsoft.com/office/drawing/2014/main" id="{AAD0DBB9-1A4B-4391-81D4-CB19F9AB918A}"/>
+                <a16:creationId xmlns:a16="http://schemas.microsoft.com/office/drawing/2014/main" id="{BC4C4868-CB8F-4AF9-9CDB-8108F2C19B67}"/>
               </a:ext>
               <a:ext uri="{C183D7F6-B498-43B3-948B-1728B52AA6E4}">
                 <adec:decorative xmlns:adec="http://schemas.microsoft.com/office/drawing/2017/decorative" val="1"/>
@@ -21778,27 +18869,27 @@
         </p:nvSpPr>
         <p:spPr>
           <a:xfrm rot="10800000" flipH="1">
-            <a:off x="8128857" y="0"/>
-            <a:ext cx="4063143" cy="1576412"/>
+            <a:off x="-3" y="0"/>
+            <a:ext cx="8115306" cy="1590742"/>
           </a:xfrm>
           <a:prstGeom prst="rect">
             <a:avLst/>
           </a:prstGeom>
           <a:gradFill>
             <a:gsLst>
-              <a:gs pos="19000">
+              <a:gs pos="20000">
                 <a:schemeClr val="accent1">
-                  <a:lumMod val="50000"/>
-                  <a:alpha val="68000"/>
+                  <a:alpha val="0"/>
                 </a:schemeClr>
               </a:gs>
               <a:gs pos="100000">
                 <a:schemeClr val="accent1">
-                  <a:alpha val="79000"/>
+                  <a:lumMod val="50000"/>
+                  <a:alpha val="55000"/>
                 </a:schemeClr>
               </a:gs>
             </a:gsLst>
-            <a:lin ang="19200000" scaled="0"/>
+            <a:lin ang="13800000" scaled="0"/>
           </a:gradFill>
           <a:ln>
             <a:noFill/>
@@ -21831,10 +18922,10 @@
       </p:sp>
       <p:sp>
         <p:nvSpPr>
-          <p:cNvPr id="15" name="Rectangle 14">
+          <p:cNvPr id="44" name="Rectangle 43">
             <a:extLst>
               <a:ext uri="{FF2B5EF4-FFF2-40B4-BE49-F238E27FC236}">
-                <a16:creationId xmlns:a16="http://schemas.microsoft.com/office/drawing/2014/main" id="{063BBA22-50EA-4C4D-BE05-F1CE4E63AA56}"/>
+                <a16:creationId xmlns:a16="http://schemas.microsoft.com/office/drawing/2014/main" id="{375E0459-6403-40CD-989D-56A4407CA12E}"/>
               </a:ext>
               <a:ext uri="{C183D7F6-B498-43B3-948B-1728B52AA6E4}">
                 <adec:decorative xmlns:adec="http://schemas.microsoft.com/office/drawing/2017/decorative" val="1"/>
@@ -21853,27 +18944,27 @@
           </p:nvPr>
         </p:nvSpPr>
         <p:spPr>
-          <a:xfrm rot="5400000">
-            <a:off x="5307777" y="-5307778"/>
-            <a:ext cx="1576446" cy="12192002"/>
+          <a:xfrm flipH="1">
+            <a:off x="8115299" y="-1"/>
+            <a:ext cx="4076698" cy="1590742"/>
           </a:xfrm>
           <a:prstGeom prst="rect">
             <a:avLst/>
           </a:prstGeom>
           <a:gradFill>
             <a:gsLst>
-              <a:gs pos="23000">
+              <a:gs pos="0">
                 <a:schemeClr val="accent1">
-                  <a:alpha val="0"/>
+                  <a:alpha val="66000"/>
                 </a:schemeClr>
               </a:gs>
-              <a:gs pos="99000">
+              <a:gs pos="100000">
                 <a:srgbClr val="000000">
-                  <a:alpha val="74000"/>
+                  <a:alpha val="30000"/>
                 </a:srgbClr>
               </a:gs>
             </a:gsLst>
-            <a:lin ang="20400000" scaled="0"/>
+            <a:lin ang="13200000" scaled="0"/>
           </a:gradFill>
           <a:ln>
             <a:noFill/>
@@ -21900,138 +18991,16 @@
           <a:lstStyle/>
           <a:p>
             <a:pPr algn="ctr"/>
-            <a:endParaRPr lang="en-US" dirty="0"/>
+            <a:endParaRPr lang="en-US"/>
           </a:p>
         </p:txBody>
       </p:sp>
       <p:sp>
         <p:nvSpPr>
-          <p:cNvPr id="2" name="Title 1">
+          <p:cNvPr id="46" name="Rectangle 45">
             <a:extLst>
               <a:ext uri="{FF2B5EF4-FFF2-40B4-BE49-F238E27FC236}">
-                <a16:creationId xmlns:a16="http://schemas.microsoft.com/office/drawing/2014/main" id="{883D592A-EFFD-47A5-99F9-E6331CFA1810}"/>
-              </a:ext>
-            </a:extLst>
-          </p:cNvPr>
-          <p:cNvSpPr>
-            <a:spLocks noGrp="1"/>
-          </p:cNvSpPr>
-          <p:nvPr>
-            <p:ph type="title"/>
-          </p:nvPr>
-        </p:nvSpPr>
-        <p:spPr>
-          <a:xfrm>
-            <a:off x="1371597" y="348865"/>
-            <a:ext cx="10044023" cy="877729"/>
-          </a:xfrm>
-        </p:spPr>
-        <p:txBody>
-          <a:bodyPr anchor="ctr">
-            <a:normAutofit/>
-          </a:bodyPr>
-          <a:lstStyle/>
-          <a:p>
-            <a:pPr algn="ctr"/>
-            <a:r>
-              <a:rPr lang="en-GB" sz="4000" dirty="0">
-                <a:solidFill>
-                  <a:srgbClr val="FFFFFF"/>
-                </a:solidFill>
-              </a:rPr>
-              <a:t>What this course </a:t>
-            </a:r>
-            <a:r>
-              <a:rPr lang="en-GB" sz="4000">
-                <a:solidFill>
-                  <a:srgbClr val="FFFFFF"/>
-                </a:solidFill>
-              </a:rPr>
-              <a:t>is NOT?</a:t>
-            </a:r>
-            <a:endParaRPr lang="en-GB" sz="4000" dirty="0">
-              <a:solidFill>
-                <a:srgbClr val="FFFFFF"/>
-              </a:solidFill>
-            </a:endParaRPr>
-          </a:p>
-        </p:txBody>
-      </p:sp>
-      <p:graphicFrame>
-        <p:nvGraphicFramePr>
-          <p:cNvPr id="5" name="Content Placeholder 2">
-            <a:extLst>
-              <a:ext uri="{FF2B5EF4-FFF2-40B4-BE49-F238E27FC236}">
-                <a16:creationId xmlns:a16="http://schemas.microsoft.com/office/drawing/2014/main" id="{3DA0AFC4-64D2-4ED1-84CA-3CE0B4765886}"/>
-              </a:ext>
-            </a:extLst>
-          </p:cNvPr>
-          <p:cNvGraphicFramePr>
-            <a:graphicFrameLocks noGrp="1"/>
-          </p:cNvGraphicFramePr>
-          <p:nvPr>
-            <p:ph idx="1"/>
-            <p:extLst>
-              <p:ext uri="{D42A27DB-BD31-4B8C-83A1-F6EECF244321}">
-                <p14:modId xmlns:p14="http://schemas.microsoft.com/office/powerpoint/2010/main" val="2006176735"/>
-              </p:ext>
-            </p:extLst>
-          </p:nvPr>
-        </p:nvGraphicFramePr>
-        <p:xfrm>
-          <a:off x="644056" y="2112579"/>
-          <a:ext cx="10927829" cy="4192805"/>
-        </p:xfrm>
-        <a:graphic>
-          <a:graphicData uri="http://schemas.openxmlformats.org/drawingml/2006/diagram">
-            <dgm:relIds xmlns:dgm="http://schemas.openxmlformats.org/drawingml/2006/diagram" xmlns:r="http://schemas.openxmlformats.org/officeDocument/2006/relationships" r:dm="rId3" r:lo="rId4" r:qs="rId5" r:cs="rId6"/>
-          </a:graphicData>
-        </a:graphic>
-      </p:graphicFrame>
-    </p:spTree>
-    <p:extLst>
-      <p:ext uri="{BB962C8B-B14F-4D97-AF65-F5344CB8AC3E}">
-        <p14:creationId xmlns:p14="http://schemas.microsoft.com/office/powerpoint/2010/main" val="3464741716"/>
-      </p:ext>
-    </p:extLst>
-  </p:cSld>
-  <p:clrMapOvr>
-    <a:masterClrMapping/>
-  </p:clrMapOvr>
-</p:sld>
-</file>
-
-<file path=ppt/slides/slide18.xml><?xml version="1.0" encoding="utf-8"?>
-<p:sld xmlns:a="http://schemas.openxmlformats.org/drawingml/2006/main" xmlns:r="http://schemas.openxmlformats.org/officeDocument/2006/relationships" xmlns:p="http://schemas.openxmlformats.org/presentationml/2006/main">
-  <p:cSld>
-    <p:bg>
-      <p:bgPr>
-        <a:solidFill>
-          <a:schemeClr val="bg1"/>
-        </a:solidFill>
-        <a:effectLst/>
-      </p:bgPr>
-    </p:bg>
-    <p:spTree>
-      <p:nvGrpSpPr>
-        <p:cNvPr id="1" name=""/>
-        <p:cNvGrpSpPr/>
-        <p:nvPr/>
-      </p:nvGrpSpPr>
-      <p:grpSpPr>
-        <a:xfrm>
-          <a:off x="0" y="0"/>
-          <a:ext cx="0" cy="0"/>
-          <a:chOff x="0" y="0"/>
-          <a:chExt cx="0" cy="0"/>
-        </a:xfrm>
-      </p:grpSpPr>
-      <p:sp>
-        <p:nvSpPr>
-          <p:cNvPr id="10" name="Rectangle 9">
-            <a:extLst>
-              <a:ext uri="{FF2B5EF4-FFF2-40B4-BE49-F238E27FC236}">
-                <a16:creationId xmlns:a16="http://schemas.microsoft.com/office/drawing/2014/main" id="{7905BA41-EE6E-4F80-8636-447F22DD729A}"/>
+                <a16:creationId xmlns:a16="http://schemas.microsoft.com/office/drawing/2014/main" id="{53E5B1A8-3AC9-4BD1-9BBC-78CA94F2D1BA}"/>
               </a:ext>
               <a:ext uri="{C183D7F6-B498-43B3-948B-1728B52AA6E4}">
                 <adec:decorative xmlns:adec="http://schemas.microsoft.com/office/drawing/2017/decorative" val="1"/>
@@ -22051,15 +19020,28 @@
         </p:nvSpPr>
         <p:spPr>
           <a:xfrm>
-            <a:off x="0" y="0"/>
-            <a:ext cx="12192000" cy="6858000"/>
+            <a:off x="459350" y="-1"/>
+            <a:ext cx="11732646" cy="1597433"/>
           </a:xfrm>
           <a:prstGeom prst="rect">
             <a:avLst/>
           </a:prstGeom>
-          <a:solidFill>
-            <a:schemeClr val="accent1"/>
-          </a:solidFill>
+          <a:gradFill>
+            <a:gsLst>
+              <a:gs pos="50000">
+                <a:srgbClr val="000000">
+                  <a:alpha val="0"/>
+                </a:srgbClr>
+              </a:gs>
+              <a:gs pos="99000">
+                <a:schemeClr val="accent1">
+                  <a:lumMod val="50000"/>
+                  <a:alpha val="52000"/>
+                </a:schemeClr>
+              </a:gs>
+            </a:gsLst>
+            <a:lin ang="16800000" scaled="0"/>
+          </a:gradFill>
           <a:ln>
             <a:noFill/>
           </a:ln>
@@ -22084,37 +19066,8 @@
           <a:bodyPr rtlCol="0" anchor="ctr"/>
           <a:lstStyle/>
           <a:p>
-            <a:pPr marL="0" marR="0" lvl="0" indent="0" algn="ctr" defTabSz="914400" rtl="0" eaLnBrk="1" fontAlgn="auto" latinLnBrk="0" hangingPunct="1">
-              <a:lnSpc>
-                <a:spcPct val="100000"/>
-              </a:lnSpc>
-              <a:spcBef>
-                <a:spcPts val="0"/>
-              </a:spcBef>
-              <a:spcAft>
-                <a:spcPts val="0"/>
-              </a:spcAft>
-              <a:buClrTx/>
-              <a:buSzTx/>
-              <a:buFontTx/>
-              <a:buNone/>
-              <a:tabLst/>
-              <a:defRPr/>
-            </a:pPr>
-            <a:endParaRPr kumimoji="0" lang="en-US" sz="1800" b="0" i="0" u="none" strike="noStrike" kern="1200" cap="none" spc="0" normalizeH="0" baseline="0" noProof="0">
-              <a:ln>
-                <a:noFill/>
-              </a:ln>
-              <a:solidFill>
-                <a:prstClr val="white"/>
-              </a:solidFill>
-              <a:effectLst/>
-              <a:uLnTx/>
-              <a:uFillTx/>
-              <a:latin typeface="Calibri" panose="020F0502020204030204"/>
-              <a:ea typeface="+mn-ea"/>
-              <a:cs typeface="+mn-cs"/>
-            </a:endParaRPr>
+            <a:pPr algn="ctr"/>
+            <a:endParaRPr lang="en-US"/>
           </a:p>
         </p:txBody>
       </p:sp>
@@ -22123,7 +19076,7 @@
           <p:cNvPr id="2" name="Title 1">
             <a:extLst>
               <a:ext uri="{FF2B5EF4-FFF2-40B4-BE49-F238E27FC236}">
-                <a16:creationId xmlns:a16="http://schemas.microsoft.com/office/drawing/2014/main" id="{5553616B-457D-4398-AB11-6167DB40EA62}"/>
+                <a16:creationId xmlns:a16="http://schemas.microsoft.com/office/drawing/2014/main" id="{DCAB33CA-E989-4B1D-998E-C1CABB240315}"/>
               </a:ext>
             </a:extLst>
           </p:cNvPr>
@@ -22136,168 +19089,131 @@
         </p:nvSpPr>
         <p:spPr>
           <a:xfrm>
-            <a:off x="1848465" y="3298722"/>
-            <a:ext cx="8495070" cy="1784402"/>
+            <a:off x="1371599" y="294538"/>
+            <a:ext cx="9895951" cy="1033669"/>
           </a:xfrm>
         </p:spPr>
         <p:txBody>
-          <a:bodyPr vert="horz" lIns="91440" tIns="45720" rIns="91440" bIns="45720" rtlCol="0" anchor="b">
+          <a:bodyPr>
             <a:normAutofit/>
           </a:bodyPr>
           <a:lstStyle/>
           <a:p>
             <a:pPr algn="ctr"/>
             <a:r>
-              <a:rPr lang="en-US" sz="6000" kern="1200" dirty="0">
+              <a:rPr lang="en-GB" sz="4000" dirty="0">
                 <a:solidFill>
                   <a:srgbClr val="FFFFFF"/>
                 </a:solidFill>
-                <a:latin typeface="+mj-lt"/>
-                <a:ea typeface="+mj-ea"/>
-                <a:cs typeface="+mj-cs"/>
               </a:rPr>
-              <a:t>Thank you and enjoy the course!</a:t>
+              <a:t>$</a:t>
             </a:r>
+            <a:r>
+              <a:rPr lang="en-GB" sz="4000" dirty="0" err="1">
+                <a:solidFill>
+                  <a:srgbClr val="FFFFFF"/>
+                </a:solidFill>
+              </a:rPr>
+              <a:t>whoami</a:t>
+            </a:r>
+            <a:endParaRPr lang="en-GB" sz="4000" dirty="0">
+              <a:solidFill>
+                <a:srgbClr val="FFFFFF"/>
+              </a:solidFill>
+            </a:endParaRPr>
           </a:p>
         </p:txBody>
       </p:sp>
       <p:sp>
         <p:nvSpPr>
-          <p:cNvPr id="12" name="Oval 11">
+          <p:cNvPr id="3" name="Content Placeholder 2">
             <a:extLst>
               <a:ext uri="{FF2B5EF4-FFF2-40B4-BE49-F238E27FC236}">
-                <a16:creationId xmlns:a16="http://schemas.microsoft.com/office/drawing/2014/main" id="{CD7549B2-EE05-4558-8C64-AC46755F2B25}"/>
-              </a:ext>
-              <a:ext uri="{C183D7F6-B498-43B3-948B-1728B52AA6E4}">
-                <adec:decorative xmlns:adec="http://schemas.microsoft.com/office/drawing/2017/decorative" val="1"/>
+                <a16:creationId xmlns:a16="http://schemas.microsoft.com/office/drawing/2014/main" id="{D3E97A1F-839B-447E-8431-86032A81FB04}"/>
               </a:ext>
             </a:extLst>
           </p:cNvPr>
           <p:cNvSpPr>
-            <a:spLocks noGrp="1" noRot="1" noChangeAspect="1" noMove="1" noResize="1" noEditPoints="1" noAdjustHandles="1" noChangeArrowheads="1" noChangeShapeType="1" noTextEdit="1"/>
+            <a:spLocks noGrp="1"/>
           </p:cNvSpPr>
           <p:nvPr>
-            <p:extLst>
-              <p:ext uri="{386F3935-93C4-4BCD-93E2-E3B085C9AB24}">
-                <p16:designElem xmlns:p16="http://schemas.microsoft.com/office/powerpoint/2015/main" val="1"/>
-              </p:ext>
-            </p:extLst>
+            <p:ph idx="1"/>
           </p:nvPr>
         </p:nvSpPr>
         <p:spPr>
           <a:xfrm>
-            <a:off x="5025914" y="889251"/>
-            <a:ext cx="2140172" cy="2140172"/>
+            <a:off x="1371599" y="2318196"/>
+            <a:ext cx="9724031" cy="4120703"/>
           </a:xfrm>
-          <a:prstGeom prst="ellipse">
-            <a:avLst/>
-          </a:prstGeom>
-          <a:solidFill>
-            <a:srgbClr val="FFFFFF"/>
-          </a:solidFill>
-          <a:ln w="19050">
-            <a:solidFill>
-              <a:schemeClr val="accent1"/>
-            </a:solidFill>
-          </a:ln>
         </p:spPr>
-        <p:style>
-          <a:lnRef idx="2">
-            <a:schemeClr val="accent1">
-              <a:shade val="50000"/>
-            </a:schemeClr>
-          </a:lnRef>
-          <a:fillRef idx="1">
-            <a:schemeClr val="accent1"/>
-          </a:fillRef>
-          <a:effectRef idx="0">
-            <a:schemeClr val="accent1"/>
-          </a:effectRef>
-          <a:fontRef idx="minor">
-            <a:schemeClr val="lt1"/>
-          </a:fontRef>
-        </p:style>
         <p:txBody>
-          <a:bodyPr rtlCol="0" anchor="ctr"/>
+          <a:bodyPr anchor="ctr">
+            <a:normAutofit lnSpcReduction="10000"/>
+          </a:bodyPr>
           <a:lstStyle/>
           <a:p>
-            <a:pPr marL="0" marR="0" lvl="0" indent="0" algn="ctr" defTabSz="914400" rtl="0" eaLnBrk="1" fontAlgn="auto" latinLnBrk="0" hangingPunct="1">
-              <a:lnSpc>
-                <a:spcPct val="100000"/>
-              </a:lnSpc>
-              <a:spcBef>
-                <a:spcPts val="0"/>
-              </a:spcBef>
-              <a:spcAft>
-                <a:spcPts val="0"/>
-              </a:spcAft>
-              <a:buClrTx/>
-              <a:buSzTx/>
-              <a:buFontTx/>
+            <a:r>
+              <a:rPr lang="en-GB" sz="2400" dirty="0">
+                <a:latin typeface="Arial" panose="020B0604020202020204" pitchFamily="34" charset="0"/>
+                <a:cs typeface="Arial" panose="020B0604020202020204" pitchFamily="34" charset="0"/>
+              </a:rPr>
+              <a:t>First Class Masters of Computing Graduate in Computer Networks &amp; Cyber Security (Linux, Network infrastructure, programming)</a:t>
+            </a:r>
+          </a:p>
+          <a:p>
+            <a:pPr marL="0" indent="0">
               <a:buNone/>
-              <a:tabLst/>
-              <a:defRPr/>
             </a:pPr>
-            <a:endParaRPr kumimoji="0" lang="en-US" sz="1800" b="0" i="0" u="none" strike="noStrike" kern="1200" cap="none" spc="0" normalizeH="0" baseline="0" noProof="0">
-              <a:ln>
-                <a:noFill/>
-              </a:ln>
-              <a:solidFill>
-                <a:prstClr val="white"/>
-              </a:solidFill>
-              <a:effectLst/>
-              <a:uLnTx/>
-              <a:uFillTx/>
-              <a:latin typeface="Calibri" panose="020F0502020204030204"/>
-              <a:ea typeface="+mn-ea"/>
-              <a:cs typeface="+mn-cs"/>
+            <a:endParaRPr lang="en-GB" sz="2400" dirty="0">
+              <a:latin typeface="Arial" panose="020B0604020202020204" pitchFamily="34" charset="0"/>
+              <a:cs typeface="Arial" panose="020B0604020202020204" pitchFamily="34" charset="0"/>
             </a:endParaRPr>
+          </a:p>
+          <a:p>
+            <a:r>
+              <a:rPr lang="en-GB" sz="2400" dirty="0">
+                <a:latin typeface="Arial" panose="020B0604020202020204" pitchFamily="34" charset="0"/>
+                <a:cs typeface="Arial" panose="020B0604020202020204" pitchFamily="34" charset="0"/>
+              </a:rPr>
+              <a:t>Previously a security consultant for NEBRC (OSINT)</a:t>
+            </a:r>
+          </a:p>
+          <a:p>
+            <a:endParaRPr lang="en-GB" sz="2400" dirty="0">
+              <a:latin typeface="Arial" panose="020B0604020202020204" pitchFamily="34" charset="0"/>
+              <a:cs typeface="Arial" panose="020B0604020202020204" pitchFamily="34" charset="0"/>
+            </a:endParaRPr>
+          </a:p>
+          <a:p>
+            <a:r>
+              <a:rPr lang="en-GB" sz="2400" dirty="0">
+                <a:latin typeface="Arial" panose="020B0604020202020204" pitchFamily="34" charset="0"/>
+                <a:cs typeface="Arial" panose="020B0604020202020204" pitchFamily="34" charset="0"/>
+              </a:rPr>
+              <a:t>OSCP (Offensive Security Certified Professional) Certified</a:t>
+            </a:r>
+          </a:p>
+          <a:p>
+            <a:endParaRPr lang="en-GB" sz="2400" dirty="0">
+              <a:latin typeface="Arial" panose="020B0604020202020204" pitchFamily="34" charset="0"/>
+              <a:cs typeface="Arial" panose="020B0604020202020204" pitchFamily="34" charset="0"/>
+            </a:endParaRPr>
+          </a:p>
+          <a:p>
+            <a:r>
+              <a:rPr lang="en-GB" sz="2400" dirty="0">
+                <a:latin typeface="Arial" panose="020B0604020202020204" pitchFamily="34" charset="0"/>
+                <a:cs typeface="Arial" panose="020B0604020202020204" pitchFamily="34" charset="0"/>
+              </a:rPr>
+              <a:t>Previous Assistant Manager at Durham University with a specialist background in Offensive Security engaging in penetration testing for Linux systems</a:t>
+            </a:r>
           </a:p>
         </p:txBody>
       </p:sp>
-      <p:pic>
-        <p:nvPicPr>
-          <p:cNvPr id="21" name="Graphic 6" descr="Smiling Face with No Fill">
-            <a:extLst>
-              <a:ext uri="{FF2B5EF4-FFF2-40B4-BE49-F238E27FC236}">
-                <a16:creationId xmlns:a16="http://schemas.microsoft.com/office/drawing/2014/main" id="{3F4BACD9-6B50-44B9-98A9-09137A485B4F}"/>
-              </a:ext>
-            </a:extLst>
-          </p:cNvPr>
-          <p:cNvPicPr>
-            <a:picLocks noChangeAspect="1"/>
-          </p:cNvPicPr>
-          <p:nvPr/>
-        </p:nvPicPr>
-        <p:blipFill>
-          <a:blip r:embed="rId3">
-            <a:extLst>
-              <a:ext uri="{28A0092B-C50C-407E-A947-70E740481C1C}">
-                <a14:useLocalDpi xmlns:a14="http://schemas.microsoft.com/office/drawing/2010/main" val="0"/>
-              </a:ext>
-              <a:ext uri="{96DAC541-7B7A-43D3-8B79-37D633B846F1}">
-                <asvg:svgBlip xmlns:asvg="http://schemas.microsoft.com/office/drawing/2016/SVG/main" r:embed="rId4"/>
-              </a:ext>
-            </a:extLst>
-          </a:blip>
-          <a:stretch>
-            <a:fillRect/>
-          </a:stretch>
-        </p:blipFill>
-        <p:spPr>
-          <a:xfrm>
-            <a:off x="5508264" y="1371601"/>
-            <a:ext cx="1175474" cy="1175474"/>
-          </a:xfrm>
-          <a:prstGeom prst="rect">
-            <a:avLst/>
-          </a:prstGeom>
-        </p:spPr>
-      </p:pic>
     </p:spTree>
     <p:extLst>
       <p:ext uri="{BB962C8B-B14F-4D97-AF65-F5344CB8AC3E}">
-        <p14:creationId xmlns:p14="http://schemas.microsoft.com/office/powerpoint/2010/main" val="2282911968"/>
+        <p14:creationId xmlns:p14="http://schemas.microsoft.com/office/powerpoint/2010/main" val="3156751830"/>
       </p:ext>
     </p:extLst>
   </p:cSld>
@@ -22307,7 +19223,7 @@
 </p:sld>
 </file>
 
-<file path=ppt/slides/slide2.xml><?xml version="1.0" encoding="utf-8"?>
+<file path=ppt/slides/slide3.xml><?xml version="1.0" encoding="utf-8"?>
 <p:sld xmlns:a="http://schemas.openxmlformats.org/drawingml/2006/main" xmlns:r="http://schemas.openxmlformats.org/officeDocument/2006/relationships" xmlns:p="http://schemas.openxmlformats.org/presentationml/2006/main">
   <p:cSld>
     <p:bg>
@@ -22334,7 +19250,7 @@
       </p:grpSpPr>
       <p:sp useBgFill="1">
         <p:nvSpPr>
-          <p:cNvPr id="38" name="Rectangle 37">
+          <p:cNvPr id="8" name="Rectangle 7">
             <a:extLst>
               <a:ext uri="{FF2B5EF4-FFF2-40B4-BE49-F238E27FC236}">
                 <a16:creationId xmlns:a16="http://schemas.microsoft.com/office/drawing/2014/main" id="{1B15ED52-F352-441B-82BF-E0EA34836D08}"/>
@@ -22410,7 +19326,7 @@
       </p:sp>
       <p:sp>
         <p:nvSpPr>
-          <p:cNvPr id="40" name="Rectangle 39">
+          <p:cNvPr id="10" name="Rectangle 9">
             <a:extLst>
               <a:ext uri="{FF2B5EF4-FFF2-40B4-BE49-F238E27FC236}">
                 <a16:creationId xmlns:a16="http://schemas.microsoft.com/office/drawing/2014/main" id="{3B2E3793-BFE6-45A2-9B7B-E18844431C99}"/>
@@ -22483,7 +19399,7 @@
       </p:sp>
       <p:sp>
         <p:nvSpPr>
-          <p:cNvPr id="42" name="Rectangle 41">
+          <p:cNvPr id="12" name="Rectangle 11">
             <a:extLst>
               <a:ext uri="{FF2B5EF4-FFF2-40B4-BE49-F238E27FC236}">
                 <a16:creationId xmlns:a16="http://schemas.microsoft.com/office/drawing/2014/main" id="{BC4C4868-CB8F-4AF9-9CDB-8108F2C19B67}"/>
@@ -22559,7 +19475,7 @@
       </p:sp>
       <p:sp>
         <p:nvSpPr>
-          <p:cNvPr id="44" name="Rectangle 43">
+          <p:cNvPr id="14" name="Rectangle 13">
             <a:extLst>
               <a:ext uri="{FF2B5EF4-FFF2-40B4-BE49-F238E27FC236}">
                 <a16:creationId xmlns:a16="http://schemas.microsoft.com/office/drawing/2014/main" id="{375E0459-6403-40CD-989D-56A4407CA12E}"/>
@@ -22634,7 +19550,7 @@
       </p:sp>
       <p:sp>
         <p:nvSpPr>
-          <p:cNvPr id="46" name="Rectangle 45">
+          <p:cNvPr id="16" name="Rectangle 15">
             <a:extLst>
               <a:ext uri="{FF2B5EF4-FFF2-40B4-BE49-F238E27FC236}">
                 <a16:creationId xmlns:a16="http://schemas.microsoft.com/office/drawing/2014/main" id="{53E5B1A8-3AC9-4BD1-9BBC-78CA94F2D1BA}"/>
@@ -22713,7 +19629,7 @@
           <p:cNvPr id="2" name="Title 1">
             <a:extLst>
               <a:ext uri="{FF2B5EF4-FFF2-40B4-BE49-F238E27FC236}">
-                <a16:creationId xmlns:a16="http://schemas.microsoft.com/office/drawing/2014/main" id="{DCAB33CA-E989-4B1D-998E-C1CABB240315}"/>
+                <a16:creationId xmlns:a16="http://schemas.microsoft.com/office/drawing/2014/main" id="{F9FA8C8C-42D0-48D4-9358-44CD80FE251A}"/>
               </a:ext>
             </a:extLst>
           </p:cNvPr>
@@ -22743,21 +19659,8 @@
                   <a:srgbClr val="FFFFFF"/>
                 </a:solidFill>
               </a:rPr>
-              <a:t>$</a:t>
+              <a:t>Disclaimer</a:t>
             </a:r>
-            <a:r>
-              <a:rPr lang="en-GB" sz="4000" dirty="0" err="1">
-                <a:solidFill>
-                  <a:srgbClr val="FFFFFF"/>
-                </a:solidFill>
-              </a:rPr>
-              <a:t>whoami</a:t>
-            </a:r>
-            <a:endParaRPr lang="en-GB" sz="4000" dirty="0">
-              <a:solidFill>
-                <a:srgbClr val="FFFFFF"/>
-              </a:solidFill>
-            </a:endParaRPr>
           </a:p>
         </p:txBody>
       </p:sp>
@@ -22766,7 +19669,7 @@
           <p:cNvPr id="3" name="Content Placeholder 2">
             <a:extLst>
               <a:ext uri="{FF2B5EF4-FFF2-40B4-BE49-F238E27FC236}">
-                <a16:creationId xmlns:a16="http://schemas.microsoft.com/office/drawing/2014/main" id="{D3E97A1F-839B-447E-8431-86032A81FB04}"/>
+                <a16:creationId xmlns:a16="http://schemas.microsoft.com/office/drawing/2014/main" id="{752A167C-AD52-45C4-A1BF-695B05F54D8E}"/>
               </a:ext>
             </a:extLst>
           </p:cNvPr>
@@ -22779,13 +19682,13 @@
         </p:nvSpPr>
         <p:spPr>
           <a:xfrm>
-            <a:off x="1371599" y="2318196"/>
-            <a:ext cx="9724031" cy="4120703"/>
+            <a:off x="1457558" y="2014623"/>
+            <a:ext cx="9724031" cy="4412803"/>
           </a:xfrm>
         </p:spPr>
         <p:txBody>
           <a:bodyPr anchor="ctr">
-            <a:normAutofit lnSpcReduction="10000"/>
+            <a:noAutofit/>
           </a:bodyPr>
           <a:lstStyle/>
           <a:p>
@@ -22794,13 +19697,10 @@
                 <a:latin typeface="Arial" panose="020B0604020202020204" pitchFamily="34" charset="0"/>
                 <a:cs typeface="Arial" panose="020B0604020202020204" pitchFamily="34" charset="0"/>
               </a:rPr>
-              <a:t>First Class Masters of Computing Graduate in Computer Networks &amp; Cyber Security (Linux, Network infrastructure, programming)</a:t>
+              <a:t>I take no responsibility for any misuse of the techniques taught in this course. </a:t>
             </a:r>
           </a:p>
           <a:p>
-            <a:pPr marL="0" indent="0">
-              <a:buNone/>
-            </a:pPr>
             <a:endParaRPr lang="en-GB" sz="2400" dirty="0">
               <a:latin typeface="Arial" panose="020B0604020202020204" pitchFamily="34" charset="0"/>
               <a:cs typeface="Arial" panose="020B0604020202020204" pitchFamily="34" charset="0"/>
@@ -22812,7 +19712,7 @@
                 <a:latin typeface="Arial" panose="020B0604020202020204" pitchFamily="34" charset="0"/>
                 <a:cs typeface="Arial" panose="020B0604020202020204" pitchFamily="34" charset="0"/>
               </a:rPr>
-              <a:t>Previously a security consultant for NEBRC (OSINT)</a:t>
+              <a:t>The techniques taught in this training course are intended to be used with given permission to perform penetration tests on networks.</a:t>
             </a:r>
           </a:p>
           <a:p>
@@ -22827,7 +19727,7 @@
                 <a:latin typeface="Arial" panose="020B0604020202020204" pitchFamily="34" charset="0"/>
                 <a:cs typeface="Arial" panose="020B0604020202020204" pitchFamily="34" charset="0"/>
               </a:rPr>
-              <a:t>OSCP (Offensive Security Certified Professional) Certified</a:t>
+              <a:t>Any misuse of these techniques could result in legal action taken by third parties in addition to involvement of local law enforcement agencies.</a:t>
             </a:r>
           </a:p>
           <a:p>
@@ -22838,26 +19738,31 @@
           </a:p>
           <a:p>
             <a:r>
-              <a:rPr lang="en-GB" sz="2400">
+              <a:rPr lang="en-GB" sz="2400" dirty="0">
                 <a:latin typeface="Arial" panose="020B0604020202020204" pitchFamily="34" charset="0"/>
                 <a:cs typeface="Arial" panose="020B0604020202020204" pitchFamily="34" charset="0"/>
               </a:rPr>
-              <a:t>Previous Assistant </a:t>
+              <a:t>The materials of this course have been published with an MIT license, happy learning! </a:t>
             </a:r>
             <a:r>
               <a:rPr lang="en-GB" sz="2400" dirty="0">
                 <a:latin typeface="Arial" panose="020B0604020202020204" pitchFamily="34" charset="0"/>
                 <a:cs typeface="Arial" panose="020B0604020202020204" pitchFamily="34" charset="0"/>
+                <a:sym typeface="Wingdings" panose="05000000000000000000" pitchFamily="2" charset="2"/>
               </a:rPr>
-              <a:t>Manager at Durham University with a specialist background in Offensive Security engaging in penetration testing for Linux systems</a:t>
+              <a:t></a:t>
             </a:r>
+            <a:endParaRPr lang="en-GB" sz="2400" dirty="0">
+              <a:latin typeface="Arial" panose="020B0604020202020204" pitchFamily="34" charset="0"/>
+              <a:cs typeface="Arial" panose="020B0604020202020204" pitchFamily="34" charset="0"/>
+            </a:endParaRPr>
           </a:p>
         </p:txBody>
       </p:sp>
     </p:spTree>
     <p:extLst>
       <p:ext uri="{BB962C8B-B14F-4D97-AF65-F5344CB8AC3E}">
-        <p14:creationId xmlns:p14="http://schemas.microsoft.com/office/powerpoint/2010/main" val="3156751830"/>
+        <p14:creationId xmlns:p14="http://schemas.microsoft.com/office/powerpoint/2010/main" val="1018438556"/>
       </p:ext>
     </p:extLst>
   </p:cSld>
@@ -22867,7 +19772,7 @@
 </p:sld>
 </file>
 
-<file path=ppt/slides/slide3.xml><?xml version="1.0" encoding="utf-8"?>
+<file path=ppt/slides/slide4.xml><?xml version="1.0" encoding="utf-8"?>
 <p:sld xmlns:a="http://schemas.openxmlformats.org/drawingml/2006/main" xmlns:r="http://schemas.openxmlformats.org/officeDocument/2006/relationships" xmlns:p="http://schemas.openxmlformats.org/presentationml/2006/main">
   <p:cSld>
     <p:bg>
@@ -23273,7 +20178,7 @@
           <p:cNvPr id="2" name="Title 1">
             <a:extLst>
               <a:ext uri="{FF2B5EF4-FFF2-40B4-BE49-F238E27FC236}">
-                <a16:creationId xmlns:a16="http://schemas.microsoft.com/office/drawing/2014/main" id="{F9FA8C8C-42D0-48D4-9358-44CD80FE251A}"/>
+                <a16:creationId xmlns:a16="http://schemas.microsoft.com/office/drawing/2014/main" id="{440EDD77-FE1C-466B-9743-D8F65375141A}"/>
               </a:ext>
             </a:extLst>
           </p:cNvPr>
@@ -23303,513 +20208,6 @@
                   <a:srgbClr val="FFFFFF"/>
                 </a:solidFill>
               </a:rPr>
-              <a:t>Disclaimer</a:t>
-            </a:r>
-          </a:p>
-        </p:txBody>
-      </p:sp>
-      <p:sp>
-        <p:nvSpPr>
-          <p:cNvPr id="3" name="Content Placeholder 2">
-            <a:extLst>
-              <a:ext uri="{FF2B5EF4-FFF2-40B4-BE49-F238E27FC236}">
-                <a16:creationId xmlns:a16="http://schemas.microsoft.com/office/drawing/2014/main" id="{752A167C-AD52-45C4-A1BF-695B05F54D8E}"/>
-              </a:ext>
-            </a:extLst>
-          </p:cNvPr>
-          <p:cNvSpPr>
-            <a:spLocks noGrp="1"/>
-          </p:cNvSpPr>
-          <p:nvPr>
-            <p:ph idx="1"/>
-          </p:nvPr>
-        </p:nvSpPr>
-        <p:spPr>
-          <a:xfrm>
-            <a:off x="1371599" y="2318197"/>
-            <a:ext cx="9724031" cy="3683358"/>
-          </a:xfrm>
-        </p:spPr>
-        <p:txBody>
-          <a:bodyPr anchor="ctr">
-            <a:normAutofit/>
-          </a:bodyPr>
-          <a:lstStyle/>
-          <a:p>
-            <a:r>
-              <a:rPr lang="en-GB" sz="2000" dirty="0"/>
-              <a:t>I take no responsibility for any misuse of the techniques taught in this course. </a:t>
-            </a:r>
-          </a:p>
-          <a:p>
-            <a:endParaRPr lang="en-GB" sz="2000" dirty="0"/>
-          </a:p>
-          <a:p>
-            <a:r>
-              <a:rPr lang="en-GB" sz="2000" dirty="0"/>
-              <a:t>The techniques taught in this training course are intended to be used with given permission to perform penetration tests on networks.</a:t>
-            </a:r>
-          </a:p>
-          <a:p>
-            <a:endParaRPr lang="en-GB" sz="2000" dirty="0"/>
-          </a:p>
-          <a:p>
-            <a:r>
-              <a:rPr lang="en-GB" sz="2000" dirty="0"/>
-              <a:t>Any misuse of these techniques could result in legal action taken by third parties in addition to involvement of local law enforcement agencies.</a:t>
-            </a:r>
-          </a:p>
-        </p:txBody>
-      </p:sp>
-    </p:spTree>
-    <p:extLst>
-      <p:ext uri="{BB962C8B-B14F-4D97-AF65-F5344CB8AC3E}">
-        <p14:creationId xmlns:p14="http://schemas.microsoft.com/office/powerpoint/2010/main" val="1018438556"/>
-      </p:ext>
-    </p:extLst>
-  </p:cSld>
-  <p:clrMapOvr>
-    <a:masterClrMapping/>
-  </p:clrMapOvr>
-</p:sld>
-</file>
-
-<file path=ppt/slides/slide4.xml><?xml version="1.0" encoding="utf-8"?>
-<p:sld xmlns:a="http://schemas.openxmlformats.org/drawingml/2006/main" xmlns:r="http://schemas.openxmlformats.org/officeDocument/2006/relationships" xmlns:p="http://schemas.openxmlformats.org/presentationml/2006/main">
-  <p:cSld>
-    <p:bg>
-      <p:bgPr>
-        <a:solidFill>
-          <a:schemeClr val="bg1"/>
-        </a:solidFill>
-        <a:effectLst/>
-      </p:bgPr>
-    </p:bg>
-    <p:spTree>
-      <p:nvGrpSpPr>
-        <p:cNvPr id="1" name=""/>
-        <p:cNvGrpSpPr/>
-        <p:nvPr/>
-      </p:nvGrpSpPr>
-      <p:grpSpPr>
-        <a:xfrm>
-          <a:off x="0" y="0"/>
-          <a:ext cx="0" cy="0"/>
-          <a:chOff x="0" y="0"/>
-          <a:chExt cx="0" cy="0"/>
-        </a:xfrm>
-      </p:grpSpPr>
-      <p:sp useBgFill="1">
-        <p:nvSpPr>
-          <p:cNvPr id="8" name="Rectangle 7">
-            <a:extLst>
-              <a:ext uri="{FF2B5EF4-FFF2-40B4-BE49-F238E27FC236}">
-                <a16:creationId xmlns:a16="http://schemas.microsoft.com/office/drawing/2014/main" id="{1B15ED52-F352-441B-82BF-E0EA34836D08}"/>
-              </a:ext>
-              <a:ext uri="{C183D7F6-B498-43B3-948B-1728B52AA6E4}">
-                <adec:decorative xmlns:adec="http://schemas.microsoft.com/office/drawing/2017/decorative" val="1"/>
-              </a:ext>
-            </a:extLst>
-          </p:cNvPr>
-          <p:cNvSpPr>
-            <a:spLocks noGrp="1" noRot="1" noChangeAspect="1" noMove="1" noResize="1" noEditPoints="1" noAdjustHandles="1" noChangeArrowheads="1" noChangeShapeType="1" noTextEdit="1"/>
-          </p:cNvSpPr>
-          <p:nvPr>
-            <p:extLst>
-              <p:ext uri="{386F3935-93C4-4BCD-93E2-E3B085C9AB24}">
-                <p16:designElem xmlns:p16="http://schemas.microsoft.com/office/powerpoint/2015/main" val="1"/>
-              </p:ext>
-            </p:extLst>
-          </p:nvPr>
-        </p:nvSpPr>
-        <p:spPr>
-          <a:xfrm>
-            <a:off x="0" y="0"/>
-            <a:ext cx="12192000" cy="6858000"/>
-          </a:xfrm>
-          <a:prstGeom prst="rect">
-            <a:avLst/>
-          </a:prstGeom>
-          <a:ln w="12700" cap="flat" cmpd="sng" algn="ctr">
-            <a:noFill/>
-            <a:prstDash val="solid"/>
-            <a:miter lim="800000"/>
-          </a:ln>
-          <a:effectLst/>
-          <a:extLst>
-            <a:ext uri="{91240B29-F687-4F45-9708-019B960494DF}">
-              <a14:hiddenLine xmlns:a14="http://schemas.microsoft.com/office/drawing/2010/main" w="12700" cap="flat" cmpd="sng" algn="ctr">
-                <a:solidFill>
-                  <a:schemeClr val="accent1">
-                    <a:shade val="50000"/>
-                  </a:schemeClr>
-                </a:solidFill>
-                <a:prstDash val="solid"/>
-                <a:miter lim="800000"/>
-              </a14:hiddenLine>
-            </a:ext>
-          </a:extLst>
-        </p:spPr>
-        <p:style>
-          <a:lnRef idx="2">
-            <a:schemeClr val="accent1">
-              <a:shade val="50000"/>
-            </a:schemeClr>
-          </a:lnRef>
-          <a:fillRef idx="1">
-            <a:schemeClr val="accent1"/>
-          </a:fillRef>
-          <a:effectRef idx="0">
-            <a:schemeClr val="accent1"/>
-          </a:effectRef>
-          <a:fontRef idx="minor">
-            <a:schemeClr val="lt1"/>
-          </a:fontRef>
-        </p:style>
-        <p:txBody>
-          <a:bodyPr rtlCol="0" anchor="ctr"/>
-          <a:lstStyle/>
-          <a:p>
-            <a:pPr algn="ctr"/>
-            <a:endParaRPr lang="en-US"/>
-          </a:p>
-        </p:txBody>
-      </p:sp>
-      <p:sp>
-        <p:nvSpPr>
-          <p:cNvPr id="10" name="Rectangle 9">
-            <a:extLst>
-              <a:ext uri="{FF2B5EF4-FFF2-40B4-BE49-F238E27FC236}">
-                <a16:creationId xmlns:a16="http://schemas.microsoft.com/office/drawing/2014/main" id="{3B2E3793-BFE6-45A2-9B7B-E18844431C99}"/>
-              </a:ext>
-              <a:ext uri="{C183D7F6-B498-43B3-948B-1728B52AA6E4}">
-                <adec:decorative xmlns:adec="http://schemas.microsoft.com/office/drawing/2017/decorative" val="1"/>
-              </a:ext>
-            </a:extLst>
-          </p:cNvPr>
-          <p:cNvSpPr>
-            <a:spLocks noGrp="1" noRot="1" noChangeAspect="1" noMove="1" noResize="1" noEditPoints="1" noAdjustHandles="1" noChangeArrowheads="1" noChangeShapeType="1" noTextEdit="1"/>
-          </p:cNvSpPr>
-          <p:nvPr>
-            <p:extLst>
-              <p:ext uri="{386F3935-93C4-4BCD-93E2-E3B085C9AB24}">
-                <p16:designElem xmlns:p16="http://schemas.microsoft.com/office/powerpoint/2015/main" val="1"/>
-              </p:ext>
-            </p:extLst>
-          </p:nvPr>
-        </p:nvSpPr>
-        <p:spPr>
-          <a:xfrm flipH="1">
-            <a:off x="-1" y="-1"/>
-            <a:ext cx="12191998" cy="1590742"/>
-          </a:xfrm>
-          <a:prstGeom prst="rect">
-            <a:avLst/>
-          </a:prstGeom>
-          <a:gradFill>
-            <a:gsLst>
-              <a:gs pos="0">
-                <a:srgbClr val="000000"/>
-              </a:gs>
-              <a:gs pos="100000">
-                <a:schemeClr val="accent1">
-                  <a:lumMod val="75000"/>
-                </a:schemeClr>
-              </a:gs>
-            </a:gsLst>
-            <a:lin ang="8400000" scaled="0"/>
-          </a:gradFill>
-          <a:ln>
-            <a:noFill/>
-          </a:ln>
-        </p:spPr>
-        <p:style>
-          <a:lnRef idx="2">
-            <a:schemeClr val="accent1">
-              <a:shade val="50000"/>
-            </a:schemeClr>
-          </a:lnRef>
-          <a:fillRef idx="1">
-            <a:schemeClr val="accent1"/>
-          </a:fillRef>
-          <a:effectRef idx="0">
-            <a:schemeClr val="accent1"/>
-          </a:effectRef>
-          <a:fontRef idx="minor">
-            <a:schemeClr val="lt1"/>
-          </a:fontRef>
-        </p:style>
-        <p:txBody>
-          <a:bodyPr rtlCol="0" anchor="ctr"/>
-          <a:lstStyle/>
-          <a:p>
-            <a:pPr algn="ctr"/>
-            <a:endParaRPr lang="en-US"/>
-          </a:p>
-        </p:txBody>
-      </p:sp>
-      <p:sp>
-        <p:nvSpPr>
-          <p:cNvPr id="12" name="Rectangle 11">
-            <a:extLst>
-              <a:ext uri="{FF2B5EF4-FFF2-40B4-BE49-F238E27FC236}">
-                <a16:creationId xmlns:a16="http://schemas.microsoft.com/office/drawing/2014/main" id="{BC4C4868-CB8F-4AF9-9CDB-8108F2C19B67}"/>
-              </a:ext>
-              <a:ext uri="{C183D7F6-B498-43B3-948B-1728B52AA6E4}">
-                <adec:decorative xmlns:adec="http://schemas.microsoft.com/office/drawing/2017/decorative" val="1"/>
-              </a:ext>
-            </a:extLst>
-          </p:cNvPr>
-          <p:cNvSpPr>
-            <a:spLocks noGrp="1" noRot="1" noChangeAspect="1" noMove="1" noResize="1" noEditPoints="1" noAdjustHandles="1" noChangeArrowheads="1" noChangeShapeType="1" noTextEdit="1"/>
-          </p:cNvSpPr>
-          <p:nvPr>
-            <p:extLst>
-              <p:ext uri="{386F3935-93C4-4BCD-93E2-E3B085C9AB24}">
-                <p16:designElem xmlns:p16="http://schemas.microsoft.com/office/powerpoint/2015/main" val="1"/>
-              </p:ext>
-            </p:extLst>
-          </p:nvPr>
-        </p:nvSpPr>
-        <p:spPr>
-          <a:xfrm rot="10800000" flipH="1">
-            <a:off x="-3" y="0"/>
-            <a:ext cx="8115306" cy="1590742"/>
-          </a:xfrm>
-          <a:prstGeom prst="rect">
-            <a:avLst/>
-          </a:prstGeom>
-          <a:gradFill>
-            <a:gsLst>
-              <a:gs pos="20000">
-                <a:schemeClr val="accent1">
-                  <a:alpha val="0"/>
-                </a:schemeClr>
-              </a:gs>
-              <a:gs pos="100000">
-                <a:schemeClr val="accent1">
-                  <a:lumMod val="50000"/>
-                  <a:alpha val="55000"/>
-                </a:schemeClr>
-              </a:gs>
-            </a:gsLst>
-            <a:lin ang="13800000" scaled="0"/>
-          </a:gradFill>
-          <a:ln>
-            <a:noFill/>
-          </a:ln>
-        </p:spPr>
-        <p:style>
-          <a:lnRef idx="2">
-            <a:schemeClr val="accent1">
-              <a:shade val="50000"/>
-            </a:schemeClr>
-          </a:lnRef>
-          <a:fillRef idx="1">
-            <a:schemeClr val="accent1"/>
-          </a:fillRef>
-          <a:effectRef idx="0">
-            <a:schemeClr val="accent1"/>
-          </a:effectRef>
-          <a:fontRef idx="minor">
-            <a:schemeClr val="lt1"/>
-          </a:fontRef>
-        </p:style>
-        <p:txBody>
-          <a:bodyPr rtlCol="0" anchor="ctr"/>
-          <a:lstStyle/>
-          <a:p>
-            <a:pPr algn="ctr"/>
-            <a:endParaRPr lang="en-US"/>
-          </a:p>
-        </p:txBody>
-      </p:sp>
-      <p:sp>
-        <p:nvSpPr>
-          <p:cNvPr id="14" name="Rectangle 13">
-            <a:extLst>
-              <a:ext uri="{FF2B5EF4-FFF2-40B4-BE49-F238E27FC236}">
-                <a16:creationId xmlns:a16="http://schemas.microsoft.com/office/drawing/2014/main" id="{375E0459-6403-40CD-989D-56A4407CA12E}"/>
-              </a:ext>
-              <a:ext uri="{C183D7F6-B498-43B3-948B-1728B52AA6E4}">
-                <adec:decorative xmlns:adec="http://schemas.microsoft.com/office/drawing/2017/decorative" val="1"/>
-              </a:ext>
-            </a:extLst>
-          </p:cNvPr>
-          <p:cNvSpPr>
-            <a:spLocks noGrp="1" noRot="1" noChangeAspect="1" noMove="1" noResize="1" noEditPoints="1" noAdjustHandles="1" noChangeArrowheads="1" noChangeShapeType="1" noTextEdit="1"/>
-          </p:cNvSpPr>
-          <p:nvPr>
-            <p:extLst>
-              <p:ext uri="{386F3935-93C4-4BCD-93E2-E3B085C9AB24}">
-                <p16:designElem xmlns:p16="http://schemas.microsoft.com/office/powerpoint/2015/main" val="1"/>
-              </p:ext>
-            </p:extLst>
-          </p:nvPr>
-        </p:nvSpPr>
-        <p:spPr>
-          <a:xfrm flipH="1">
-            <a:off x="8115299" y="-1"/>
-            <a:ext cx="4076698" cy="1590742"/>
-          </a:xfrm>
-          <a:prstGeom prst="rect">
-            <a:avLst/>
-          </a:prstGeom>
-          <a:gradFill>
-            <a:gsLst>
-              <a:gs pos="0">
-                <a:schemeClr val="accent1">
-                  <a:alpha val="66000"/>
-                </a:schemeClr>
-              </a:gs>
-              <a:gs pos="100000">
-                <a:srgbClr val="000000">
-                  <a:alpha val="30000"/>
-                </a:srgbClr>
-              </a:gs>
-            </a:gsLst>
-            <a:lin ang="13200000" scaled="0"/>
-          </a:gradFill>
-          <a:ln>
-            <a:noFill/>
-          </a:ln>
-        </p:spPr>
-        <p:style>
-          <a:lnRef idx="2">
-            <a:schemeClr val="accent1">
-              <a:shade val="50000"/>
-            </a:schemeClr>
-          </a:lnRef>
-          <a:fillRef idx="1">
-            <a:schemeClr val="accent1"/>
-          </a:fillRef>
-          <a:effectRef idx="0">
-            <a:schemeClr val="accent1"/>
-          </a:effectRef>
-          <a:fontRef idx="minor">
-            <a:schemeClr val="lt1"/>
-          </a:fontRef>
-        </p:style>
-        <p:txBody>
-          <a:bodyPr rtlCol="0" anchor="ctr"/>
-          <a:lstStyle/>
-          <a:p>
-            <a:pPr algn="ctr"/>
-            <a:endParaRPr lang="en-US"/>
-          </a:p>
-        </p:txBody>
-      </p:sp>
-      <p:sp>
-        <p:nvSpPr>
-          <p:cNvPr id="16" name="Rectangle 15">
-            <a:extLst>
-              <a:ext uri="{FF2B5EF4-FFF2-40B4-BE49-F238E27FC236}">
-                <a16:creationId xmlns:a16="http://schemas.microsoft.com/office/drawing/2014/main" id="{53E5B1A8-3AC9-4BD1-9BBC-78CA94F2D1BA}"/>
-              </a:ext>
-              <a:ext uri="{C183D7F6-B498-43B3-948B-1728B52AA6E4}">
-                <adec:decorative xmlns:adec="http://schemas.microsoft.com/office/drawing/2017/decorative" val="1"/>
-              </a:ext>
-            </a:extLst>
-          </p:cNvPr>
-          <p:cNvSpPr>
-            <a:spLocks noGrp="1" noRot="1" noChangeAspect="1" noMove="1" noResize="1" noEditPoints="1" noAdjustHandles="1" noChangeArrowheads="1" noChangeShapeType="1" noTextEdit="1"/>
-          </p:cNvSpPr>
-          <p:nvPr>
-            <p:extLst>
-              <p:ext uri="{386F3935-93C4-4BCD-93E2-E3B085C9AB24}">
-                <p16:designElem xmlns:p16="http://schemas.microsoft.com/office/powerpoint/2015/main" val="1"/>
-              </p:ext>
-            </p:extLst>
-          </p:nvPr>
-        </p:nvSpPr>
-        <p:spPr>
-          <a:xfrm>
-            <a:off x="459350" y="-1"/>
-            <a:ext cx="11732646" cy="1597433"/>
-          </a:xfrm>
-          <a:prstGeom prst="rect">
-            <a:avLst/>
-          </a:prstGeom>
-          <a:gradFill>
-            <a:gsLst>
-              <a:gs pos="50000">
-                <a:srgbClr val="000000">
-                  <a:alpha val="0"/>
-                </a:srgbClr>
-              </a:gs>
-              <a:gs pos="99000">
-                <a:schemeClr val="accent1">
-                  <a:lumMod val="50000"/>
-                  <a:alpha val="52000"/>
-                </a:schemeClr>
-              </a:gs>
-            </a:gsLst>
-            <a:lin ang="16800000" scaled="0"/>
-          </a:gradFill>
-          <a:ln>
-            <a:noFill/>
-          </a:ln>
-        </p:spPr>
-        <p:style>
-          <a:lnRef idx="2">
-            <a:schemeClr val="accent1">
-              <a:shade val="50000"/>
-            </a:schemeClr>
-          </a:lnRef>
-          <a:fillRef idx="1">
-            <a:schemeClr val="accent1"/>
-          </a:fillRef>
-          <a:effectRef idx="0">
-            <a:schemeClr val="accent1"/>
-          </a:effectRef>
-          <a:fontRef idx="minor">
-            <a:schemeClr val="lt1"/>
-          </a:fontRef>
-        </p:style>
-        <p:txBody>
-          <a:bodyPr rtlCol="0" anchor="ctr"/>
-          <a:lstStyle/>
-          <a:p>
-            <a:pPr algn="ctr"/>
-            <a:endParaRPr lang="en-US"/>
-          </a:p>
-        </p:txBody>
-      </p:sp>
-      <p:sp>
-        <p:nvSpPr>
-          <p:cNvPr id="2" name="Title 1">
-            <a:extLst>
-              <a:ext uri="{FF2B5EF4-FFF2-40B4-BE49-F238E27FC236}">
-                <a16:creationId xmlns:a16="http://schemas.microsoft.com/office/drawing/2014/main" id="{440EDD77-FE1C-466B-9743-D8F65375141A}"/>
-              </a:ext>
-            </a:extLst>
-          </p:cNvPr>
-          <p:cNvSpPr>
-            <a:spLocks noGrp="1"/>
-          </p:cNvSpPr>
-          <p:nvPr>
-            <p:ph type="title"/>
-          </p:nvPr>
-        </p:nvSpPr>
-        <p:spPr>
-          <a:xfrm>
-            <a:off x="1371599" y="294538"/>
-            <a:ext cx="9895951" cy="1033669"/>
-          </a:xfrm>
-        </p:spPr>
-        <p:txBody>
-          <a:bodyPr>
-            <a:normAutofit/>
-          </a:bodyPr>
-          <a:lstStyle/>
-          <a:p>
-            <a:pPr algn="ctr"/>
-            <a:r>
-              <a:rPr lang="en-GB" sz="4000" dirty="0">
-                <a:solidFill>
-                  <a:srgbClr val="FFFFFF"/>
-                </a:solidFill>
-              </a:rPr>
               <a:t>Pre-requisites</a:t>
             </a:r>
           </a:p>
@@ -23879,21 +20277,6 @@
                 <a:cs typeface="Arial" panose="020B0604020202020204" pitchFamily="34" charset="0"/>
               </a:rPr>
               <a:t>Proficiency in a programming language such as: Python, Bash, Perl, PHP</a:t>
-            </a:r>
-          </a:p>
-          <a:p>
-            <a:endParaRPr lang="en-GB" sz="2400" dirty="0">
-              <a:latin typeface="Arial" panose="020B0604020202020204" pitchFamily="34" charset="0"/>
-              <a:cs typeface="Arial" panose="020B0604020202020204" pitchFamily="34" charset="0"/>
-            </a:endParaRPr>
-          </a:p>
-          <a:p>
-            <a:r>
-              <a:rPr lang="en-GB" sz="2400" dirty="0">
-                <a:latin typeface="Arial" panose="020B0604020202020204" pitchFamily="34" charset="0"/>
-                <a:cs typeface="Arial" panose="020B0604020202020204" pitchFamily="34" charset="0"/>
-              </a:rPr>
-              <a:t>AWS EC2 machine for testing WAN based attacks</a:t>
             </a:r>
           </a:p>
         </p:txBody>
@@ -25237,7 +21620,7 @@
           <a:p>
             <a:r>
               <a:rPr lang="en-GB" dirty="0"/>
-              <a:t>Internal Testing – 40%</a:t>
+              <a:t>Internal Testing – 60%</a:t>
             </a:r>
           </a:p>
         </p:txBody>

--- a/1 - Offensive Security Tactics for Linux Professionals -  Introduction.pptx
+++ b/1 - Offensive Security Tactics for Linux Professionals -  Introduction.pptx
@@ -9655,7 +9655,7 @@
           <a:p>
             <a:fld id="{8581789B-417A-45A8-BF59-3A91DCC030A1}" type="datetimeFigureOut">
               <a:rPr lang="en-GB" smtClean="0"/>
-              <a:t>10/04/2022</a:t>
+              <a:t>11/04/2022</a:t>
             </a:fld>
             <a:endParaRPr lang="en-GB"/>
           </a:p>
@@ -11599,7 +11599,7 @@
           <a:p>
             <a:fld id="{A4439BD6-68A8-4E1A-9A49-942B2585C2CF}" type="datetimeFigureOut">
               <a:rPr lang="en-GB" smtClean="0"/>
-              <a:t>10/04/2022</a:t>
+              <a:t>11/04/2022</a:t>
             </a:fld>
             <a:endParaRPr lang="en-GB"/>
           </a:p>
@@ -11799,7 +11799,7 @@
           <a:p>
             <a:fld id="{A4439BD6-68A8-4E1A-9A49-942B2585C2CF}" type="datetimeFigureOut">
               <a:rPr lang="en-GB" smtClean="0"/>
-              <a:t>10/04/2022</a:t>
+              <a:t>11/04/2022</a:t>
             </a:fld>
             <a:endParaRPr lang="en-GB"/>
           </a:p>
@@ -12009,7 +12009,7 @@
           <a:p>
             <a:fld id="{A4439BD6-68A8-4E1A-9A49-942B2585C2CF}" type="datetimeFigureOut">
               <a:rPr lang="en-GB" smtClean="0"/>
-              <a:t>10/04/2022</a:t>
+              <a:t>11/04/2022</a:t>
             </a:fld>
             <a:endParaRPr lang="en-GB"/>
           </a:p>
@@ -12209,7 +12209,7 @@
           <a:p>
             <a:fld id="{A4439BD6-68A8-4E1A-9A49-942B2585C2CF}" type="datetimeFigureOut">
               <a:rPr lang="en-GB" smtClean="0"/>
-              <a:t>10/04/2022</a:t>
+              <a:t>11/04/2022</a:t>
             </a:fld>
             <a:endParaRPr lang="en-GB"/>
           </a:p>
@@ -12485,7 +12485,7 @@
           <a:p>
             <a:fld id="{A4439BD6-68A8-4E1A-9A49-942B2585C2CF}" type="datetimeFigureOut">
               <a:rPr lang="en-GB" smtClean="0"/>
-              <a:t>10/04/2022</a:t>
+              <a:t>11/04/2022</a:t>
             </a:fld>
             <a:endParaRPr lang="en-GB"/>
           </a:p>
@@ -12753,7 +12753,7 @@
           <a:p>
             <a:fld id="{A4439BD6-68A8-4E1A-9A49-942B2585C2CF}" type="datetimeFigureOut">
               <a:rPr lang="en-GB" smtClean="0"/>
-              <a:t>10/04/2022</a:t>
+              <a:t>11/04/2022</a:t>
             </a:fld>
             <a:endParaRPr lang="en-GB"/>
           </a:p>
@@ -13168,7 +13168,7 @@
           <a:p>
             <a:fld id="{A4439BD6-68A8-4E1A-9A49-942B2585C2CF}" type="datetimeFigureOut">
               <a:rPr lang="en-GB" smtClean="0"/>
-              <a:t>10/04/2022</a:t>
+              <a:t>11/04/2022</a:t>
             </a:fld>
             <a:endParaRPr lang="en-GB"/>
           </a:p>
@@ -13310,7 +13310,7 @@
           <a:p>
             <a:fld id="{A4439BD6-68A8-4E1A-9A49-942B2585C2CF}" type="datetimeFigureOut">
               <a:rPr lang="en-GB" smtClean="0"/>
-              <a:t>10/04/2022</a:t>
+              <a:t>11/04/2022</a:t>
             </a:fld>
             <a:endParaRPr lang="en-GB"/>
           </a:p>
@@ -13423,7 +13423,7 @@
           <a:p>
             <a:fld id="{A4439BD6-68A8-4E1A-9A49-942B2585C2CF}" type="datetimeFigureOut">
               <a:rPr lang="en-GB" smtClean="0"/>
-              <a:t>10/04/2022</a:t>
+              <a:t>11/04/2022</a:t>
             </a:fld>
             <a:endParaRPr lang="en-GB"/>
           </a:p>
@@ -13736,7 +13736,7 @@
           <a:p>
             <a:fld id="{A4439BD6-68A8-4E1A-9A49-942B2585C2CF}" type="datetimeFigureOut">
               <a:rPr lang="en-GB" smtClean="0"/>
-              <a:t>10/04/2022</a:t>
+              <a:t>11/04/2022</a:t>
             </a:fld>
             <a:endParaRPr lang="en-GB"/>
           </a:p>
@@ -14025,7 +14025,7 @@
           <a:p>
             <a:fld id="{A4439BD6-68A8-4E1A-9A49-942B2585C2CF}" type="datetimeFigureOut">
               <a:rPr lang="en-GB" smtClean="0"/>
-              <a:t>10/04/2022</a:t>
+              <a:t>11/04/2022</a:t>
             </a:fld>
             <a:endParaRPr lang="en-GB"/>
           </a:p>
@@ -14268,7 +14268,7 @@
           <a:p>
             <a:fld id="{A4439BD6-68A8-4E1A-9A49-942B2585C2CF}" type="datetimeFigureOut">
               <a:rPr lang="en-GB" smtClean="0"/>
-              <a:t>10/04/2022</a:t>
+              <a:t>11/04/2022</a:t>
             </a:fld>
             <a:endParaRPr lang="en-GB"/>
           </a:p>
@@ -19201,11 +19201,18 @@
           </a:p>
           <a:p>
             <a:r>
+              <a:rPr lang="en-GB" sz="2400">
+                <a:latin typeface="Arial" panose="020B0604020202020204" pitchFamily="34" charset="0"/>
+                <a:cs typeface="Arial" panose="020B0604020202020204" pitchFamily="34" charset="0"/>
+              </a:rPr>
+              <a:t>Current Assistant </a:t>
+            </a:r>
+            <a:r>
               <a:rPr lang="en-GB" sz="2400" dirty="0">
                 <a:latin typeface="Arial" panose="020B0604020202020204" pitchFamily="34" charset="0"/>
                 <a:cs typeface="Arial" panose="020B0604020202020204" pitchFamily="34" charset="0"/>
               </a:rPr>
-              <a:t>Previous Assistant Manager at Durham University with a specialist background in Offensive Security engaging in penetration testing for Linux systems</a:t>
+              <a:t>Manager at Durham University with a specialist background in Offensive Security engaging in penetration testing for Linux systems</a:t>
             </a:r>
           </a:p>
         </p:txBody>
